--- a/LectureFiles/cshl/2015/RNASeq_Module4_Tutorial.pptx
+++ b/LectureFiles/cshl/2015/RNASeq_Module4_Tutorial.pptx
@@ -5,15 +5,15 @@
     <p:sldMasterId id="2147483648" r:id="rId1"/>
   </p:sldMasterIdLst>
   <p:notesMasterIdLst>
-    <p:notesMasterId r:id="rId14"/>
+    <p:notesMasterId r:id="rId15"/>
   </p:notesMasterIdLst>
   <p:handoutMasterIdLst>
-    <p:handoutMasterId r:id="rId15"/>
+    <p:handoutMasterId r:id="rId16"/>
   </p:handoutMasterIdLst>
   <p:sldIdLst>
     <p:sldId id="341" r:id="rId2"/>
-    <p:sldId id="257" r:id="rId3"/>
-    <p:sldId id="513" r:id="rId4"/>
+    <p:sldId id="513" r:id="rId3"/>
+    <p:sldId id="514" r:id="rId4"/>
     <p:sldId id="515" r:id="rId5"/>
     <p:sldId id="516" r:id="rId6"/>
     <p:sldId id="517" r:id="rId7"/>
@@ -22,7 +22,8 @@
     <p:sldId id="520" r:id="rId10"/>
     <p:sldId id="521" r:id="rId11"/>
     <p:sldId id="522" r:id="rId12"/>
-    <p:sldId id="512" r:id="rId13"/>
+    <p:sldId id="523" r:id="rId13"/>
+    <p:sldId id="512" r:id="rId14"/>
   </p:sldIdLst>
   <p:sldSz cx="9144000" cy="6858000" type="screen4x3"/>
   <p:notesSz cx="7315200" cy="9601200"/>
@@ -252,12 +253,12 @@
             <a:pPr>
               <a:defRPr/>
             </a:pPr>
-            <a:fld id="{E6E3EF59-F9CC-094D-9DD9-A8B7523EAA57}" type="datetime1">
+            <a:fld id="{DE9121C1-E2BF-E745-B860-78422DD9843C}" type="datetime1">
               <a:rPr lang="en-US"/>
               <a:pPr>
                 <a:defRPr/>
               </a:pPr>
-              <a:t>11/18/14</a:t>
+              <a:t>11/14/15</a:t>
             </a:fld>
             <a:endParaRPr lang="en-US"/>
           </a:p>
@@ -339,7 +340,7 @@
             <a:pPr>
               <a:defRPr/>
             </a:pPr>
-            <a:fld id="{09965F9B-05A0-454C-8223-BD5B3F5E820A}" type="slidenum">
+            <a:fld id="{78E0C042-AF95-A94D-832D-10E1E8C542D1}" type="slidenum">
               <a:rPr lang="en-US"/>
               <a:pPr>
                 <a:defRPr/>
@@ -353,7 +354,7 @@
     </p:spTree>
     <p:extLst>
       <p:ext uri="{BB962C8B-B14F-4D97-AF65-F5344CB8AC3E}">
-        <p14:creationId xmlns:p14="http://schemas.microsoft.com/office/powerpoint/2010/main" val="2165356942"/>
+        <p14:creationId xmlns:p14="http://schemas.microsoft.com/office/powerpoint/2010/main" val="3520265413"/>
       </p:ext>
     </p:extLst>
   </p:cSld>
@@ -459,12 +460,12 @@
             <a:pPr>
               <a:defRPr/>
             </a:pPr>
-            <a:fld id="{F2F79566-8CF7-0740-BE95-7967F2D6BE77}" type="datetime1">
+            <a:fld id="{35287995-21E9-BA49-A2F5-7D67D447DBDA}" type="datetime1">
               <a:rPr lang="en-US"/>
               <a:pPr>
                 <a:defRPr/>
               </a:pPr>
-              <a:t>11/18/14</a:t>
+              <a:t>11/14/15</a:t>
             </a:fld>
             <a:endParaRPr lang="en-US"/>
           </a:p>
@@ -648,7 +649,7 @@
             <a:pPr>
               <a:defRPr/>
             </a:pPr>
-            <a:fld id="{4C398650-EDEA-364B-A50C-6251BD272EE2}" type="slidenum">
+            <a:fld id="{58FBEE90-0CDA-3447-B595-4F8759630F3A}" type="slidenum">
               <a:rPr lang="en-US"/>
               <a:pPr>
                 <a:defRPr/>
@@ -662,7 +663,7 @@
     </p:spTree>
     <p:extLst>
       <p:ext uri="{BB962C8B-B14F-4D97-AF65-F5344CB8AC3E}">
-        <p14:creationId xmlns:p14="http://schemas.microsoft.com/office/powerpoint/2010/main" val="158643205"/>
+        <p14:creationId xmlns:p14="http://schemas.microsoft.com/office/powerpoint/2010/main" val="2390151617"/>
       </p:ext>
     </p:extLst>
   </p:cSld>
@@ -953,7 +954,7 @@
           </a:lstStyle>
           <a:p>
             <a:pPr eaLnBrk="1" hangingPunct="1"/>
-            <a:fld id="{EA35BC24-D481-3E4E-87EB-03E08E404FBF}" type="slidenum">
+            <a:fld id="{E615A74A-226C-0140-916B-890CCA900CEA}" type="slidenum">
               <a:rPr lang="en-US" sz="1300">
                 <a:latin typeface="Calibri" charset="0"/>
               </a:rPr>
@@ -1048,6 +1049,273 @@
 </p:notes>
 </file>
 
+<file path=ppt/notesSlides/notesSlide10.xml><?xml version="1.0" encoding="utf-8"?>
+<p:notes xmlns:a="http://schemas.openxmlformats.org/drawingml/2006/main" xmlns:r="http://schemas.openxmlformats.org/officeDocument/2006/relationships" xmlns:p="http://schemas.openxmlformats.org/presentationml/2006/main">
+  <p:cSld>
+    <p:spTree>
+      <p:nvGrpSpPr>
+        <p:cNvPr id="1" name=""/>
+        <p:cNvGrpSpPr/>
+        <p:nvPr/>
+      </p:nvGrpSpPr>
+      <p:grpSpPr>
+        <a:xfrm>
+          <a:off x="0" y="0"/>
+          <a:ext cx="0" cy="0"/>
+          <a:chOff x="0" y="0"/>
+          <a:chExt cx="0" cy="0"/>
+        </a:xfrm>
+      </p:grpSpPr>
+      <p:sp>
+        <p:nvSpPr>
+          <p:cNvPr id="34817" name="Slide Image Placeholder 1"/>
+          <p:cNvSpPr>
+            <a:spLocks noGrp="1" noRot="1" noChangeAspect="1"/>
+          </p:cNvSpPr>
+          <p:nvPr>
+            <p:ph type="sldImg"/>
+          </p:nvPr>
+        </p:nvSpPr>
+        <p:spPr bwMode="auto">
+          <a:noFill/>
+          <a:ln>
+            <a:solidFill>
+              <a:srgbClr val="000000"/>
+            </a:solidFill>
+            <a:miter lim="800000"/>
+            <a:headEnd/>
+            <a:tailEnd/>
+          </a:ln>
+          <a:extLst>
+            <a:ext uri="{909E8E84-426E-40dd-AFC4-6F175D3DCCD1}">
+              <a14:hiddenFill xmlns:a14="http://schemas.microsoft.com/office/drawing/2010/main">
+                <a:solidFill>
+                  <a:srgbClr val="FFFFFF"/>
+                </a:solidFill>
+              </a14:hiddenFill>
+            </a:ext>
+            <a:ext uri="{FAA26D3D-D897-4be2-8F04-BA451C77F1D7}">
+              <ma14:placeholderFlag xmlns:ma14="http://schemas.microsoft.com/office/mac/drawingml/2011/main" val="1"/>
+            </a:ext>
+          </a:extLst>
+        </p:spPr>
+      </p:sp>
+      <p:sp>
+        <p:nvSpPr>
+          <p:cNvPr id="34818" name="Notes Placeholder 2"/>
+          <p:cNvSpPr>
+            <a:spLocks noGrp="1"/>
+          </p:cNvSpPr>
+          <p:nvPr>
+            <p:ph type="body" idx="1"/>
+          </p:nvPr>
+        </p:nvSpPr>
+        <p:spPr bwMode="auto">
+          <a:noFill/>
+          <a:extLst>
+            <a:ext uri="{909E8E84-426E-40dd-AFC4-6F175D3DCCD1}">
+              <a14:hiddenFill xmlns:a14="http://schemas.microsoft.com/office/drawing/2010/main">
+                <a:solidFill>
+                  <a:srgbClr val="FFFFFF"/>
+                </a:solidFill>
+              </a14:hiddenFill>
+            </a:ext>
+            <a:ext uri="{91240B29-F687-4f45-9708-019B960494DF}">
+              <a14:hiddenLine xmlns:a14="http://schemas.microsoft.com/office/drawing/2010/main" w="9525">
+                <a:solidFill>
+                  <a:srgbClr val="000000"/>
+                </a:solidFill>
+                <a:miter lim="800000"/>
+                <a:headEnd/>
+                <a:tailEnd/>
+              </a14:hiddenLine>
+            </a:ext>
+            <a:ext uri="{FAA26D3D-D897-4be2-8F04-BA451C77F1D7}">
+              <ma14:placeholderFlag xmlns:ma14="http://schemas.microsoft.com/office/mac/drawingml/2011/main" val="1"/>
+            </a:ext>
+          </a:extLst>
+        </p:spPr>
+        <p:txBody>
+          <a:bodyPr wrap="square" numCol="1" anchor="t" anchorCtr="0" compatLnSpc="1">
+            <a:prstTxWarp prst="textNoShape">
+              <a:avLst/>
+            </a:prstTxWarp>
+          </a:bodyPr>
+          <a:lstStyle/>
+          <a:p>
+            <a:endParaRPr lang="en-US">
+              <a:latin typeface="Calibri" charset="0"/>
+              <a:ea typeface="ＭＳ Ｐゴシック" charset="0"/>
+              <a:cs typeface="ＭＳ Ｐゴシック" charset="0"/>
+            </a:endParaRPr>
+          </a:p>
+        </p:txBody>
+      </p:sp>
+      <p:sp>
+        <p:nvSpPr>
+          <p:cNvPr id="34819" name="Slide Number Placeholder 3"/>
+          <p:cNvSpPr>
+            <a:spLocks noGrp="1"/>
+          </p:cNvSpPr>
+          <p:nvPr>
+            <p:ph type="sldNum" sz="quarter" idx="5"/>
+          </p:nvPr>
+        </p:nvSpPr>
+        <p:spPr bwMode="auto">
+          <a:noFill/>
+          <a:extLst>
+            <a:ext uri="{909E8E84-426E-40dd-AFC4-6F175D3DCCD1}">
+              <a14:hiddenFill xmlns:a14="http://schemas.microsoft.com/office/drawing/2010/main">
+                <a:solidFill>
+                  <a:srgbClr val="FFFFFF"/>
+                </a:solidFill>
+              </a14:hiddenFill>
+            </a:ext>
+            <a:ext uri="{91240B29-F687-4f45-9708-019B960494DF}">
+              <a14:hiddenLine xmlns:a14="http://schemas.microsoft.com/office/drawing/2010/main" w="9525">
+                <a:solidFill>
+                  <a:srgbClr val="000000"/>
+                </a:solidFill>
+                <a:miter lim="800000"/>
+                <a:headEnd/>
+                <a:tailEnd/>
+              </a14:hiddenLine>
+            </a:ext>
+          </a:extLst>
+        </p:spPr>
+        <p:txBody>
+          <a:bodyPr/>
+          <a:lstStyle>
+            <a:lvl1pPr eaLnBrk="0" hangingPunct="0">
+              <a:defRPr sz="2400">
+                <a:solidFill>
+                  <a:schemeClr val="tx1"/>
+                </a:solidFill>
+                <a:latin typeface="Arial" charset="0"/>
+                <a:ea typeface="ＭＳ Ｐゴシック" charset="0"/>
+                <a:cs typeface="ＭＳ Ｐゴシック" charset="0"/>
+              </a:defRPr>
+            </a:lvl1pPr>
+            <a:lvl2pPr marL="742950" indent="-285750" eaLnBrk="0" hangingPunct="0">
+              <a:defRPr sz="2400">
+                <a:solidFill>
+                  <a:schemeClr val="tx1"/>
+                </a:solidFill>
+                <a:latin typeface="Arial" charset="0"/>
+                <a:ea typeface="ＭＳ Ｐゴシック" charset="0"/>
+              </a:defRPr>
+            </a:lvl2pPr>
+            <a:lvl3pPr marL="1143000" indent="-228600" eaLnBrk="0" hangingPunct="0">
+              <a:defRPr sz="2400">
+                <a:solidFill>
+                  <a:schemeClr val="tx1"/>
+                </a:solidFill>
+                <a:latin typeface="Arial" charset="0"/>
+                <a:ea typeface="ＭＳ Ｐゴシック" charset="0"/>
+              </a:defRPr>
+            </a:lvl3pPr>
+            <a:lvl4pPr marL="1600200" indent="-228600" eaLnBrk="0" hangingPunct="0">
+              <a:defRPr sz="2400">
+                <a:solidFill>
+                  <a:schemeClr val="tx1"/>
+                </a:solidFill>
+                <a:latin typeface="Arial" charset="0"/>
+                <a:ea typeface="ＭＳ Ｐゴシック" charset="0"/>
+              </a:defRPr>
+            </a:lvl4pPr>
+            <a:lvl5pPr marL="2057400" indent="-228600" eaLnBrk="0" hangingPunct="0">
+              <a:defRPr sz="2400">
+                <a:solidFill>
+                  <a:schemeClr val="tx1"/>
+                </a:solidFill>
+                <a:latin typeface="Arial" charset="0"/>
+                <a:ea typeface="ＭＳ Ｐゴシック" charset="0"/>
+              </a:defRPr>
+            </a:lvl5pPr>
+            <a:lvl6pPr marL="2514600" indent="-228600" eaLnBrk="0" fontAlgn="base" hangingPunct="0">
+              <a:spcBef>
+                <a:spcPct val="0"/>
+              </a:spcBef>
+              <a:spcAft>
+                <a:spcPct val="0"/>
+              </a:spcAft>
+              <a:defRPr sz="2400">
+                <a:solidFill>
+                  <a:schemeClr val="tx1"/>
+                </a:solidFill>
+                <a:latin typeface="Arial" charset="0"/>
+                <a:ea typeface="ＭＳ Ｐゴシック" charset="0"/>
+              </a:defRPr>
+            </a:lvl6pPr>
+            <a:lvl7pPr marL="2971800" indent="-228600" eaLnBrk="0" fontAlgn="base" hangingPunct="0">
+              <a:spcBef>
+                <a:spcPct val="0"/>
+              </a:spcBef>
+              <a:spcAft>
+                <a:spcPct val="0"/>
+              </a:spcAft>
+              <a:defRPr sz="2400">
+                <a:solidFill>
+                  <a:schemeClr val="tx1"/>
+                </a:solidFill>
+                <a:latin typeface="Arial" charset="0"/>
+                <a:ea typeface="ＭＳ Ｐゴシック" charset="0"/>
+              </a:defRPr>
+            </a:lvl7pPr>
+            <a:lvl8pPr marL="3429000" indent="-228600" eaLnBrk="0" fontAlgn="base" hangingPunct="0">
+              <a:spcBef>
+                <a:spcPct val="0"/>
+              </a:spcBef>
+              <a:spcAft>
+                <a:spcPct val="0"/>
+              </a:spcAft>
+              <a:defRPr sz="2400">
+                <a:solidFill>
+                  <a:schemeClr val="tx1"/>
+                </a:solidFill>
+                <a:latin typeface="Arial" charset="0"/>
+                <a:ea typeface="ＭＳ Ｐゴシック" charset="0"/>
+              </a:defRPr>
+            </a:lvl8pPr>
+            <a:lvl9pPr marL="3886200" indent="-228600" eaLnBrk="0" fontAlgn="base" hangingPunct="0">
+              <a:spcBef>
+                <a:spcPct val="0"/>
+              </a:spcBef>
+              <a:spcAft>
+                <a:spcPct val="0"/>
+              </a:spcAft>
+              <a:defRPr sz="2400">
+                <a:solidFill>
+                  <a:schemeClr val="tx1"/>
+                </a:solidFill>
+                <a:latin typeface="Arial" charset="0"/>
+                <a:ea typeface="ＭＳ Ｐゴシック" charset="0"/>
+              </a:defRPr>
+            </a:lvl9pPr>
+          </a:lstStyle>
+          <a:p>
+            <a:pPr eaLnBrk="1" hangingPunct="1"/>
+            <a:fld id="{18FFCF2A-2E5F-1F49-A505-20D05B3D195D}" type="slidenum">
+              <a:rPr lang="en-US" sz="1300">
+                <a:latin typeface="Calibri" charset="0"/>
+              </a:rPr>
+              <a:pPr eaLnBrk="1" hangingPunct="1"/>
+              <a:t>12</a:t>
+            </a:fld>
+            <a:endParaRPr lang="en-US" sz="1300">
+              <a:latin typeface="Calibri" charset="0"/>
+            </a:endParaRPr>
+          </a:p>
+        </p:txBody>
+      </p:sp>
+    </p:spTree>
+  </p:cSld>
+  <p:clrMapOvr>
+    <a:masterClrMapping/>
+  </p:clrMapOvr>
+</p:notes>
+</file>
+
 <file path=ppt/notesSlides/notesSlide2.xml><?xml version="1.0" encoding="utf-8"?>
 <p:notes xmlns:a="http://schemas.openxmlformats.org/drawingml/2006/main" xmlns:r="http://schemas.openxmlformats.org/officeDocument/2006/relationships" xmlns:p="http://schemas.openxmlformats.org/presentationml/2006/main">
   <p:cSld>
@@ -1067,9 +1335,94 @@
       </p:grpSpPr>
       <p:sp>
         <p:nvSpPr>
-          <p:cNvPr id="20481" name="Rectangle 7"/>
+          <p:cNvPr id="18433" name="Slide Image Placeholder 1"/>
           <p:cNvSpPr>
-            <a:spLocks noGrp="1" noChangeArrowheads="1"/>
+            <a:spLocks noGrp="1" noRot="1" noChangeAspect="1"/>
+          </p:cNvSpPr>
+          <p:nvPr>
+            <p:ph type="sldImg"/>
+          </p:nvPr>
+        </p:nvSpPr>
+        <p:spPr bwMode="auto">
+          <a:noFill/>
+          <a:ln>
+            <a:solidFill>
+              <a:srgbClr val="000000"/>
+            </a:solidFill>
+            <a:miter lim="800000"/>
+            <a:headEnd/>
+            <a:tailEnd/>
+          </a:ln>
+          <a:extLst>
+            <a:ext uri="{909E8E84-426E-40dd-AFC4-6F175D3DCCD1}">
+              <a14:hiddenFill xmlns:a14="http://schemas.microsoft.com/office/drawing/2010/main">
+                <a:solidFill>
+                  <a:srgbClr val="FFFFFF"/>
+                </a:solidFill>
+              </a14:hiddenFill>
+            </a:ext>
+            <a:ext uri="{FAA26D3D-D897-4be2-8F04-BA451C77F1D7}">
+              <ma14:placeholderFlag xmlns:ma14="http://schemas.microsoft.com/office/mac/drawingml/2011/main" val="1"/>
+            </a:ext>
+          </a:extLst>
+        </p:spPr>
+      </p:sp>
+      <p:sp>
+        <p:nvSpPr>
+          <p:cNvPr id="18434" name="Notes Placeholder 2"/>
+          <p:cNvSpPr>
+            <a:spLocks noGrp="1"/>
+          </p:cNvSpPr>
+          <p:nvPr>
+            <p:ph type="body" idx="1"/>
+          </p:nvPr>
+        </p:nvSpPr>
+        <p:spPr bwMode="auto">
+          <a:noFill/>
+          <a:extLst>
+            <a:ext uri="{909E8E84-426E-40dd-AFC4-6F175D3DCCD1}">
+              <a14:hiddenFill xmlns:a14="http://schemas.microsoft.com/office/drawing/2010/main">
+                <a:solidFill>
+                  <a:srgbClr val="FFFFFF"/>
+                </a:solidFill>
+              </a14:hiddenFill>
+            </a:ext>
+            <a:ext uri="{91240B29-F687-4f45-9708-019B960494DF}">
+              <a14:hiddenLine xmlns:a14="http://schemas.microsoft.com/office/drawing/2010/main" w="9525">
+                <a:solidFill>
+                  <a:srgbClr val="000000"/>
+                </a:solidFill>
+                <a:miter lim="800000"/>
+                <a:headEnd/>
+                <a:tailEnd/>
+              </a14:hiddenLine>
+            </a:ext>
+            <a:ext uri="{FAA26D3D-D897-4be2-8F04-BA451C77F1D7}">
+              <ma14:placeholderFlag xmlns:ma14="http://schemas.microsoft.com/office/mac/drawingml/2011/main" val="1"/>
+            </a:ext>
+          </a:extLst>
+        </p:spPr>
+        <p:txBody>
+          <a:bodyPr wrap="square" numCol="1" anchor="t" anchorCtr="0" compatLnSpc="1">
+            <a:prstTxWarp prst="textNoShape">
+              <a:avLst/>
+            </a:prstTxWarp>
+          </a:bodyPr>
+          <a:lstStyle/>
+          <a:p>
+            <a:endParaRPr lang="en-US">
+              <a:latin typeface="Calibri" charset="0"/>
+              <a:ea typeface="ＭＳ Ｐゴシック" charset="0"/>
+              <a:cs typeface="ＭＳ Ｐゴシック" charset="0"/>
+            </a:endParaRPr>
+          </a:p>
+        </p:txBody>
+      </p:sp>
+      <p:sp>
+        <p:nvSpPr>
+          <p:cNvPr id="18435" name="Slide Number Placeholder 3"/>
+          <p:cNvSpPr>
+            <a:spLocks noGrp="1"/>
           </p:cNvSpPr>
           <p:nvPr>
             <p:ph type="sldNum" sz="quarter" idx="5"/>
@@ -1209,7 +1562,7 @@
           </a:lstStyle>
           <a:p>
             <a:pPr eaLnBrk="1" hangingPunct="1"/>
-            <a:fld id="{F1758CF9-5807-8248-9D3D-E297C55461D4}" type="slidenum">
+            <a:fld id="{4F64B770-BC29-0040-AB5D-023F4866A456}" type="slidenum">
               <a:rPr lang="en-US" sz="1300">
                 <a:latin typeface="Calibri" charset="0"/>
               </a:rPr>
@@ -1218,83 +1571,6 @@
             </a:fld>
             <a:endParaRPr lang="en-US" sz="1300">
               <a:latin typeface="Calibri" charset="0"/>
-            </a:endParaRPr>
-          </a:p>
-        </p:txBody>
-      </p:sp>
-      <p:sp>
-        <p:nvSpPr>
-          <p:cNvPr id="20482" name="Rectangle 2"/>
-          <p:cNvSpPr>
-            <a:spLocks noGrp="1" noRot="1" noChangeAspect="1" noChangeArrowheads="1" noTextEdit="1"/>
-          </p:cNvSpPr>
-          <p:nvPr>
-            <p:ph type="sldImg"/>
-          </p:nvPr>
-        </p:nvSpPr>
-        <p:spPr bwMode="auto">
-          <a:solidFill>
-            <a:srgbClr val="FFFFFF"/>
-          </a:solidFill>
-          <a:ln>
-            <a:solidFill>
-              <a:srgbClr val="000000"/>
-            </a:solidFill>
-            <a:miter lim="800000"/>
-            <a:headEnd/>
-            <a:tailEnd/>
-          </a:ln>
-          <a:extLst>
-            <a:ext uri="{FAA26D3D-D897-4be2-8F04-BA451C77F1D7}">
-              <ma14:placeholderFlag xmlns:ma14="http://schemas.microsoft.com/office/mac/drawingml/2011/main" val="1"/>
-            </a:ext>
-          </a:extLst>
-        </p:spPr>
-      </p:sp>
-      <p:sp>
-        <p:nvSpPr>
-          <p:cNvPr id="20483" name="Rectangle 3"/>
-          <p:cNvSpPr>
-            <a:spLocks noGrp="1" noChangeArrowheads="1"/>
-          </p:cNvSpPr>
-          <p:nvPr>
-            <p:ph type="body" idx="1"/>
-          </p:nvPr>
-        </p:nvSpPr>
-        <p:spPr bwMode="auto">
-          <a:solidFill>
-            <a:srgbClr val="FFFFFF"/>
-          </a:solidFill>
-          <a:ln>
-            <a:solidFill>
-              <a:srgbClr val="000000"/>
-            </a:solidFill>
-            <a:miter lim="800000"/>
-            <a:headEnd/>
-            <a:tailEnd/>
-          </a:ln>
-        </p:spPr>
-        <p:txBody>
-          <a:bodyPr wrap="square" numCol="1" anchor="t" anchorCtr="0" compatLnSpc="1">
-            <a:prstTxWarp prst="textNoShape">
-              <a:avLst/>
-            </a:prstTxWarp>
-          </a:bodyPr>
-          <a:lstStyle/>
-          <a:p>
-            <a:pPr eaLnBrk="1" hangingPunct="1"/>
-            <a:r>
-              <a:rPr lang="en-US" altLang="ko-KR">
-                <a:latin typeface="Calibri" charset="0"/>
-                <a:ea typeface="ＭＳ Ｐゴシック" charset="0"/>
-                <a:cs typeface="ＭＳ Ｐゴシック" charset="0"/>
-              </a:rPr>
-              <a:t>Consequtive basepairs</a:t>
-            </a:r>
-            <a:endParaRPr lang="en-US">
-              <a:latin typeface="Calibri" charset="0"/>
-              <a:ea typeface="ＭＳ Ｐゴシック" charset="0"/>
-              <a:cs typeface="ＭＳ Ｐゴシック" charset="0"/>
             </a:endParaRPr>
           </a:p>
         </p:txBody>
@@ -1326,9 +1602,94 @@
       </p:grpSpPr>
       <p:sp>
         <p:nvSpPr>
-          <p:cNvPr id="22529" name="Rectangle 7"/>
+          <p:cNvPr id="20481" name="Slide Image Placeholder 1"/>
           <p:cNvSpPr>
-            <a:spLocks noGrp="1" noChangeArrowheads="1"/>
+            <a:spLocks noGrp="1" noRot="1" noChangeAspect="1"/>
+          </p:cNvSpPr>
+          <p:nvPr>
+            <p:ph type="sldImg"/>
+          </p:nvPr>
+        </p:nvSpPr>
+        <p:spPr bwMode="auto">
+          <a:noFill/>
+          <a:ln>
+            <a:solidFill>
+              <a:srgbClr val="000000"/>
+            </a:solidFill>
+            <a:miter lim="800000"/>
+            <a:headEnd/>
+            <a:tailEnd/>
+          </a:ln>
+          <a:extLst>
+            <a:ext uri="{909E8E84-426E-40dd-AFC4-6F175D3DCCD1}">
+              <a14:hiddenFill xmlns:a14="http://schemas.microsoft.com/office/drawing/2010/main">
+                <a:solidFill>
+                  <a:srgbClr val="FFFFFF"/>
+                </a:solidFill>
+              </a14:hiddenFill>
+            </a:ext>
+            <a:ext uri="{FAA26D3D-D897-4be2-8F04-BA451C77F1D7}">
+              <ma14:placeholderFlag xmlns:ma14="http://schemas.microsoft.com/office/mac/drawingml/2011/main" val="1"/>
+            </a:ext>
+          </a:extLst>
+        </p:spPr>
+      </p:sp>
+      <p:sp>
+        <p:nvSpPr>
+          <p:cNvPr id="20482" name="Notes Placeholder 2"/>
+          <p:cNvSpPr>
+            <a:spLocks noGrp="1"/>
+          </p:cNvSpPr>
+          <p:nvPr>
+            <p:ph type="body" idx="1"/>
+          </p:nvPr>
+        </p:nvSpPr>
+        <p:spPr bwMode="auto">
+          <a:noFill/>
+          <a:extLst>
+            <a:ext uri="{909E8E84-426E-40dd-AFC4-6F175D3DCCD1}">
+              <a14:hiddenFill xmlns:a14="http://schemas.microsoft.com/office/drawing/2010/main">
+                <a:solidFill>
+                  <a:srgbClr val="FFFFFF"/>
+                </a:solidFill>
+              </a14:hiddenFill>
+            </a:ext>
+            <a:ext uri="{91240B29-F687-4f45-9708-019B960494DF}">
+              <a14:hiddenLine xmlns:a14="http://schemas.microsoft.com/office/drawing/2010/main" w="9525">
+                <a:solidFill>
+                  <a:srgbClr val="000000"/>
+                </a:solidFill>
+                <a:miter lim="800000"/>
+                <a:headEnd/>
+                <a:tailEnd/>
+              </a14:hiddenLine>
+            </a:ext>
+            <a:ext uri="{FAA26D3D-D897-4be2-8F04-BA451C77F1D7}">
+              <ma14:placeholderFlag xmlns:ma14="http://schemas.microsoft.com/office/mac/drawingml/2011/main" val="1"/>
+            </a:ext>
+          </a:extLst>
+        </p:spPr>
+        <p:txBody>
+          <a:bodyPr wrap="square" numCol="1" anchor="t" anchorCtr="0" compatLnSpc="1">
+            <a:prstTxWarp prst="textNoShape">
+              <a:avLst/>
+            </a:prstTxWarp>
+          </a:bodyPr>
+          <a:lstStyle/>
+          <a:p>
+            <a:endParaRPr lang="en-US">
+              <a:latin typeface="Calibri" charset="0"/>
+              <a:ea typeface="ＭＳ Ｐゴシック" charset="0"/>
+              <a:cs typeface="ＭＳ Ｐゴシック" charset="0"/>
+            </a:endParaRPr>
+          </a:p>
+        </p:txBody>
+      </p:sp>
+      <p:sp>
+        <p:nvSpPr>
+          <p:cNvPr id="20483" name="Slide Number Placeholder 3"/>
+          <p:cNvSpPr>
+            <a:spLocks noGrp="1"/>
           </p:cNvSpPr>
           <p:nvPr>
             <p:ph type="sldNum" sz="quarter" idx="5"/>
@@ -1468,7 +1829,7 @@
           </a:lstStyle>
           <a:p>
             <a:pPr eaLnBrk="1" hangingPunct="1"/>
-            <a:fld id="{72DF4BBA-550F-B14D-9056-5F008541DBF8}" type="slidenum">
+            <a:fld id="{CD0276A3-BD22-BC42-AE6D-D52E18C1B0D5}" type="slidenum">
               <a:rPr lang="en-US" sz="1300">
                 <a:latin typeface="Calibri" charset="0"/>
               </a:rPr>
@@ -1477,83 +1838,6 @@
             </a:fld>
             <a:endParaRPr lang="en-US" sz="1300">
               <a:latin typeface="Calibri" charset="0"/>
-            </a:endParaRPr>
-          </a:p>
-        </p:txBody>
-      </p:sp>
-      <p:sp>
-        <p:nvSpPr>
-          <p:cNvPr id="22530" name="Rectangle 2"/>
-          <p:cNvSpPr>
-            <a:spLocks noGrp="1" noRot="1" noChangeAspect="1" noChangeArrowheads="1" noTextEdit="1"/>
-          </p:cNvSpPr>
-          <p:nvPr>
-            <p:ph type="sldImg"/>
-          </p:nvPr>
-        </p:nvSpPr>
-        <p:spPr bwMode="auto">
-          <a:solidFill>
-            <a:srgbClr val="FFFFFF"/>
-          </a:solidFill>
-          <a:ln>
-            <a:solidFill>
-              <a:srgbClr val="000000"/>
-            </a:solidFill>
-            <a:miter lim="800000"/>
-            <a:headEnd/>
-            <a:tailEnd/>
-          </a:ln>
-          <a:extLst>
-            <a:ext uri="{FAA26D3D-D897-4be2-8F04-BA451C77F1D7}">
-              <ma14:placeholderFlag xmlns:ma14="http://schemas.microsoft.com/office/mac/drawingml/2011/main" val="1"/>
-            </a:ext>
-          </a:extLst>
-        </p:spPr>
-      </p:sp>
-      <p:sp>
-        <p:nvSpPr>
-          <p:cNvPr id="22531" name="Rectangle 3"/>
-          <p:cNvSpPr>
-            <a:spLocks noGrp="1" noChangeArrowheads="1"/>
-          </p:cNvSpPr>
-          <p:nvPr>
-            <p:ph type="body" idx="1"/>
-          </p:nvPr>
-        </p:nvSpPr>
-        <p:spPr bwMode="auto">
-          <a:solidFill>
-            <a:srgbClr val="FFFFFF"/>
-          </a:solidFill>
-          <a:ln>
-            <a:solidFill>
-              <a:srgbClr val="000000"/>
-            </a:solidFill>
-            <a:miter lim="800000"/>
-            <a:headEnd/>
-            <a:tailEnd/>
-          </a:ln>
-        </p:spPr>
-        <p:txBody>
-          <a:bodyPr wrap="square" numCol="1" anchor="t" anchorCtr="0" compatLnSpc="1">
-            <a:prstTxWarp prst="textNoShape">
-              <a:avLst/>
-            </a:prstTxWarp>
-          </a:bodyPr>
-          <a:lstStyle/>
-          <a:p>
-            <a:pPr eaLnBrk="1" hangingPunct="1"/>
-            <a:r>
-              <a:rPr lang="en-US" altLang="ko-KR">
-                <a:latin typeface="Calibri" charset="0"/>
-                <a:ea typeface="ＭＳ Ｐゴシック" charset="0"/>
-                <a:cs typeface="ＭＳ Ｐゴシック" charset="0"/>
-              </a:rPr>
-              <a:t>Consequtive basepairs</a:t>
-            </a:r>
-            <a:endParaRPr lang="en-US">
-              <a:latin typeface="Calibri" charset="0"/>
-              <a:ea typeface="ＭＳ Ｐゴシック" charset="0"/>
-              <a:cs typeface="ＭＳ Ｐゴシック" charset="0"/>
             </a:endParaRPr>
           </a:p>
         </p:txBody>
@@ -1585,175 +1869,16 @@
       </p:grpSpPr>
       <p:sp>
         <p:nvSpPr>
-          <p:cNvPr id="24577" name="Rectangle 7"/>
+          <p:cNvPr id="22529" name="Slide Image Placeholder 1"/>
           <p:cNvSpPr>
-            <a:spLocks noGrp="1" noChangeArrowheads="1"/>
-          </p:cNvSpPr>
-          <p:nvPr>
-            <p:ph type="sldNum" sz="quarter" idx="5"/>
-          </p:nvPr>
-        </p:nvSpPr>
-        <p:spPr bwMode="auto">
-          <a:noFill/>
-          <a:extLst>
-            <a:ext uri="{909E8E84-426E-40dd-AFC4-6F175D3DCCD1}">
-              <a14:hiddenFill xmlns:a14="http://schemas.microsoft.com/office/drawing/2010/main">
-                <a:solidFill>
-                  <a:srgbClr val="FFFFFF"/>
-                </a:solidFill>
-              </a14:hiddenFill>
-            </a:ext>
-            <a:ext uri="{91240B29-F687-4f45-9708-019B960494DF}">
-              <a14:hiddenLine xmlns:a14="http://schemas.microsoft.com/office/drawing/2010/main" w="9525">
-                <a:solidFill>
-                  <a:srgbClr val="000000"/>
-                </a:solidFill>
-                <a:miter lim="800000"/>
-                <a:headEnd/>
-                <a:tailEnd/>
-              </a14:hiddenLine>
-            </a:ext>
-          </a:extLst>
-        </p:spPr>
-        <p:txBody>
-          <a:bodyPr/>
-          <a:lstStyle>
-            <a:lvl1pPr eaLnBrk="0" hangingPunct="0">
-              <a:defRPr sz="2400">
-                <a:solidFill>
-                  <a:schemeClr val="tx1"/>
-                </a:solidFill>
-                <a:latin typeface="Arial" charset="0"/>
-                <a:ea typeface="ＭＳ Ｐゴシック" charset="0"/>
-                <a:cs typeface="ＭＳ Ｐゴシック" charset="0"/>
-              </a:defRPr>
-            </a:lvl1pPr>
-            <a:lvl2pPr marL="742950" indent="-285750" eaLnBrk="0" hangingPunct="0">
-              <a:defRPr sz="2400">
-                <a:solidFill>
-                  <a:schemeClr val="tx1"/>
-                </a:solidFill>
-                <a:latin typeface="Arial" charset="0"/>
-                <a:ea typeface="ＭＳ Ｐゴシック" charset="0"/>
-              </a:defRPr>
-            </a:lvl2pPr>
-            <a:lvl3pPr marL="1143000" indent="-228600" eaLnBrk="0" hangingPunct="0">
-              <a:defRPr sz="2400">
-                <a:solidFill>
-                  <a:schemeClr val="tx1"/>
-                </a:solidFill>
-                <a:latin typeface="Arial" charset="0"/>
-                <a:ea typeface="ＭＳ Ｐゴシック" charset="0"/>
-              </a:defRPr>
-            </a:lvl3pPr>
-            <a:lvl4pPr marL="1600200" indent="-228600" eaLnBrk="0" hangingPunct="0">
-              <a:defRPr sz="2400">
-                <a:solidFill>
-                  <a:schemeClr val="tx1"/>
-                </a:solidFill>
-                <a:latin typeface="Arial" charset="0"/>
-                <a:ea typeface="ＭＳ Ｐゴシック" charset="0"/>
-              </a:defRPr>
-            </a:lvl4pPr>
-            <a:lvl5pPr marL="2057400" indent="-228600" eaLnBrk="0" hangingPunct="0">
-              <a:defRPr sz="2400">
-                <a:solidFill>
-                  <a:schemeClr val="tx1"/>
-                </a:solidFill>
-                <a:latin typeface="Arial" charset="0"/>
-                <a:ea typeface="ＭＳ Ｐゴシック" charset="0"/>
-              </a:defRPr>
-            </a:lvl5pPr>
-            <a:lvl6pPr marL="2514600" indent="-228600" eaLnBrk="0" fontAlgn="base" hangingPunct="0">
-              <a:spcBef>
-                <a:spcPct val="0"/>
-              </a:spcBef>
-              <a:spcAft>
-                <a:spcPct val="0"/>
-              </a:spcAft>
-              <a:defRPr sz="2400">
-                <a:solidFill>
-                  <a:schemeClr val="tx1"/>
-                </a:solidFill>
-                <a:latin typeface="Arial" charset="0"/>
-                <a:ea typeface="ＭＳ Ｐゴシック" charset="0"/>
-              </a:defRPr>
-            </a:lvl6pPr>
-            <a:lvl7pPr marL="2971800" indent="-228600" eaLnBrk="0" fontAlgn="base" hangingPunct="0">
-              <a:spcBef>
-                <a:spcPct val="0"/>
-              </a:spcBef>
-              <a:spcAft>
-                <a:spcPct val="0"/>
-              </a:spcAft>
-              <a:defRPr sz="2400">
-                <a:solidFill>
-                  <a:schemeClr val="tx1"/>
-                </a:solidFill>
-                <a:latin typeface="Arial" charset="0"/>
-                <a:ea typeface="ＭＳ Ｐゴシック" charset="0"/>
-              </a:defRPr>
-            </a:lvl7pPr>
-            <a:lvl8pPr marL="3429000" indent="-228600" eaLnBrk="0" fontAlgn="base" hangingPunct="0">
-              <a:spcBef>
-                <a:spcPct val="0"/>
-              </a:spcBef>
-              <a:spcAft>
-                <a:spcPct val="0"/>
-              </a:spcAft>
-              <a:defRPr sz="2400">
-                <a:solidFill>
-                  <a:schemeClr val="tx1"/>
-                </a:solidFill>
-                <a:latin typeface="Arial" charset="0"/>
-                <a:ea typeface="ＭＳ Ｐゴシック" charset="0"/>
-              </a:defRPr>
-            </a:lvl8pPr>
-            <a:lvl9pPr marL="3886200" indent="-228600" eaLnBrk="0" fontAlgn="base" hangingPunct="0">
-              <a:spcBef>
-                <a:spcPct val="0"/>
-              </a:spcBef>
-              <a:spcAft>
-                <a:spcPct val="0"/>
-              </a:spcAft>
-              <a:defRPr sz="2400">
-                <a:solidFill>
-                  <a:schemeClr val="tx1"/>
-                </a:solidFill>
-                <a:latin typeface="Arial" charset="0"/>
-                <a:ea typeface="ＭＳ Ｐゴシック" charset="0"/>
-              </a:defRPr>
-            </a:lvl9pPr>
-          </a:lstStyle>
-          <a:p>
-            <a:pPr eaLnBrk="1" hangingPunct="1"/>
-            <a:fld id="{7C407D49-CE09-FF42-8A27-F71FEB2F9CCB}" type="slidenum">
-              <a:rPr lang="en-US" sz="1300">
-                <a:latin typeface="Calibri" charset="0"/>
-              </a:rPr>
-              <a:pPr eaLnBrk="1" hangingPunct="1"/>
-              <a:t>6</a:t>
-            </a:fld>
-            <a:endParaRPr lang="en-US" sz="1300">
-              <a:latin typeface="Calibri" charset="0"/>
-            </a:endParaRPr>
-          </a:p>
-        </p:txBody>
-      </p:sp>
-      <p:sp>
-        <p:nvSpPr>
-          <p:cNvPr id="24578" name="Rectangle 2"/>
-          <p:cNvSpPr>
-            <a:spLocks noGrp="1" noRot="1" noChangeAspect="1" noChangeArrowheads="1" noTextEdit="1"/>
+            <a:spLocks noGrp="1" noRot="1" noChangeAspect="1"/>
           </p:cNvSpPr>
           <p:nvPr>
             <p:ph type="sldImg"/>
           </p:nvPr>
         </p:nvSpPr>
         <p:spPr bwMode="auto">
-          <a:solidFill>
-            <a:srgbClr val="FFFFFF"/>
-          </a:solidFill>
+          <a:noFill/>
           <a:ln>
             <a:solidFill>
               <a:srgbClr val="000000"/>
@@ -1763,6 +1888,13 @@
             <a:tailEnd/>
           </a:ln>
           <a:extLst>
+            <a:ext uri="{909E8E84-426E-40dd-AFC4-6F175D3DCCD1}">
+              <a14:hiddenFill xmlns:a14="http://schemas.microsoft.com/office/drawing/2010/main">
+                <a:solidFill>
+                  <a:srgbClr val="FFFFFF"/>
+                </a:solidFill>
+              </a14:hiddenFill>
+            </a:ext>
             <a:ext uri="{FAA26D3D-D897-4be2-8F04-BA451C77F1D7}">
               <ma14:placeholderFlag xmlns:ma14="http://schemas.microsoft.com/office/mac/drawingml/2011/main" val="1"/>
             </a:ext>
@@ -1771,27 +1903,34 @@
       </p:sp>
       <p:sp>
         <p:nvSpPr>
-          <p:cNvPr id="24579" name="Rectangle 3"/>
+          <p:cNvPr id="22530" name="Notes Placeholder 2"/>
           <p:cNvSpPr>
-            <a:spLocks noGrp="1" noChangeArrowheads="1"/>
+            <a:spLocks noGrp="1"/>
           </p:cNvSpPr>
           <p:nvPr>
             <p:ph type="body" idx="1"/>
           </p:nvPr>
         </p:nvSpPr>
         <p:spPr bwMode="auto">
-          <a:solidFill>
-            <a:srgbClr val="FFFFFF"/>
-          </a:solidFill>
-          <a:ln>
-            <a:solidFill>
-              <a:srgbClr val="000000"/>
-            </a:solidFill>
-            <a:miter lim="800000"/>
-            <a:headEnd/>
-            <a:tailEnd/>
-          </a:ln>
+          <a:noFill/>
           <a:extLst>
+            <a:ext uri="{909E8E84-426E-40dd-AFC4-6F175D3DCCD1}">
+              <a14:hiddenFill xmlns:a14="http://schemas.microsoft.com/office/drawing/2010/main">
+                <a:solidFill>
+                  <a:srgbClr val="FFFFFF"/>
+                </a:solidFill>
+              </a14:hiddenFill>
+            </a:ext>
+            <a:ext uri="{91240B29-F687-4f45-9708-019B960494DF}">
+              <a14:hiddenLine xmlns:a14="http://schemas.microsoft.com/office/drawing/2010/main" w="9525">
+                <a:solidFill>
+                  <a:srgbClr val="000000"/>
+                </a:solidFill>
+                <a:miter lim="800000"/>
+                <a:headEnd/>
+                <a:tailEnd/>
+              </a14:hiddenLine>
+            </a:ext>
             <a:ext uri="{FAA26D3D-D897-4be2-8F04-BA451C77F1D7}">
               <ma14:placeholderFlag xmlns:ma14="http://schemas.microsoft.com/office/mac/drawingml/2011/main" val="1"/>
             </a:ext>
@@ -1805,11 +1944,167 @@
           </a:bodyPr>
           <a:lstStyle/>
           <a:p>
-            <a:pPr eaLnBrk="1" hangingPunct="1"/>
             <a:endParaRPr lang="en-US">
               <a:latin typeface="Calibri" charset="0"/>
               <a:ea typeface="ＭＳ Ｐゴシック" charset="0"/>
               <a:cs typeface="ＭＳ Ｐゴシック" charset="0"/>
+            </a:endParaRPr>
+          </a:p>
+        </p:txBody>
+      </p:sp>
+      <p:sp>
+        <p:nvSpPr>
+          <p:cNvPr id="22531" name="Slide Number Placeholder 3"/>
+          <p:cNvSpPr>
+            <a:spLocks noGrp="1"/>
+          </p:cNvSpPr>
+          <p:nvPr>
+            <p:ph type="sldNum" sz="quarter" idx="5"/>
+          </p:nvPr>
+        </p:nvSpPr>
+        <p:spPr bwMode="auto">
+          <a:noFill/>
+          <a:extLst>
+            <a:ext uri="{909E8E84-426E-40dd-AFC4-6F175D3DCCD1}">
+              <a14:hiddenFill xmlns:a14="http://schemas.microsoft.com/office/drawing/2010/main">
+                <a:solidFill>
+                  <a:srgbClr val="FFFFFF"/>
+                </a:solidFill>
+              </a14:hiddenFill>
+            </a:ext>
+            <a:ext uri="{91240B29-F687-4f45-9708-019B960494DF}">
+              <a14:hiddenLine xmlns:a14="http://schemas.microsoft.com/office/drawing/2010/main" w="9525">
+                <a:solidFill>
+                  <a:srgbClr val="000000"/>
+                </a:solidFill>
+                <a:miter lim="800000"/>
+                <a:headEnd/>
+                <a:tailEnd/>
+              </a14:hiddenLine>
+            </a:ext>
+          </a:extLst>
+        </p:spPr>
+        <p:txBody>
+          <a:bodyPr/>
+          <a:lstStyle>
+            <a:lvl1pPr eaLnBrk="0" hangingPunct="0">
+              <a:defRPr sz="2400">
+                <a:solidFill>
+                  <a:schemeClr val="tx1"/>
+                </a:solidFill>
+                <a:latin typeface="Arial" charset="0"/>
+                <a:ea typeface="ＭＳ Ｐゴシック" charset="0"/>
+                <a:cs typeface="ＭＳ Ｐゴシック" charset="0"/>
+              </a:defRPr>
+            </a:lvl1pPr>
+            <a:lvl2pPr marL="742950" indent="-285750" eaLnBrk="0" hangingPunct="0">
+              <a:defRPr sz="2400">
+                <a:solidFill>
+                  <a:schemeClr val="tx1"/>
+                </a:solidFill>
+                <a:latin typeface="Arial" charset="0"/>
+                <a:ea typeface="ＭＳ Ｐゴシック" charset="0"/>
+              </a:defRPr>
+            </a:lvl2pPr>
+            <a:lvl3pPr marL="1143000" indent="-228600" eaLnBrk="0" hangingPunct="0">
+              <a:defRPr sz="2400">
+                <a:solidFill>
+                  <a:schemeClr val="tx1"/>
+                </a:solidFill>
+                <a:latin typeface="Arial" charset="0"/>
+                <a:ea typeface="ＭＳ Ｐゴシック" charset="0"/>
+              </a:defRPr>
+            </a:lvl3pPr>
+            <a:lvl4pPr marL="1600200" indent="-228600" eaLnBrk="0" hangingPunct="0">
+              <a:defRPr sz="2400">
+                <a:solidFill>
+                  <a:schemeClr val="tx1"/>
+                </a:solidFill>
+                <a:latin typeface="Arial" charset="0"/>
+                <a:ea typeface="ＭＳ Ｐゴシック" charset="0"/>
+              </a:defRPr>
+            </a:lvl4pPr>
+            <a:lvl5pPr marL="2057400" indent="-228600" eaLnBrk="0" hangingPunct="0">
+              <a:defRPr sz="2400">
+                <a:solidFill>
+                  <a:schemeClr val="tx1"/>
+                </a:solidFill>
+                <a:latin typeface="Arial" charset="0"/>
+                <a:ea typeface="ＭＳ Ｐゴシック" charset="0"/>
+              </a:defRPr>
+            </a:lvl5pPr>
+            <a:lvl6pPr marL="2514600" indent="-228600" eaLnBrk="0" fontAlgn="base" hangingPunct="0">
+              <a:spcBef>
+                <a:spcPct val="0"/>
+              </a:spcBef>
+              <a:spcAft>
+                <a:spcPct val="0"/>
+              </a:spcAft>
+              <a:defRPr sz="2400">
+                <a:solidFill>
+                  <a:schemeClr val="tx1"/>
+                </a:solidFill>
+                <a:latin typeface="Arial" charset="0"/>
+                <a:ea typeface="ＭＳ Ｐゴシック" charset="0"/>
+              </a:defRPr>
+            </a:lvl6pPr>
+            <a:lvl7pPr marL="2971800" indent="-228600" eaLnBrk="0" fontAlgn="base" hangingPunct="0">
+              <a:spcBef>
+                <a:spcPct val="0"/>
+              </a:spcBef>
+              <a:spcAft>
+                <a:spcPct val="0"/>
+              </a:spcAft>
+              <a:defRPr sz="2400">
+                <a:solidFill>
+                  <a:schemeClr val="tx1"/>
+                </a:solidFill>
+                <a:latin typeface="Arial" charset="0"/>
+                <a:ea typeface="ＭＳ Ｐゴシック" charset="0"/>
+              </a:defRPr>
+            </a:lvl7pPr>
+            <a:lvl8pPr marL="3429000" indent="-228600" eaLnBrk="0" fontAlgn="base" hangingPunct="0">
+              <a:spcBef>
+                <a:spcPct val="0"/>
+              </a:spcBef>
+              <a:spcAft>
+                <a:spcPct val="0"/>
+              </a:spcAft>
+              <a:defRPr sz="2400">
+                <a:solidFill>
+                  <a:schemeClr val="tx1"/>
+                </a:solidFill>
+                <a:latin typeface="Arial" charset="0"/>
+                <a:ea typeface="ＭＳ Ｐゴシック" charset="0"/>
+              </a:defRPr>
+            </a:lvl8pPr>
+            <a:lvl9pPr marL="3886200" indent="-228600" eaLnBrk="0" fontAlgn="base" hangingPunct="0">
+              <a:spcBef>
+                <a:spcPct val="0"/>
+              </a:spcBef>
+              <a:spcAft>
+                <a:spcPct val="0"/>
+              </a:spcAft>
+              <a:defRPr sz="2400">
+                <a:solidFill>
+                  <a:schemeClr val="tx1"/>
+                </a:solidFill>
+                <a:latin typeface="Arial" charset="0"/>
+                <a:ea typeface="ＭＳ Ｐゴシック" charset="0"/>
+              </a:defRPr>
+            </a:lvl9pPr>
+          </a:lstStyle>
+          <a:p>
+            <a:pPr eaLnBrk="1" hangingPunct="1"/>
+            <a:fld id="{73E3D24D-08F6-7B49-9839-DAC112EE62EE}" type="slidenum">
+              <a:rPr lang="en-US" sz="1300">
+                <a:latin typeface="Calibri" charset="0"/>
+              </a:rPr>
+              <a:pPr eaLnBrk="1" hangingPunct="1"/>
+              <a:t>6</a:t>
+            </a:fld>
+            <a:endParaRPr lang="en-US" sz="1300">
+              <a:latin typeface="Calibri" charset="0"/>
             </a:endParaRPr>
           </a:p>
         </p:txBody>
@@ -1823,6 +2118,273 @@
 </file>
 
 <file path=ppt/notesSlides/notesSlide5.xml><?xml version="1.0" encoding="utf-8"?>
+<p:notes xmlns:a="http://schemas.openxmlformats.org/drawingml/2006/main" xmlns:r="http://schemas.openxmlformats.org/officeDocument/2006/relationships" xmlns:p="http://schemas.openxmlformats.org/presentationml/2006/main">
+  <p:cSld>
+    <p:spTree>
+      <p:nvGrpSpPr>
+        <p:cNvPr id="1" name=""/>
+        <p:cNvGrpSpPr/>
+        <p:nvPr/>
+      </p:nvGrpSpPr>
+      <p:grpSpPr>
+        <a:xfrm>
+          <a:off x="0" y="0"/>
+          <a:ext cx="0" cy="0"/>
+          <a:chOff x="0" y="0"/>
+          <a:chExt cx="0" cy="0"/>
+        </a:xfrm>
+      </p:grpSpPr>
+      <p:sp>
+        <p:nvSpPr>
+          <p:cNvPr id="24577" name="Slide Image Placeholder 1"/>
+          <p:cNvSpPr>
+            <a:spLocks noGrp="1" noRot="1" noChangeAspect="1"/>
+          </p:cNvSpPr>
+          <p:nvPr>
+            <p:ph type="sldImg"/>
+          </p:nvPr>
+        </p:nvSpPr>
+        <p:spPr bwMode="auto">
+          <a:noFill/>
+          <a:ln>
+            <a:solidFill>
+              <a:srgbClr val="000000"/>
+            </a:solidFill>
+            <a:miter lim="800000"/>
+            <a:headEnd/>
+            <a:tailEnd/>
+          </a:ln>
+          <a:extLst>
+            <a:ext uri="{909E8E84-426E-40dd-AFC4-6F175D3DCCD1}">
+              <a14:hiddenFill xmlns:a14="http://schemas.microsoft.com/office/drawing/2010/main">
+                <a:solidFill>
+                  <a:srgbClr val="FFFFFF"/>
+                </a:solidFill>
+              </a14:hiddenFill>
+            </a:ext>
+            <a:ext uri="{FAA26D3D-D897-4be2-8F04-BA451C77F1D7}">
+              <ma14:placeholderFlag xmlns:ma14="http://schemas.microsoft.com/office/mac/drawingml/2011/main" val="1"/>
+            </a:ext>
+          </a:extLst>
+        </p:spPr>
+      </p:sp>
+      <p:sp>
+        <p:nvSpPr>
+          <p:cNvPr id="24578" name="Notes Placeholder 2"/>
+          <p:cNvSpPr>
+            <a:spLocks noGrp="1"/>
+          </p:cNvSpPr>
+          <p:nvPr>
+            <p:ph type="body" idx="1"/>
+          </p:nvPr>
+        </p:nvSpPr>
+        <p:spPr bwMode="auto">
+          <a:noFill/>
+          <a:extLst>
+            <a:ext uri="{909E8E84-426E-40dd-AFC4-6F175D3DCCD1}">
+              <a14:hiddenFill xmlns:a14="http://schemas.microsoft.com/office/drawing/2010/main">
+                <a:solidFill>
+                  <a:srgbClr val="FFFFFF"/>
+                </a:solidFill>
+              </a14:hiddenFill>
+            </a:ext>
+            <a:ext uri="{91240B29-F687-4f45-9708-019B960494DF}">
+              <a14:hiddenLine xmlns:a14="http://schemas.microsoft.com/office/drawing/2010/main" w="9525">
+                <a:solidFill>
+                  <a:srgbClr val="000000"/>
+                </a:solidFill>
+                <a:miter lim="800000"/>
+                <a:headEnd/>
+                <a:tailEnd/>
+              </a14:hiddenLine>
+            </a:ext>
+            <a:ext uri="{FAA26D3D-D897-4be2-8F04-BA451C77F1D7}">
+              <ma14:placeholderFlag xmlns:ma14="http://schemas.microsoft.com/office/mac/drawingml/2011/main" val="1"/>
+            </a:ext>
+          </a:extLst>
+        </p:spPr>
+        <p:txBody>
+          <a:bodyPr wrap="square" numCol="1" anchor="t" anchorCtr="0" compatLnSpc="1">
+            <a:prstTxWarp prst="textNoShape">
+              <a:avLst/>
+            </a:prstTxWarp>
+          </a:bodyPr>
+          <a:lstStyle/>
+          <a:p>
+            <a:endParaRPr lang="en-US">
+              <a:latin typeface="Calibri" charset="0"/>
+              <a:ea typeface="ＭＳ Ｐゴシック" charset="0"/>
+              <a:cs typeface="ＭＳ Ｐゴシック" charset="0"/>
+            </a:endParaRPr>
+          </a:p>
+        </p:txBody>
+      </p:sp>
+      <p:sp>
+        <p:nvSpPr>
+          <p:cNvPr id="24579" name="Slide Number Placeholder 3"/>
+          <p:cNvSpPr>
+            <a:spLocks noGrp="1"/>
+          </p:cNvSpPr>
+          <p:nvPr>
+            <p:ph type="sldNum" sz="quarter" idx="5"/>
+          </p:nvPr>
+        </p:nvSpPr>
+        <p:spPr bwMode="auto">
+          <a:noFill/>
+          <a:extLst>
+            <a:ext uri="{909E8E84-426E-40dd-AFC4-6F175D3DCCD1}">
+              <a14:hiddenFill xmlns:a14="http://schemas.microsoft.com/office/drawing/2010/main">
+                <a:solidFill>
+                  <a:srgbClr val="FFFFFF"/>
+                </a:solidFill>
+              </a14:hiddenFill>
+            </a:ext>
+            <a:ext uri="{91240B29-F687-4f45-9708-019B960494DF}">
+              <a14:hiddenLine xmlns:a14="http://schemas.microsoft.com/office/drawing/2010/main" w="9525">
+                <a:solidFill>
+                  <a:srgbClr val="000000"/>
+                </a:solidFill>
+                <a:miter lim="800000"/>
+                <a:headEnd/>
+                <a:tailEnd/>
+              </a14:hiddenLine>
+            </a:ext>
+          </a:extLst>
+        </p:spPr>
+        <p:txBody>
+          <a:bodyPr/>
+          <a:lstStyle>
+            <a:lvl1pPr eaLnBrk="0" hangingPunct="0">
+              <a:defRPr sz="2400">
+                <a:solidFill>
+                  <a:schemeClr val="tx1"/>
+                </a:solidFill>
+                <a:latin typeface="Arial" charset="0"/>
+                <a:ea typeface="ＭＳ Ｐゴシック" charset="0"/>
+                <a:cs typeface="ＭＳ Ｐゴシック" charset="0"/>
+              </a:defRPr>
+            </a:lvl1pPr>
+            <a:lvl2pPr marL="742950" indent="-285750" eaLnBrk="0" hangingPunct="0">
+              <a:defRPr sz="2400">
+                <a:solidFill>
+                  <a:schemeClr val="tx1"/>
+                </a:solidFill>
+                <a:latin typeface="Arial" charset="0"/>
+                <a:ea typeface="ＭＳ Ｐゴシック" charset="0"/>
+              </a:defRPr>
+            </a:lvl2pPr>
+            <a:lvl3pPr marL="1143000" indent="-228600" eaLnBrk="0" hangingPunct="0">
+              <a:defRPr sz="2400">
+                <a:solidFill>
+                  <a:schemeClr val="tx1"/>
+                </a:solidFill>
+                <a:latin typeface="Arial" charset="0"/>
+                <a:ea typeface="ＭＳ Ｐゴシック" charset="0"/>
+              </a:defRPr>
+            </a:lvl3pPr>
+            <a:lvl4pPr marL="1600200" indent="-228600" eaLnBrk="0" hangingPunct="0">
+              <a:defRPr sz="2400">
+                <a:solidFill>
+                  <a:schemeClr val="tx1"/>
+                </a:solidFill>
+                <a:latin typeface="Arial" charset="0"/>
+                <a:ea typeface="ＭＳ Ｐゴシック" charset="0"/>
+              </a:defRPr>
+            </a:lvl4pPr>
+            <a:lvl5pPr marL="2057400" indent="-228600" eaLnBrk="0" hangingPunct="0">
+              <a:defRPr sz="2400">
+                <a:solidFill>
+                  <a:schemeClr val="tx1"/>
+                </a:solidFill>
+                <a:latin typeface="Arial" charset="0"/>
+                <a:ea typeface="ＭＳ Ｐゴシック" charset="0"/>
+              </a:defRPr>
+            </a:lvl5pPr>
+            <a:lvl6pPr marL="2514600" indent="-228600" eaLnBrk="0" fontAlgn="base" hangingPunct="0">
+              <a:spcBef>
+                <a:spcPct val="0"/>
+              </a:spcBef>
+              <a:spcAft>
+                <a:spcPct val="0"/>
+              </a:spcAft>
+              <a:defRPr sz="2400">
+                <a:solidFill>
+                  <a:schemeClr val="tx1"/>
+                </a:solidFill>
+                <a:latin typeface="Arial" charset="0"/>
+                <a:ea typeface="ＭＳ Ｐゴシック" charset="0"/>
+              </a:defRPr>
+            </a:lvl6pPr>
+            <a:lvl7pPr marL="2971800" indent="-228600" eaLnBrk="0" fontAlgn="base" hangingPunct="0">
+              <a:spcBef>
+                <a:spcPct val="0"/>
+              </a:spcBef>
+              <a:spcAft>
+                <a:spcPct val="0"/>
+              </a:spcAft>
+              <a:defRPr sz="2400">
+                <a:solidFill>
+                  <a:schemeClr val="tx1"/>
+                </a:solidFill>
+                <a:latin typeface="Arial" charset="0"/>
+                <a:ea typeface="ＭＳ Ｐゴシック" charset="0"/>
+              </a:defRPr>
+            </a:lvl7pPr>
+            <a:lvl8pPr marL="3429000" indent="-228600" eaLnBrk="0" fontAlgn="base" hangingPunct="0">
+              <a:spcBef>
+                <a:spcPct val="0"/>
+              </a:spcBef>
+              <a:spcAft>
+                <a:spcPct val="0"/>
+              </a:spcAft>
+              <a:defRPr sz="2400">
+                <a:solidFill>
+                  <a:schemeClr val="tx1"/>
+                </a:solidFill>
+                <a:latin typeface="Arial" charset="0"/>
+                <a:ea typeface="ＭＳ Ｐゴシック" charset="0"/>
+              </a:defRPr>
+            </a:lvl8pPr>
+            <a:lvl9pPr marL="3886200" indent="-228600" eaLnBrk="0" fontAlgn="base" hangingPunct="0">
+              <a:spcBef>
+                <a:spcPct val="0"/>
+              </a:spcBef>
+              <a:spcAft>
+                <a:spcPct val="0"/>
+              </a:spcAft>
+              <a:defRPr sz="2400">
+                <a:solidFill>
+                  <a:schemeClr val="tx1"/>
+                </a:solidFill>
+                <a:latin typeface="Arial" charset="0"/>
+                <a:ea typeface="ＭＳ Ｐゴシック" charset="0"/>
+              </a:defRPr>
+            </a:lvl9pPr>
+          </a:lstStyle>
+          <a:p>
+            <a:pPr eaLnBrk="1" hangingPunct="1"/>
+            <a:fld id="{34BC56C5-F060-DF44-994D-A9821A896299}" type="slidenum">
+              <a:rPr lang="en-US" sz="1300">
+                <a:latin typeface="Calibri" charset="0"/>
+              </a:rPr>
+              <a:pPr eaLnBrk="1" hangingPunct="1"/>
+              <a:t>7</a:t>
+            </a:fld>
+            <a:endParaRPr lang="en-US" sz="1300">
+              <a:latin typeface="Calibri" charset="0"/>
+            </a:endParaRPr>
+          </a:p>
+        </p:txBody>
+      </p:sp>
+    </p:spTree>
+  </p:cSld>
+  <p:clrMapOvr>
+    <a:masterClrMapping/>
+  </p:clrMapOvr>
+</p:notes>
+</file>
+
+<file path=ppt/notesSlides/notesSlide6.xml><?xml version="1.0" encoding="utf-8"?>
 <p:notes xmlns:a="http://schemas.openxmlformats.org/drawingml/2006/main" xmlns:r="http://schemas.openxmlformats.org/officeDocument/2006/relationships" xmlns:p="http://schemas.openxmlformats.org/presentationml/2006/main">
   <p:cSld>
     <p:spTree>
@@ -2068,12 +2630,12 @@
           </a:lstStyle>
           <a:p>
             <a:pPr eaLnBrk="1" hangingPunct="1"/>
-            <a:fld id="{F57BF14C-B391-D343-9D96-B77D9EBD185F}" type="slidenum">
+            <a:fld id="{3C0CB393-510B-E246-BC60-1DF31FE09D0C}" type="slidenum">
               <a:rPr lang="en-US" sz="1300">
                 <a:latin typeface="Calibri" charset="0"/>
               </a:rPr>
               <a:pPr eaLnBrk="1" hangingPunct="1"/>
-              <a:t>7</a:t>
+              <a:t>8</a:t>
             </a:fld>
             <a:endParaRPr lang="en-US" sz="1300">
               <a:latin typeface="Calibri" charset="0"/>
@@ -2089,7 +2651,7 @@
 </p:notes>
 </file>
 
-<file path=ppt/notesSlides/notesSlide6.xml><?xml version="1.0" encoding="utf-8"?>
+<file path=ppt/notesSlides/notesSlide7.xml><?xml version="1.0" encoding="utf-8"?>
 <p:notes xmlns:a="http://schemas.openxmlformats.org/drawingml/2006/main" xmlns:r="http://schemas.openxmlformats.org/officeDocument/2006/relationships" xmlns:p="http://schemas.openxmlformats.org/presentationml/2006/main">
   <p:cSld>
     <p:spTree>
@@ -2335,12 +2897,12 @@
           </a:lstStyle>
           <a:p>
             <a:pPr eaLnBrk="1" hangingPunct="1"/>
-            <a:fld id="{ABCF8106-5EF8-BF4B-B46B-805FE806D34D}" type="slidenum">
+            <a:fld id="{5305FDC1-7DDA-024F-8F3C-1C297FAB028B}" type="slidenum">
               <a:rPr lang="en-US" sz="1300">
                 <a:latin typeface="Calibri" charset="0"/>
               </a:rPr>
               <a:pPr eaLnBrk="1" hangingPunct="1"/>
-              <a:t>8</a:t>
+              <a:t>9</a:t>
             </a:fld>
             <a:endParaRPr lang="en-US" sz="1300">
               <a:latin typeface="Calibri" charset="0"/>
@@ -2356,7 +2918,7 @@
 </p:notes>
 </file>
 
-<file path=ppt/notesSlides/notesSlide7.xml><?xml version="1.0" encoding="utf-8"?>
+<file path=ppt/notesSlides/notesSlide8.xml><?xml version="1.0" encoding="utf-8"?>
 <p:notes xmlns:a="http://schemas.openxmlformats.org/drawingml/2006/main" xmlns:r="http://schemas.openxmlformats.org/officeDocument/2006/relationships" xmlns:p="http://schemas.openxmlformats.org/presentationml/2006/main">
   <p:cSld>
     <p:spTree>
@@ -2602,12 +3164,12 @@
           </a:lstStyle>
           <a:p>
             <a:pPr eaLnBrk="1" hangingPunct="1"/>
-            <a:fld id="{FA14D0B7-6444-3B4F-B6D9-1161969E1B4F}" type="slidenum">
+            <a:fld id="{D4957555-38F8-9D4C-AD8C-34D997F9ADE1}" type="slidenum">
               <a:rPr lang="en-US" sz="1300">
                 <a:latin typeface="Calibri" charset="0"/>
               </a:rPr>
               <a:pPr eaLnBrk="1" hangingPunct="1"/>
-              <a:t>9</a:t>
+              <a:t>10</a:t>
             </a:fld>
             <a:endParaRPr lang="en-US" sz="1300">
               <a:latin typeface="Calibri" charset="0"/>
@@ -2623,7 +3185,7 @@
 </p:notes>
 </file>
 
-<file path=ppt/notesSlides/notesSlide8.xml><?xml version="1.0" encoding="utf-8"?>
+<file path=ppt/notesSlides/notesSlide9.xml><?xml version="1.0" encoding="utf-8"?>
 <p:notes xmlns:a="http://schemas.openxmlformats.org/drawingml/2006/main" xmlns:r="http://schemas.openxmlformats.org/officeDocument/2006/relationships" xmlns:p="http://schemas.openxmlformats.org/presentationml/2006/main">
   <p:cSld>
     <p:spTree>
@@ -2869,12 +3431,12 @@
           </a:lstStyle>
           <a:p>
             <a:pPr eaLnBrk="1" hangingPunct="1"/>
-            <a:fld id="{B7C34CE4-4685-5149-89F2-9FD0582F0AB7}" type="slidenum">
+            <a:fld id="{94813FC5-EAC3-034A-8977-67113298044A}" type="slidenum">
               <a:rPr lang="en-US" sz="1300">
                 <a:latin typeface="Calibri" charset="0"/>
               </a:rPr>
               <a:pPr eaLnBrk="1" hangingPunct="1"/>
-              <a:t>10</a:t>
+              <a:t>11</a:t>
             </a:fld>
             <a:endParaRPr lang="en-US" sz="1300">
               <a:latin typeface="Calibri" charset="0"/>
@@ -3019,7 +3581,7 @@
     </p:spTree>
     <p:extLst>
       <p:ext uri="{BB962C8B-B14F-4D97-AF65-F5344CB8AC3E}">
-        <p14:creationId xmlns:p14="http://schemas.microsoft.com/office/powerpoint/2010/main" val="3137782509"/>
+        <p14:creationId xmlns:p14="http://schemas.microsoft.com/office/powerpoint/2010/main" val="2169111987"/>
       </p:ext>
     </p:extLst>
   </p:cSld>
@@ -3516,7 +4078,7 @@
     </p:spTree>
     <p:extLst>
       <p:ext uri="{BB962C8B-B14F-4D97-AF65-F5344CB8AC3E}">
-        <p14:creationId xmlns:p14="http://schemas.microsoft.com/office/powerpoint/2010/main" val="1687939397"/>
+        <p14:creationId xmlns:p14="http://schemas.microsoft.com/office/powerpoint/2010/main" val="3003809841"/>
       </p:ext>
     </p:extLst>
   </p:cSld>
@@ -3925,7 +4487,7 @@
     </p:spTree>
     <p:extLst>
       <p:ext uri="{BB962C8B-B14F-4D97-AF65-F5344CB8AC3E}">
-        <p14:creationId xmlns:p14="http://schemas.microsoft.com/office/powerpoint/2010/main" val="2968431732"/>
+        <p14:creationId xmlns:p14="http://schemas.microsoft.com/office/powerpoint/2010/main" val="2296454335"/>
       </p:ext>
     </p:extLst>
   </p:cSld>
@@ -4510,7 +5072,7 @@
     </p:spTree>
     <p:extLst>
       <p:ext uri="{BB962C8B-B14F-4D97-AF65-F5344CB8AC3E}">
-        <p14:creationId xmlns:p14="http://schemas.microsoft.com/office/powerpoint/2010/main" val="2139946233"/>
+        <p14:creationId xmlns:p14="http://schemas.microsoft.com/office/powerpoint/2010/main" val="1102792779"/>
       </p:ext>
     </p:extLst>
   </p:cSld>
@@ -4972,7 +5534,7 @@
     </p:spTree>
     <p:extLst>
       <p:ext uri="{BB962C8B-B14F-4D97-AF65-F5344CB8AC3E}">
-        <p14:creationId xmlns:p14="http://schemas.microsoft.com/office/powerpoint/2010/main" val="2866573443"/>
+        <p14:creationId xmlns:p14="http://schemas.microsoft.com/office/powerpoint/2010/main" val="1949620210"/>
       </p:ext>
     </p:extLst>
   </p:cSld>
@@ -5193,12 +5755,12 @@
             <a:pPr>
               <a:defRPr/>
             </a:pPr>
-            <a:fld id="{A1637B03-6D8A-7945-8CC2-92B5E21C10BE}" type="datetime1">
+            <a:fld id="{CF3FDDA8-DFE2-794D-9469-18250F189BBE}" type="datetime1">
               <a:rPr lang="en-US"/>
               <a:pPr>
                 <a:defRPr/>
               </a:pPr>
-              <a:t>11/18/14</a:t>
+              <a:t>11/14/15</a:t>
             </a:fld>
             <a:endParaRPr lang="en-US"/>
           </a:p>
@@ -5286,7 +5848,7 @@
             <a:pPr>
               <a:defRPr/>
             </a:pPr>
-            <a:fld id="{49544189-5766-B744-B718-2AE68FF06676}" type="slidenum">
+            <a:fld id="{D133E7D2-33FF-EC4A-AE37-9A522B04AD5B}" type="slidenum">
               <a:rPr lang="en-US"/>
               <a:pPr>
                 <a:defRPr/>
@@ -5954,7 +6516,7 @@
       </p:grpSpPr>
       <p:sp>
         <p:nvSpPr>
-          <p:cNvPr id="31745" name="Title 1"/>
+          <p:cNvPr id="29697" name="Title 1"/>
           <p:cNvSpPr>
             <a:spLocks noGrp="1"/>
           </p:cNvSpPr>
@@ -5964,8 +6526,8 @@
         </p:nvSpPr>
         <p:spPr>
           <a:xfrm>
-            <a:off x="152400" y="44450"/>
-            <a:ext cx="8839200" cy="1143000"/>
+            <a:off x="152400" y="-26988"/>
+            <a:ext cx="8839200" cy="1143001"/>
           </a:xfrm>
         </p:spPr>
         <p:txBody>
@@ -5973,151 +6535,232 @@
           <a:lstStyle/>
           <a:p>
             <a:r>
-              <a:rPr lang="en-US" sz="3200" dirty="0" smtClean="0">
+              <a:rPr lang="en-US">
                 <a:latin typeface="Calibri" charset="0"/>
                 <a:ea typeface="ＭＳ Ｐゴシック" charset="0"/>
               </a:rPr>
-              <a:t>Perform </a:t>
-            </a:r>
-            <a:r>
-              <a:rPr lang="en-US" sz="3200" dirty="0">
-                <a:latin typeface="Calibri" charset="0"/>
-                <a:ea typeface="ＭＳ Ｐゴシック" charset="0"/>
-              </a:rPr>
-              <a:t>differential expression analysis with </a:t>
-            </a:r>
-            <a:r>
-              <a:rPr lang="en-US" sz="3200" dirty="0" err="1">
-                <a:latin typeface="Calibri" charset="0"/>
-                <a:ea typeface="ＭＳ Ｐゴシック" charset="0"/>
-              </a:rPr>
-              <a:t>edgeR</a:t>
-            </a:r>
-            <a:r>
-              <a:rPr lang="en-US" sz="3200" dirty="0">
-                <a:latin typeface="Calibri" charset="0"/>
-                <a:ea typeface="ＭＳ Ｐゴシック" charset="0"/>
-              </a:rPr>
-              <a:t> using </a:t>
-            </a:r>
-            <a:r>
-              <a:rPr lang="en-US" sz="3200" dirty="0" err="1">
-                <a:latin typeface="Calibri" charset="0"/>
-                <a:ea typeface="ＭＳ Ｐゴシック" charset="0"/>
-              </a:rPr>
-              <a:t>htseq</a:t>
-            </a:r>
-            <a:r>
-              <a:rPr lang="en-US" sz="3200" dirty="0">
-                <a:latin typeface="Calibri" charset="0"/>
-                <a:ea typeface="ＭＳ Ｐゴシック" charset="0"/>
-              </a:rPr>
-              <a:t> output (optional)</a:t>
-            </a:r>
-          </a:p>
-        </p:txBody>
-      </p:sp>
-      <p:sp>
-        <p:nvSpPr>
-          <p:cNvPr id="31746" name="Content Placeholder 2"/>
-          <p:cNvSpPr>
-            <a:spLocks noGrp="1"/>
-          </p:cNvSpPr>
-          <p:nvPr>
-            <p:ph idx="1"/>
-          </p:nvPr>
-        </p:nvSpPr>
-        <p:spPr>
-          <a:xfrm>
-            <a:off x="152400" y="1268413"/>
-            <a:ext cx="8839200" cy="5056187"/>
-          </a:xfrm>
-        </p:spPr>
-        <p:txBody>
-          <a:bodyPr/>
-          <a:lstStyle/>
-          <a:p>
-            <a:pPr>
-              <a:lnSpc>
-                <a:spcPct val="90000"/>
-              </a:lnSpc>
-            </a:pPr>
-            <a:r>
-              <a:rPr lang="en-US" sz="2600">
-                <a:latin typeface="Calibri" charset="0"/>
-                <a:ea typeface="ＭＳ Ｐゴシック" charset="0"/>
-              </a:rPr>
-              <a:t>Make use of raw counts generated by htseq-count</a:t>
-            </a:r>
-          </a:p>
-          <a:p>
-            <a:pPr>
-              <a:lnSpc>
-                <a:spcPct val="90000"/>
-              </a:lnSpc>
-            </a:pPr>
-            <a:r>
-              <a:rPr lang="en-US" sz="2600">
-                <a:latin typeface="Calibri" charset="0"/>
-                <a:ea typeface="ＭＳ Ｐゴシック" charset="0"/>
-              </a:rPr>
-              <a:t>Load into R and process with edgeR package</a:t>
-            </a:r>
-          </a:p>
-          <a:p>
-            <a:pPr>
-              <a:lnSpc>
-                <a:spcPct val="90000"/>
-              </a:lnSpc>
-            </a:pPr>
-            <a:r>
-              <a:rPr lang="en-US" sz="2600">
-                <a:latin typeface="Calibri" charset="0"/>
-                <a:ea typeface="ＭＳ Ｐゴシック" charset="0"/>
-              </a:rPr>
-              <a:t>Compare significantly differentially expressed genes from two methods</a:t>
-            </a:r>
-          </a:p>
-          <a:p>
-            <a:pPr>
-              <a:lnSpc>
-                <a:spcPct val="90000"/>
-              </a:lnSpc>
-            </a:pPr>
-            <a:endParaRPr lang="en-US" sz="2600">
-              <a:latin typeface="Calibri" charset="0"/>
-              <a:ea typeface="ＭＳ Ｐゴシック" charset="0"/>
-            </a:endParaRPr>
+              <a:t>Comparison of merged GTFs from each cufflinks mode</a:t>
+            </a:r>
           </a:p>
         </p:txBody>
       </p:sp>
       <p:pic>
         <p:nvPicPr>
-          <p:cNvPr id="2" name="Picture 1"/>
+          <p:cNvPr id="29698" name="Content Placeholder 3" descr="merge gtfs mode comparison 2.png"/>
           <p:cNvPicPr>
-            <a:picLocks noChangeAspect="1"/>
+            <a:picLocks noGrp="1" noChangeAspect="1"/>
           </p:cNvPicPr>
+          <p:nvPr>
+            <p:ph idx="1"/>
+          </p:nvPr>
+        </p:nvPicPr>
+        <p:blipFill>
+          <a:blip r:embed="rId3">
+            <a:extLst>
+              <a:ext uri="{28A0092B-C50C-407E-A947-70E740481C1C}">
+                <a14:useLocalDpi xmlns:a14="http://schemas.microsoft.com/office/drawing/2010/main" val="0"/>
+              </a:ext>
+            </a:extLst>
+          </a:blip>
+          <a:srcRect l="-3632" r="-3632"/>
+          <a:stretch>
+            <a:fillRect/>
+          </a:stretch>
+        </p:blipFill>
+        <p:spPr/>
+      </p:pic>
+      <p:sp>
+        <p:nvSpPr>
+          <p:cNvPr id="5" name="TextBox 4"/>
+          <p:cNvSpPr txBox="1"/>
           <p:nvPr/>
-        </p:nvPicPr>
-        <p:blipFill rotWithShape="1">
-          <a:blip r:embed="rId3"/>
-          <a:srcRect l="10528" t="20392" r="10234" b="25227"/>
-          <a:stretch/>
-        </p:blipFill>
+        </p:nvSpPr>
         <p:spPr>
           <a:xfrm>
-            <a:off x="2162187" y="2780928"/>
-            <a:ext cx="4930093" cy="3383473"/>
+            <a:off x="166688" y="3429000"/>
+            <a:ext cx="1236662" cy="276225"/>
           </a:xfrm>
           <a:prstGeom prst="rect">
             <a:avLst/>
           </a:prstGeom>
         </p:spPr>
-      </p:pic>
+        <p:style>
+          <a:lnRef idx="2">
+            <a:schemeClr val="dk1"/>
+          </a:lnRef>
+          <a:fillRef idx="1">
+            <a:schemeClr val="lt1"/>
+          </a:fillRef>
+          <a:effectRef idx="0">
+            <a:schemeClr val="dk1"/>
+          </a:effectRef>
+          <a:fontRef idx="minor">
+            <a:schemeClr val="dk1"/>
+          </a:fontRef>
+        </p:style>
+        <p:txBody>
+          <a:bodyPr wrap="none">
+            <a:spAutoFit/>
+          </a:bodyPr>
+          <a:lstStyle/>
+          <a:p>
+            <a:pPr>
+              <a:defRPr/>
+            </a:pPr>
+            <a:r>
+              <a:rPr lang="en-US" sz="1200" b="1" dirty="0" err="1"/>
+              <a:t>ref_only</a:t>
+            </a:r>
+            <a:r>
+              <a:rPr lang="en-US" sz="1200" b="1" dirty="0"/>
+              <a:t> mode</a:t>
+            </a:r>
+          </a:p>
+        </p:txBody>
+      </p:sp>
+      <p:sp>
+        <p:nvSpPr>
+          <p:cNvPr id="7" name="TextBox 6"/>
+          <p:cNvSpPr txBox="1"/>
+          <p:nvPr/>
+        </p:nvSpPr>
+        <p:spPr>
+          <a:xfrm>
+            <a:off x="133350" y="4581525"/>
+            <a:ext cx="1270000" cy="276225"/>
+          </a:xfrm>
+          <a:prstGeom prst="rect">
+            <a:avLst/>
+          </a:prstGeom>
+        </p:spPr>
+        <p:style>
+          <a:lnRef idx="2">
+            <a:schemeClr val="dk1"/>
+          </a:lnRef>
+          <a:fillRef idx="1">
+            <a:schemeClr val="lt1"/>
+          </a:fillRef>
+          <a:effectRef idx="0">
+            <a:schemeClr val="dk1"/>
+          </a:effectRef>
+          <a:fontRef idx="minor">
+            <a:schemeClr val="dk1"/>
+          </a:fontRef>
+        </p:style>
+        <p:txBody>
+          <a:bodyPr wrap="none">
+            <a:spAutoFit/>
+          </a:bodyPr>
+          <a:lstStyle/>
+          <a:p>
+            <a:pPr>
+              <a:defRPr/>
+            </a:pPr>
+            <a:r>
+              <a:rPr lang="en-US" sz="1200" b="1" dirty="0" err="1"/>
+              <a:t>de_novo</a:t>
+            </a:r>
+            <a:r>
+              <a:rPr lang="en-US" sz="1200" b="1" dirty="0"/>
+              <a:t> mode</a:t>
+            </a:r>
+          </a:p>
+        </p:txBody>
+      </p:sp>
+      <p:sp>
+        <p:nvSpPr>
+          <p:cNvPr id="8" name="TextBox 7"/>
+          <p:cNvSpPr txBox="1"/>
+          <p:nvPr/>
+        </p:nvSpPr>
+        <p:spPr>
+          <a:xfrm>
+            <a:off x="90488" y="5373688"/>
+            <a:ext cx="1312862" cy="276225"/>
+          </a:xfrm>
+          <a:prstGeom prst="rect">
+            <a:avLst/>
+          </a:prstGeom>
+        </p:spPr>
+        <p:style>
+          <a:lnRef idx="2">
+            <a:schemeClr val="dk1"/>
+          </a:lnRef>
+          <a:fillRef idx="1">
+            <a:schemeClr val="lt1"/>
+          </a:fillRef>
+          <a:effectRef idx="0">
+            <a:schemeClr val="dk1"/>
+          </a:effectRef>
+          <a:fontRef idx="minor">
+            <a:schemeClr val="dk1"/>
+          </a:fontRef>
+        </p:style>
+        <p:txBody>
+          <a:bodyPr wrap="none">
+            <a:spAutoFit/>
+          </a:bodyPr>
+          <a:lstStyle/>
+          <a:p>
+            <a:pPr>
+              <a:defRPr/>
+            </a:pPr>
+            <a:r>
+              <a:rPr lang="en-US" sz="1200" b="1" dirty="0"/>
+              <a:t>Ensembl genes</a:t>
+            </a:r>
+          </a:p>
+        </p:txBody>
+      </p:sp>
+      <p:sp>
+        <p:nvSpPr>
+          <p:cNvPr id="9" name="TextBox 8"/>
+          <p:cNvSpPr txBox="1"/>
+          <p:nvPr/>
+        </p:nvSpPr>
+        <p:spPr>
+          <a:xfrm>
+            <a:off x="295275" y="2781300"/>
+            <a:ext cx="1108075" cy="276225"/>
+          </a:xfrm>
+          <a:prstGeom prst="rect">
+            <a:avLst/>
+          </a:prstGeom>
+        </p:spPr>
+        <p:style>
+          <a:lnRef idx="2">
+            <a:schemeClr val="dk1"/>
+          </a:lnRef>
+          <a:fillRef idx="1">
+            <a:schemeClr val="lt1"/>
+          </a:fillRef>
+          <a:effectRef idx="0">
+            <a:schemeClr val="dk1"/>
+          </a:effectRef>
+          <a:fontRef idx="minor">
+            <a:schemeClr val="dk1"/>
+          </a:fontRef>
+        </p:style>
+        <p:txBody>
+          <a:bodyPr wrap="none">
+            <a:spAutoFit/>
+          </a:bodyPr>
+          <a:lstStyle/>
+          <a:p>
+            <a:pPr>
+              <a:defRPr/>
+            </a:pPr>
+            <a:r>
+              <a:rPr lang="en-US" sz="1200" b="1" dirty="0"/>
+              <a:t>UCSC genes</a:t>
+            </a:r>
+          </a:p>
+        </p:txBody>
+      </p:sp>
     </p:spTree>
     <p:extLst>
       <p:ext uri="{BB962C8B-B14F-4D97-AF65-F5344CB8AC3E}">
-        <p14:creationId xmlns:p14="http://schemas.microsoft.com/office/powerpoint/2010/main" val="1929787302"/>
+        <p14:creationId xmlns:p14="http://schemas.microsoft.com/office/powerpoint/2010/main" val="2993915471"/>
       </p:ext>
     </p:extLst>
   </p:cSld>
@@ -6153,7 +6796,7 @@
       </p:grpSpPr>
       <p:sp>
         <p:nvSpPr>
-          <p:cNvPr id="2" name="Title 1"/>
+          <p:cNvPr id="31745" name="Title 1"/>
           <p:cNvSpPr>
             <a:spLocks noGrp="1"/>
           </p:cNvSpPr>
@@ -6161,56 +6804,204 @@
             <p:ph type="title"/>
           </p:nvPr>
         </p:nvSpPr>
+        <p:spPr>
+          <a:xfrm>
+            <a:off x="152400" y="-26988"/>
+            <a:ext cx="8839200" cy="1143001"/>
+          </a:xfrm>
+        </p:spPr>
+        <p:txBody>
+          <a:bodyPr/>
+          <a:lstStyle/>
+          <a:p>
+            <a:r>
+              <a:rPr lang="en-US">
+                <a:latin typeface="Calibri" charset="0"/>
+                <a:ea typeface="ＭＳ Ｐゴシック" charset="0"/>
+              </a:rPr>
+              <a:t>What if I return to my lab and can not get this to work on my own data?</a:t>
+            </a:r>
+          </a:p>
+        </p:txBody>
+      </p:sp>
+      <p:sp>
+        <p:nvSpPr>
+          <p:cNvPr id="31746" name="Content Placeholder 2"/>
+          <p:cNvSpPr>
+            <a:spLocks noGrp="1"/>
+          </p:cNvSpPr>
+          <p:nvPr>
+            <p:ph idx="1"/>
+          </p:nvPr>
+        </p:nvSpPr>
         <p:spPr/>
         <p:txBody>
           <a:bodyPr/>
           <a:lstStyle/>
           <a:p>
             <a:r>
-              <a:rPr lang="en-US" sz="3600" dirty="0" smtClean="0"/>
-              <a:t>Analysis of ERCC spike-in expression and differential expression (optional)</a:t>
-            </a:r>
-            <a:endParaRPr lang="en-US" sz="3600" dirty="0"/>
+              <a:rPr lang="en-US">
+                <a:latin typeface="Calibri" charset="0"/>
+                <a:ea typeface="ＭＳ Ｐゴシック" charset="0"/>
+              </a:rPr>
+              <a:t>Refer to the materials provided with this course for clues</a:t>
+            </a:r>
+          </a:p>
+          <a:p>
+            <a:r>
+              <a:rPr lang="en-US">
+                <a:latin typeface="Calibri" charset="0"/>
+                <a:ea typeface="ＭＳ Ｐゴシック" charset="0"/>
+              </a:rPr>
+              <a:t>Refer to the Nature Protocols tutorial (Trapnell et al. 2012)</a:t>
+            </a:r>
+          </a:p>
+          <a:p>
+            <a:pPr lvl="1"/>
+            <a:r>
+              <a:rPr lang="en-US">
+                <a:latin typeface="Calibri" charset="0"/>
+                <a:ea typeface="ＭＳ Ｐゴシック" charset="0"/>
+              </a:rPr>
+              <a:t>In particular refer to the troubleshooting table (next slide)</a:t>
+            </a:r>
+          </a:p>
+          <a:p>
+            <a:r>
+              <a:rPr lang="en-US">
+                <a:latin typeface="Calibri" charset="0"/>
+                <a:ea typeface="ＭＳ Ｐゴシック" charset="0"/>
+              </a:rPr>
+              <a:t>Search BioStars, SeqAnswers, and Google</a:t>
+            </a:r>
+          </a:p>
+          <a:p>
+            <a:pPr lvl="1"/>
+            <a:r>
+              <a:rPr lang="en-US">
+                <a:latin typeface="Calibri" charset="0"/>
+                <a:ea typeface="ＭＳ Ｐゴシック" charset="0"/>
+                <a:hlinkClick r:id="rId3"/>
+              </a:rPr>
+              <a:t>http://www.biostars.org/</a:t>
+            </a:r>
+            <a:endParaRPr lang="en-US">
+              <a:latin typeface="Calibri" charset="0"/>
+              <a:ea typeface="ＭＳ Ｐゴシック" charset="0"/>
+            </a:endParaRPr>
+          </a:p>
+          <a:p>
+            <a:pPr lvl="1"/>
+            <a:r>
+              <a:rPr lang="en-US">
+                <a:latin typeface="Calibri" charset="0"/>
+                <a:ea typeface="ＭＳ Ｐゴシック" charset="0"/>
+                <a:hlinkClick r:id="rId4"/>
+              </a:rPr>
+              <a:t>http://www.seqanswers.com</a:t>
+            </a:r>
+            <a:endParaRPr lang="en-US">
+              <a:latin typeface="Calibri" charset="0"/>
+              <a:ea typeface="ＭＳ Ｐゴシック" charset="0"/>
+            </a:endParaRPr>
+          </a:p>
+          <a:p>
+            <a:r>
+              <a:rPr lang="en-US">
+                <a:latin typeface="Calibri" charset="0"/>
+                <a:ea typeface="ＭＳ Ｐゴシック" charset="0"/>
+              </a:rPr>
+              <a:t>If your question is not already answered on BioStars...</a:t>
+            </a:r>
+          </a:p>
+          <a:p>
+            <a:pPr lvl="1"/>
+            <a:r>
+              <a:rPr lang="en-US">
+                <a:latin typeface="Calibri" charset="0"/>
+                <a:ea typeface="ＭＳ Ｐゴシック" charset="0"/>
+              </a:rPr>
+              <a:t>Ask it!  Then follow up so that others that have the same problem in the future know whether this solution worked</a:t>
+            </a:r>
+          </a:p>
+        </p:txBody>
+      </p:sp>
+    </p:spTree>
+    <p:extLst>
+      <p:ext uri="{BB962C8B-B14F-4D97-AF65-F5344CB8AC3E}">
+        <p14:creationId xmlns:p14="http://schemas.microsoft.com/office/powerpoint/2010/main" val="2958960124"/>
+      </p:ext>
+    </p:extLst>
+  </p:cSld>
+  <p:clrMapOvr>
+    <a:masterClrMapping/>
+  </p:clrMapOvr>
+  <p:timing>
+    <p:tnLst>
+      <p:par>
+        <p:cTn xmlns:p14="http://schemas.microsoft.com/office/powerpoint/2010/main" id="1" dur="indefinite" restart="never" nodeType="tmRoot"/>
+      </p:par>
+    </p:tnLst>
+  </p:timing>
+</p:sld>
+</file>
+
+<file path=ppt/slides/slide12.xml><?xml version="1.0" encoding="utf-8"?>
+<p:sld xmlns:a="http://schemas.openxmlformats.org/drawingml/2006/main" xmlns:r="http://schemas.openxmlformats.org/officeDocument/2006/relationships" xmlns:p="http://schemas.openxmlformats.org/presentationml/2006/main">
+  <p:cSld>
+    <p:spTree>
+      <p:nvGrpSpPr>
+        <p:cNvPr id="1" name=""/>
+        <p:cNvGrpSpPr/>
+        <p:nvPr/>
+      </p:nvGrpSpPr>
+      <p:grpSpPr>
+        <a:xfrm>
+          <a:off x="0" y="0"/>
+          <a:ext cx="0" cy="0"/>
+          <a:chOff x="0" y="0"/>
+          <a:chExt cx="0" cy="0"/>
+        </a:xfrm>
+      </p:grpSpPr>
+      <p:sp>
+        <p:nvSpPr>
+          <p:cNvPr id="33793" name="Title 1"/>
+          <p:cNvSpPr>
+            <a:spLocks noGrp="1"/>
+          </p:cNvSpPr>
+          <p:nvPr>
+            <p:ph type="title"/>
+          </p:nvPr>
+        </p:nvSpPr>
+        <p:spPr>
+          <a:xfrm>
+            <a:off x="152400" y="-26988"/>
+            <a:ext cx="8839200" cy="1143001"/>
+          </a:xfrm>
+        </p:spPr>
+        <p:txBody>
+          <a:bodyPr/>
+          <a:lstStyle/>
+          <a:p>
+            <a:r>
+              <a:rPr lang="en-US">
+                <a:latin typeface="Calibri" charset="0"/>
+                <a:ea typeface="ＭＳ Ｐゴシック" charset="0"/>
+              </a:rPr>
+              <a:t>TopHat/Cufflinks/Cuffdiff troubleshooting table</a:t>
+            </a:r>
           </a:p>
         </p:txBody>
       </p:sp>
       <p:pic>
         <p:nvPicPr>
-          <p:cNvPr id="6" name="Content Placeholder 5" descr="Screen Shot 2014-11-17 at 5.29.59 PM.png"/>
+          <p:cNvPr id="33794" name="Content Placeholder 3" descr="Troubleshooting guide.png"/>
           <p:cNvPicPr>
             <a:picLocks noGrp="1" noChangeAspect="1"/>
           </p:cNvPicPr>
           <p:nvPr>
             <p:ph idx="1"/>
           </p:nvPr>
-        </p:nvPicPr>
-        <p:blipFill>
-          <a:blip r:embed="rId2">
-            <a:extLst>
-              <a:ext uri="{28A0092B-C50C-407E-A947-70E740481C1C}">
-                <a14:useLocalDpi xmlns:a14="http://schemas.microsoft.com/office/drawing/2010/main" val="0"/>
-              </a:ext>
-            </a:extLst>
-          </a:blip>
-          <a:srcRect l="-18197" r="-18197"/>
-          <a:stretch>
-            <a:fillRect/>
-          </a:stretch>
-        </p:blipFill>
-        <p:spPr>
-          <a:xfrm>
-            <a:off x="0" y="3789040"/>
-            <a:ext cx="3960666" cy="2116832"/>
-          </a:xfrm>
-        </p:spPr>
-      </p:pic>
-      <p:pic>
-        <p:nvPicPr>
-          <p:cNvPr id="7" name="Picture 6" descr="Screen Shot 2014-11-17 at 5.30.06 PM.png"/>
-          <p:cNvPicPr>
-            <a:picLocks noChangeAspect="1"/>
-          </p:cNvPicPr>
-          <p:nvPr/>
         </p:nvPicPr>
         <p:blipFill>
           <a:blip r:embed="rId3">
@@ -6220,347 +7011,34 @@
               </a:ext>
             </a:extLst>
           </a:blip>
+          <a:srcRect t="-8340" b="-8340"/>
           <a:stretch>
             <a:fillRect/>
           </a:stretch>
         </p:blipFill>
-        <p:spPr>
-          <a:xfrm>
-            <a:off x="3491880" y="3853803"/>
-            <a:ext cx="2844637" cy="2558440"/>
-          </a:xfrm>
-          <a:prstGeom prst="rect">
-            <a:avLst/>
-          </a:prstGeom>
-        </p:spPr>
+        <p:spPr/>
       </p:pic>
-      <p:pic>
-        <p:nvPicPr>
-          <p:cNvPr id="8" name="Picture 7" descr="Screen Shot 2014-11-17 at 5.30.27 PM.png"/>
-          <p:cNvPicPr>
-            <a:picLocks noChangeAspect="1"/>
-          </p:cNvPicPr>
-          <p:nvPr/>
-        </p:nvPicPr>
-        <p:blipFill>
-          <a:blip r:embed="rId4">
-            <a:extLst>
-              <a:ext uri="{28A0092B-C50C-407E-A947-70E740481C1C}">
-                <a14:useLocalDpi xmlns:a14="http://schemas.microsoft.com/office/drawing/2010/main" val="0"/>
-              </a:ext>
-            </a:extLst>
-          </a:blip>
-          <a:stretch>
-            <a:fillRect/>
-          </a:stretch>
-        </p:blipFill>
-        <p:spPr>
-          <a:xfrm>
-            <a:off x="6084168" y="3861048"/>
-            <a:ext cx="2866380" cy="2425399"/>
-          </a:xfrm>
-          <a:prstGeom prst="rect">
-            <a:avLst/>
-          </a:prstGeom>
-        </p:spPr>
-      </p:pic>
-      <p:sp>
-        <p:nvSpPr>
-          <p:cNvPr id="10" name="Content Placeholder 2"/>
-          <p:cNvSpPr txBox="1">
-            <a:spLocks/>
-          </p:cNvSpPr>
-          <p:nvPr/>
-        </p:nvSpPr>
-        <p:spPr bwMode="auto">
-          <a:xfrm>
-            <a:off x="197296" y="1628453"/>
-            <a:ext cx="8839200" cy="2448619"/>
-          </a:xfrm>
-          <a:prstGeom prst="rect">
-            <a:avLst/>
-          </a:prstGeom>
-          <a:noFill/>
-          <a:ln>
-            <a:noFill/>
-          </a:ln>
-          <a:extLst>
-            <a:ext uri="{909E8E84-426E-40dd-AFC4-6F175D3DCCD1}">
-              <a14:hiddenFill xmlns:a14="http://schemas.microsoft.com/office/drawing/2010/main">
-                <a:solidFill>
-                  <a:srgbClr val="FFFFFF"/>
-                </a:solidFill>
-              </a14:hiddenFill>
-            </a:ext>
-            <a:ext uri="{91240B29-F687-4f45-9708-019B960494DF}">
-              <a14:hiddenLine xmlns:a14="http://schemas.microsoft.com/office/drawing/2010/main" w="9525">
-                <a:solidFill>
-                  <a:srgbClr val="000000"/>
-                </a:solidFill>
-                <a:miter lim="800000"/>
-                <a:headEnd/>
-                <a:tailEnd/>
-              </a14:hiddenLine>
-            </a:ext>
-            <a:ext uri="{FAA26D3D-D897-4be2-8F04-BA451C77F1D7}">
-              <ma14:placeholderFlag xmlns:ma14="http://schemas.microsoft.com/office/mac/drawingml/2011/main" val="1"/>
-            </a:ext>
-          </a:extLst>
-        </p:spPr>
-        <p:txBody>
-          <a:bodyPr vert="horz" wrap="square" lIns="91440" tIns="45720" rIns="91440" bIns="45720" numCol="1" anchor="t" anchorCtr="0" compatLnSpc="1">
-            <a:prstTxWarp prst="textNoShape">
-              <a:avLst/>
-            </a:prstTxWarp>
-          </a:bodyPr>
-          <a:lstStyle>
-            <a:lvl1pPr marL="342900" indent="-342900" algn="l" rtl="0" eaLnBrk="0" fontAlgn="base" hangingPunct="0">
-              <a:spcBef>
-                <a:spcPct val="20000"/>
-              </a:spcBef>
-              <a:spcAft>
-                <a:spcPct val="0"/>
-              </a:spcAft>
-              <a:buFont typeface="Arial" charset="0"/>
-              <a:buChar char="•"/>
-              <a:defRPr sz="2800" kern="1200">
-                <a:solidFill>
-                  <a:schemeClr val="tx1"/>
-                </a:solidFill>
-                <a:latin typeface="Calibri"/>
-                <a:ea typeface="ＭＳ Ｐゴシック" pitchFamily="-28" charset="-128"/>
-                <a:cs typeface="Calibri"/>
-              </a:defRPr>
-            </a:lvl1pPr>
-            <a:lvl2pPr marL="742950" indent="-285750" algn="l" rtl="0" eaLnBrk="0" fontAlgn="base" hangingPunct="0">
-              <a:spcBef>
-                <a:spcPct val="20000"/>
-              </a:spcBef>
-              <a:spcAft>
-                <a:spcPct val="0"/>
-              </a:spcAft>
-              <a:buFont typeface="Arial" charset="0"/>
-              <a:buChar char="–"/>
-              <a:defRPr sz="2400" kern="1200">
-                <a:solidFill>
-                  <a:schemeClr val="tx1"/>
-                </a:solidFill>
-                <a:latin typeface="Calibri"/>
-                <a:ea typeface="ＭＳ Ｐゴシック" pitchFamily="-28" charset="-128"/>
-                <a:cs typeface="Calibri"/>
-              </a:defRPr>
-            </a:lvl2pPr>
-            <a:lvl3pPr marL="1143000" indent="-228600" algn="l" rtl="0" eaLnBrk="0" fontAlgn="base" hangingPunct="0">
-              <a:spcBef>
-                <a:spcPct val="20000"/>
-              </a:spcBef>
-              <a:spcAft>
-                <a:spcPct val="0"/>
-              </a:spcAft>
-              <a:buFont typeface="Arial" charset="0"/>
-              <a:buChar char="•"/>
-              <a:defRPr sz="2000" kern="1200">
-                <a:solidFill>
-                  <a:schemeClr val="tx1"/>
-                </a:solidFill>
-                <a:latin typeface="Calibri"/>
-                <a:ea typeface="ＭＳ Ｐゴシック" pitchFamily="-28" charset="-128"/>
-                <a:cs typeface="Calibri"/>
-              </a:defRPr>
-            </a:lvl3pPr>
-            <a:lvl4pPr marL="1600200" indent="-228600" algn="l" rtl="0" eaLnBrk="0" fontAlgn="base" hangingPunct="0">
-              <a:spcBef>
-                <a:spcPct val="20000"/>
-              </a:spcBef>
-              <a:spcAft>
-                <a:spcPct val="0"/>
-              </a:spcAft>
-              <a:buFont typeface="Arial" charset="0"/>
-              <a:buChar char="–"/>
-              <a:defRPr kern="1200">
-                <a:solidFill>
-                  <a:schemeClr val="tx1"/>
-                </a:solidFill>
-                <a:latin typeface="Calibri"/>
-                <a:ea typeface="ＭＳ Ｐゴシック" pitchFamily="-28" charset="-128"/>
-                <a:cs typeface="Calibri"/>
-              </a:defRPr>
-            </a:lvl4pPr>
-            <a:lvl5pPr marL="2057400" indent="-228600" algn="l" rtl="0" eaLnBrk="0" fontAlgn="base" hangingPunct="0">
-              <a:spcBef>
-                <a:spcPct val="20000"/>
-              </a:spcBef>
-              <a:spcAft>
-                <a:spcPct val="0"/>
-              </a:spcAft>
-              <a:buFont typeface="Arial" charset="0"/>
-              <a:buChar char="»"/>
-              <a:defRPr kern="1200">
-                <a:solidFill>
-                  <a:schemeClr val="tx1"/>
-                </a:solidFill>
-                <a:latin typeface="Calibri"/>
-                <a:ea typeface="ＭＳ Ｐゴシック" pitchFamily="-28" charset="-128"/>
-                <a:cs typeface="Calibri"/>
-              </a:defRPr>
-            </a:lvl5pPr>
-            <a:lvl6pPr marL="2514600" indent="-228600" algn="l" defTabSz="914400" rtl="0" eaLnBrk="1" latinLnBrk="0" hangingPunct="1">
-              <a:spcBef>
-                <a:spcPct val="20000"/>
-              </a:spcBef>
-              <a:buFont typeface="Arial" pitchFamily="34" charset="0"/>
-              <a:buChar char="•"/>
-              <a:defRPr sz="2000" kern="1200">
-                <a:solidFill>
-                  <a:schemeClr val="tx1"/>
-                </a:solidFill>
-                <a:latin typeface="+mn-lt"/>
-                <a:ea typeface="+mn-ea"/>
-                <a:cs typeface="+mn-cs"/>
-              </a:defRPr>
-            </a:lvl6pPr>
-            <a:lvl7pPr marL="2971800" indent="-228600" algn="l" defTabSz="914400" rtl="0" eaLnBrk="1" latinLnBrk="0" hangingPunct="1">
-              <a:spcBef>
-                <a:spcPct val="20000"/>
-              </a:spcBef>
-              <a:buFont typeface="Arial" pitchFamily="34" charset="0"/>
-              <a:buChar char="•"/>
-              <a:defRPr sz="2000" kern="1200">
-                <a:solidFill>
-                  <a:schemeClr val="tx1"/>
-                </a:solidFill>
-                <a:latin typeface="+mn-lt"/>
-                <a:ea typeface="+mn-ea"/>
-                <a:cs typeface="+mn-cs"/>
-              </a:defRPr>
-            </a:lvl7pPr>
-            <a:lvl8pPr marL="3429000" indent="-228600" algn="l" defTabSz="914400" rtl="0" eaLnBrk="1" latinLnBrk="0" hangingPunct="1">
-              <a:spcBef>
-                <a:spcPct val="20000"/>
-              </a:spcBef>
-              <a:buFont typeface="Arial" pitchFamily="34" charset="0"/>
-              <a:buChar char="•"/>
-              <a:defRPr sz="2000" kern="1200">
-                <a:solidFill>
-                  <a:schemeClr val="tx1"/>
-                </a:solidFill>
-                <a:latin typeface="+mn-lt"/>
-                <a:ea typeface="+mn-ea"/>
-                <a:cs typeface="+mn-cs"/>
-              </a:defRPr>
-            </a:lvl8pPr>
-            <a:lvl9pPr marL="3886200" indent="-228600" algn="l" defTabSz="914400" rtl="0" eaLnBrk="1" latinLnBrk="0" hangingPunct="1">
-              <a:spcBef>
-                <a:spcPct val="20000"/>
-              </a:spcBef>
-              <a:buFont typeface="Arial" pitchFamily="34" charset="0"/>
-              <a:buChar char="•"/>
-              <a:defRPr sz="2000" kern="1200">
-                <a:solidFill>
-                  <a:schemeClr val="tx1"/>
-                </a:solidFill>
-                <a:latin typeface="+mn-lt"/>
-                <a:ea typeface="+mn-ea"/>
-                <a:cs typeface="+mn-cs"/>
-              </a:defRPr>
-            </a:lvl9pPr>
-          </a:lstStyle>
-          <a:p>
-            <a:pPr>
-              <a:lnSpc>
-                <a:spcPct val="90000"/>
-              </a:lnSpc>
-            </a:pPr>
-            <a:r>
-              <a:rPr lang="en-US" sz="2600" dirty="0">
-                <a:latin typeface="Calibri" charset="0"/>
-                <a:ea typeface="ＭＳ Ｐゴシック" charset="0"/>
-                <a:hlinkClick r:id="rId5"/>
-              </a:rPr>
-              <a:t>https://tools.lifetechnologies.com/content/sfs/manuals/cms_086340.</a:t>
-            </a:r>
-            <a:r>
-              <a:rPr lang="en-US" sz="2600" dirty="0" smtClean="0">
-                <a:latin typeface="Calibri" charset="0"/>
-                <a:ea typeface="ＭＳ Ｐゴシック" charset="0"/>
-                <a:hlinkClick r:id="rId5"/>
-              </a:rPr>
-              <a:t>pdf</a:t>
-            </a:r>
-            <a:endParaRPr lang="en-US" sz="2600" dirty="0" smtClean="0">
-              <a:latin typeface="Calibri" charset="0"/>
-              <a:ea typeface="ＭＳ Ｐゴシック" charset="0"/>
-            </a:endParaRPr>
-          </a:p>
-          <a:p>
-            <a:pPr>
-              <a:lnSpc>
-                <a:spcPct val="90000"/>
-              </a:lnSpc>
-            </a:pPr>
-            <a:r>
-              <a:rPr lang="en-US" sz="2600" dirty="0" smtClean="0">
-                <a:latin typeface="Calibri" charset="0"/>
-                <a:ea typeface="ＭＳ Ｐゴシック" charset="0"/>
-              </a:rPr>
-              <a:t>Lower Limit of Detection</a:t>
-            </a:r>
-          </a:p>
-          <a:p>
-            <a:pPr>
-              <a:lnSpc>
-                <a:spcPct val="90000"/>
-              </a:lnSpc>
-            </a:pPr>
-            <a:r>
-              <a:rPr lang="en-US" sz="2600" dirty="0" smtClean="0">
-                <a:latin typeface="Calibri" charset="0"/>
-                <a:ea typeface="ＭＳ Ｐゴシック" charset="0"/>
-              </a:rPr>
-              <a:t>Dynamic Range (dose response)</a:t>
-            </a:r>
-          </a:p>
-          <a:p>
-            <a:pPr>
-              <a:lnSpc>
-                <a:spcPct val="90000"/>
-              </a:lnSpc>
-            </a:pPr>
-            <a:r>
-              <a:rPr lang="en-US" sz="2600" dirty="0" smtClean="0">
-                <a:latin typeface="Calibri" charset="0"/>
-                <a:ea typeface="ＭＳ Ｐゴシック" charset="0"/>
-              </a:rPr>
-              <a:t>Fold-change response (DE)</a:t>
-            </a:r>
-          </a:p>
-          <a:p>
-            <a:pPr>
-              <a:lnSpc>
-                <a:spcPct val="90000"/>
-              </a:lnSpc>
-            </a:pPr>
-            <a:endParaRPr lang="en-US" sz="2600" dirty="0">
-              <a:latin typeface="Calibri" charset="0"/>
-              <a:ea typeface="ＭＳ Ｐゴシック" charset="0"/>
-            </a:endParaRPr>
-          </a:p>
-        </p:txBody>
-      </p:sp>
     </p:spTree>
     <p:extLst>
       <p:ext uri="{BB962C8B-B14F-4D97-AF65-F5344CB8AC3E}">
-        <p14:creationId xmlns:p14="http://schemas.microsoft.com/office/powerpoint/2010/main" val="3135553336"/>
+        <p14:creationId xmlns:p14="http://schemas.microsoft.com/office/powerpoint/2010/main" val="1722188091"/>
       </p:ext>
     </p:extLst>
   </p:cSld>
   <p:clrMapOvr>
     <a:masterClrMapping/>
   </p:clrMapOvr>
+  <p:timing>
+    <p:tnLst>
+      <p:par>
+        <p:cTn xmlns:p14="http://schemas.microsoft.com/office/powerpoint/2010/main" id="1" dur="indefinite" restart="never" nodeType="tmRoot"/>
+      </p:par>
+    </p:tnLst>
+  </p:timing>
 </p:sld>
 </file>
 
-<file path=ppt/slides/slide12.xml><?xml version="1.0" encoding="utf-8"?>
+<file path=ppt/slides/slide13.xml><?xml version="1.0" encoding="utf-8"?>
 <p:sld xmlns:a="http://schemas.openxmlformats.org/drawingml/2006/main" xmlns:r="http://schemas.openxmlformats.org/officeDocument/2006/relationships" xmlns:p="http://schemas.openxmlformats.org/presentationml/2006/main">
   <p:cSld>
     <p:spTree>
@@ -6959,10 +7437,60 @@
                 <a:latin typeface="Calibri" charset="0"/>
                 <a:cs typeface="Segoe UI" charset="0"/>
               </a:rPr>
-              <a:t>Module 4</a:t>
+              <a:t>RNA-</a:t>
+            </a:r>
+            <a:r>
+              <a:rPr lang="en-US" sz="2000" dirty="0" err="1">
+                <a:solidFill>
+                  <a:schemeClr val="bg1"/>
+                </a:solidFill>
+                <a:latin typeface="Calibri" charset="0"/>
+                <a:cs typeface="Segoe UI" charset="0"/>
+              </a:rPr>
+              <a:t>S</a:t>
+            </a:r>
+            <a:r>
+              <a:rPr lang="en-US" sz="2000" dirty="0" err="1" smtClean="0">
+                <a:solidFill>
+                  <a:schemeClr val="bg1"/>
+                </a:solidFill>
+                <a:latin typeface="Calibri" charset="0"/>
+                <a:cs typeface="Segoe UI" charset="0"/>
+              </a:rPr>
+              <a:t>eq</a:t>
+            </a:r>
+            <a:r>
+              <a:rPr lang="en-US" sz="2000" dirty="0" smtClean="0">
+                <a:solidFill>
+                  <a:schemeClr val="bg1"/>
+                </a:solidFill>
+                <a:latin typeface="Calibri" charset="0"/>
+                <a:cs typeface="Segoe UI" charset="0"/>
+              </a:rPr>
+              <a:t> Module </a:t>
+            </a:r>
+            <a:r>
+              <a:rPr lang="en-US" sz="2000" dirty="0">
+                <a:solidFill>
+                  <a:schemeClr val="bg1"/>
+                </a:solidFill>
+                <a:latin typeface="Calibri" charset="0"/>
+                <a:cs typeface="Segoe UI" charset="0"/>
+              </a:rPr>
+              <a:t>4</a:t>
+            </a:r>
+            <a:r>
+              <a:rPr lang="en-US" sz="2000" dirty="0">
+                <a:solidFill>
+                  <a:schemeClr val="bg1"/>
+                </a:solidFill>
+                <a:latin typeface="Calibri" charset="0"/>
+                <a:cs typeface="Segoe UI" charset="0"/>
+              </a:rPr>
+              <a:t/>
             </a:r>
             <a:br>
-              <a:rPr lang="en-US" sz="2000" dirty="0" smtClean="0">
+              <a:rPr lang="en-US" sz="2000" dirty="0">
                 <a:solidFill>
                   <a:schemeClr val="bg1"/>
                 </a:solidFill>
@@ -6971,14 +7499,74 @@
               </a:rPr>
             </a:br>
             <a:r>
-              <a:rPr lang="en-US" sz="2000" dirty="0" smtClean="0">
+              <a:rPr lang="en-US" sz="2000" dirty="0">
                 <a:solidFill>
                   <a:schemeClr val="bg1"/>
                 </a:solidFill>
                 <a:latin typeface="Calibri" charset="0"/>
                 <a:cs typeface="Segoe UI" charset="0"/>
               </a:rPr>
-              <a:t>Expression and Differential Expression (tutorial)</a:t>
+              <a:t>Isoform </a:t>
+            </a:r>
+            <a:r>
+              <a:rPr lang="en-US" sz="2000" dirty="0" smtClean="0">
+                <a:solidFill>
+                  <a:schemeClr val="bg1"/>
+                </a:solidFill>
+                <a:latin typeface="Calibri" charset="0"/>
+                <a:cs typeface="Segoe UI" charset="0"/>
+              </a:rPr>
+              <a:t>Discovery </a:t>
+            </a:r>
+            <a:r>
+              <a:rPr lang="en-US" sz="2000" dirty="0">
+                <a:solidFill>
+                  <a:schemeClr val="bg1"/>
+                </a:solidFill>
+                <a:latin typeface="Calibri" charset="0"/>
+                <a:cs typeface="Segoe UI" charset="0"/>
+              </a:rPr>
+              <a:t>and </a:t>
+            </a:r>
+            <a:r>
+              <a:rPr lang="en-US" sz="2000" dirty="0" smtClean="0">
+                <a:solidFill>
+                  <a:schemeClr val="bg1"/>
+                </a:solidFill>
+                <a:latin typeface="Calibri" charset="0"/>
+                <a:cs typeface="Segoe UI" charset="0"/>
+              </a:rPr>
+              <a:t>Alternative Expression </a:t>
+            </a:r>
+            <a:r>
+              <a:rPr lang="en-US" sz="2000" dirty="0">
+                <a:solidFill>
+                  <a:schemeClr val="bg1"/>
+                </a:solidFill>
+                <a:latin typeface="Calibri" charset="0"/>
+                <a:cs typeface="Segoe UI" charset="0"/>
+              </a:rPr>
+              <a:t>(</a:t>
+            </a:r>
+            <a:r>
+              <a:rPr lang="en-US" sz="2000" dirty="0" smtClean="0">
+                <a:solidFill>
+                  <a:schemeClr val="bg1"/>
+                </a:solidFill>
+                <a:latin typeface="Calibri" charset="0"/>
+                <a:cs typeface="Segoe UI" charset="0"/>
+              </a:rPr>
+              <a:t>tutorial</a:t>
+            </a:r>
+            <a:r>
+              <a:rPr lang="en-US" sz="2000" dirty="0" smtClean="0">
+                <a:solidFill>
+                  <a:schemeClr val="bg1"/>
+                </a:solidFill>
+                <a:latin typeface="Calibri" charset="0"/>
+                <a:cs typeface="Segoe UI" charset="0"/>
+              </a:rPr>
+              <a:t>)</a:t>
             </a:r>
             <a:endParaRPr lang="en-US" sz="1800" b="1" dirty="0">
               <a:solidFill>
@@ -7032,21 +7620,8 @@
                 <a:ea typeface="+mj-ea"/>
                 <a:cs typeface="Calibri"/>
               </a:rPr>
-              <a:t>Malachi Griffith, Obi Griffith, Jason Walker, Ben </a:t>
-            </a:r>
-            <a:r>
-              <a:rPr lang="en-US" sz="1600" dirty="0" err="1" smtClean="0">
-                <a:latin typeface="Calibri"/>
-                <a:ea typeface="+mj-ea"/>
-                <a:cs typeface="Calibri"/>
-              </a:rPr>
-              <a:t>Ainscough</a:t>
-            </a:r>
-            <a:endParaRPr lang="en-US" sz="1600" dirty="0" smtClean="0">
-              <a:latin typeface="Calibri"/>
-              <a:ea typeface="+mj-ea"/>
-              <a:cs typeface="Calibri"/>
-            </a:endParaRPr>
+              <a:t>Malachi Griffith, Obi Griffith, Jason Walker</a:t>
+            </a:r>
           </a:p>
           <a:p>
             <a:pPr fontAlgn="auto">
@@ -7080,7 +7655,7 @@
               <a:defRPr/>
             </a:pPr>
             <a:r>
-              <a:rPr lang="en-US" sz="1400" dirty="0" smtClean="0">
+              <a:rPr lang="en-US" sz="1400" dirty="0">
                 <a:ln w="1270">
                   <a:solidFill>
                     <a:schemeClr val="tx1">
@@ -7092,12 +7667,29 @@
                 <a:ea typeface="+mn-ea"/>
                 <a:cs typeface="Calibri"/>
               </a:rPr>
-              <a:t>November 11-23, 2014</a:t>
-            </a:r>
+              <a:t>November 10 - 22, 2015</a:t>
+            </a:r>
+            <a:endParaRPr lang="en-US" sz="1400" dirty="0" smtClean="0">
+              <a:ln w="1270">
+                <a:solidFill>
+                  <a:schemeClr val="tx1">
+                    <a:alpha val="38000"/>
+                  </a:schemeClr>
+                </a:solidFill>
+              </a:ln>
+              <a:latin typeface="Calibri"/>
+              <a:ea typeface="+mn-ea"/>
+              <a:cs typeface="Calibri"/>
+            </a:endParaRPr>
           </a:p>
         </p:txBody>
       </p:sp>
     </p:spTree>
+    <p:extLst>
+      <p:ext uri="{BB962C8B-B14F-4D97-AF65-F5344CB8AC3E}">
+        <p14:creationId xmlns:p14="http://schemas.microsoft.com/office/powerpoint/2010/main" val="3250606954"/>
+      </p:ext>
+    </p:extLst>
   </p:cSld>
   <p:clrMapOvr>
     <a:masterClrMapping/>
@@ -7163,7 +7755,7 @@
       </p:sp>
       <p:sp>
         <p:nvSpPr>
-          <p:cNvPr id="15362" name="Content Placeholder 6"/>
+          <p:cNvPr id="12290" name="Content Placeholder 6"/>
           <p:cNvSpPr>
             <a:spLocks noGrp="1"/>
           </p:cNvSpPr>
@@ -7173,66 +7765,138 @@
         </p:nvSpPr>
         <p:spPr>
           <a:xfrm>
-            <a:off x="179388" y="981075"/>
-            <a:ext cx="8839200" cy="4906963"/>
+            <a:off x="179388" y="1258888"/>
+            <a:ext cx="8839200" cy="4906962"/>
           </a:xfrm>
         </p:spPr>
         <p:txBody>
-          <a:bodyPr/>
+          <a:bodyPr>
+            <a:normAutofit lnSpcReduction="10000"/>
+          </a:bodyPr>
           <a:lstStyle/>
           <a:p>
-            <a:r>
-              <a:rPr lang="en-US">
+            <a:pPr>
+              <a:defRPr/>
+            </a:pPr>
+            <a:r>
+              <a:rPr lang="en-US" dirty="0" smtClean="0">
                 <a:latin typeface="Calibri" charset="0"/>
                 <a:ea typeface="ＭＳ Ｐゴシック" charset="0"/>
               </a:rPr>
-              <a:t>Generate gene/transcript expression estimates with cufflinks</a:t>
-            </a:r>
-          </a:p>
-          <a:p>
-            <a:r>
-              <a:rPr lang="en-US">
+              <a:t>Learn how to run Cufflinks in ‘reference only’, ‘reference guided’, and ‘de novo’ modes</a:t>
+            </a:r>
+          </a:p>
+          <a:p>
+            <a:pPr>
+              <a:defRPr/>
+            </a:pPr>
+            <a:r>
+              <a:rPr lang="en-US" dirty="0" smtClean="0">
                 <a:latin typeface="Calibri" charset="0"/>
                 <a:ea typeface="ＭＳ Ｐゴシック" charset="0"/>
               </a:rPr>
-              <a:t>Perform differential expression analysis with cuffmerge and cuffdiff</a:t>
-            </a:r>
-          </a:p>
-          <a:p>
-            <a:r>
-              <a:rPr lang="en-US">
+              <a:t>Learn how to use </a:t>
+            </a:r>
+            <a:r>
+              <a:rPr lang="en-US" dirty="0" err="1" smtClean="0">
                 <a:latin typeface="Calibri" charset="0"/>
                 <a:ea typeface="ＭＳ Ｐゴシック" charset="0"/>
               </a:rPr>
-              <a:t>Summarize and visualize results</a:t>
-            </a:r>
-          </a:p>
-          <a:p>
-            <a:pPr lvl="1"/>
-            <a:r>
-              <a:rPr lang="en-US">
+              <a:t>Cuffmerge</a:t>
+            </a:r>
+            <a:r>
+              <a:rPr lang="en-US" dirty="0" smtClean="0">
                 <a:latin typeface="Calibri" charset="0"/>
                 <a:ea typeface="ＭＳ Ｐゴシック" charset="0"/>
               </a:rPr>
-              <a:t>cummeRbund</a:t>
-            </a:r>
-          </a:p>
-          <a:p>
-            <a:pPr lvl="1"/>
-            <a:r>
-              <a:rPr lang="en-US">
+              <a:t> to combine transcriptomes from multiple Cufflinks runs and compare assembled transcripts to known transcripts</a:t>
+            </a:r>
+          </a:p>
+          <a:p>
+            <a:pPr>
+              <a:defRPr/>
+            </a:pPr>
+            <a:r>
+              <a:rPr lang="en-US" dirty="0" smtClean="0">
                 <a:latin typeface="Calibri" charset="0"/>
                 <a:ea typeface="ＭＳ Ｐゴシック" charset="0"/>
               </a:rPr>
-              <a:t>Old school R methods</a:t>
-            </a:r>
+              <a:t>Learn how to perform differential splicing analysis with </a:t>
+            </a:r>
+            <a:r>
+              <a:rPr lang="en-US" dirty="0" err="1" smtClean="0">
+                <a:latin typeface="Calibri" charset="0"/>
+                <a:ea typeface="ＭＳ Ｐゴシック" charset="0"/>
+              </a:rPr>
+              <a:t>Cuffdiff</a:t>
+            </a:r>
+            <a:endParaRPr lang="en-US" dirty="0" smtClean="0">
+              <a:latin typeface="Calibri" charset="0"/>
+              <a:ea typeface="ＭＳ Ｐゴシック" charset="0"/>
+            </a:endParaRPr>
+          </a:p>
+          <a:p>
+            <a:pPr>
+              <a:defRPr/>
+            </a:pPr>
+            <a:r>
+              <a:rPr lang="en-US" dirty="0" smtClean="0">
+                <a:latin typeface="Calibri" charset="0"/>
+                <a:ea typeface="ＭＳ Ｐゴシック" charset="0"/>
+              </a:rPr>
+              <a:t>Examine </a:t>
+            </a:r>
+            <a:r>
+              <a:rPr lang="en-US" dirty="0" err="1" smtClean="0">
+                <a:latin typeface="Calibri" charset="0"/>
+                <a:ea typeface="ＭＳ Ｐゴシック" charset="0"/>
+              </a:rPr>
+              <a:t>TopHat</a:t>
+            </a:r>
+            <a:r>
+              <a:rPr lang="en-US" dirty="0" smtClean="0">
+                <a:latin typeface="Calibri" charset="0"/>
+                <a:ea typeface="ＭＳ Ｐゴシック" charset="0"/>
+              </a:rPr>
+              <a:t> junctions counts and Cufflinks differential splicing files at the command line</a:t>
+            </a:r>
+          </a:p>
+          <a:p>
+            <a:pPr>
+              <a:defRPr/>
+            </a:pPr>
+            <a:r>
+              <a:rPr lang="en-US" dirty="0" smtClean="0">
+                <a:latin typeface="Calibri" charset="0"/>
+                <a:ea typeface="ＭＳ Ｐゴシック" charset="0"/>
+              </a:rPr>
+              <a:t>Visualize </a:t>
+            </a:r>
+            <a:r>
+              <a:rPr lang="en-US" dirty="0" err="1" smtClean="0">
+                <a:latin typeface="Calibri" charset="0"/>
+                <a:ea typeface="ＭＳ Ｐゴシック" charset="0"/>
+              </a:rPr>
+              <a:t>TopHat</a:t>
+            </a:r>
+            <a:r>
+              <a:rPr lang="en-US" dirty="0" smtClean="0">
+                <a:latin typeface="Calibri" charset="0"/>
+                <a:ea typeface="ＭＳ Ｐゴシック" charset="0"/>
+              </a:rPr>
+              <a:t> junction counts and Cufflinks assembled transcripts in IGV</a:t>
+            </a:r>
+            <a:endParaRPr lang="en-US" dirty="0">
+              <a:latin typeface="Calibri" charset="0"/>
+              <a:ea typeface="ＭＳ Ｐゴシック" charset="0"/>
+            </a:endParaRPr>
           </a:p>
         </p:txBody>
       </p:sp>
     </p:spTree>
     <p:extLst>
       <p:ext uri="{BB962C8B-B14F-4D97-AF65-F5344CB8AC3E}">
-        <p14:creationId xmlns:p14="http://schemas.microsoft.com/office/powerpoint/2010/main" val="3032031053"/>
+        <p14:creationId xmlns:p14="http://schemas.microsoft.com/office/powerpoint/2010/main" val="1549753396"/>
       </p:ext>
     </p:extLst>
   </p:cSld>
@@ -7268,9 +7932,9 @@
       </p:grpSpPr>
       <p:sp>
         <p:nvSpPr>
-          <p:cNvPr id="19457" name="Rectangle 2"/>
+          <p:cNvPr id="17409" name="Title 1"/>
           <p:cNvSpPr>
-            <a:spLocks noGrp="1" noChangeArrowheads="1"/>
+            <a:spLocks noGrp="1"/>
           </p:cNvSpPr>
           <p:nvPr>
             <p:ph type="title"/>
@@ -7286,29 +7950,33 @@
           <a:bodyPr/>
           <a:lstStyle/>
           <a:p>
-            <a:pPr eaLnBrk="1" hangingPunct="1"/>
-            <a:r>
-              <a:rPr lang="en-US" altLang="ko-KR" dirty="0" smtClean="0">
+            <a:r>
+              <a:rPr lang="en-US" dirty="0" smtClean="0">
                 <a:latin typeface="Calibri" charset="0"/>
                 <a:ea typeface="ＭＳ Ｐゴシック" charset="0"/>
-                <a:cs typeface="ＭＳ Ｐゴシック" charset="0"/>
               </a:rPr>
-              <a:t>4-i. </a:t>
-            </a:r>
-            <a:r>
-              <a:rPr lang="en-US" altLang="ko-KR" dirty="0">
+              <a:t>5-i,ii. Running </a:t>
+            </a:r>
+            <a:r>
+              <a:rPr lang="en-US" dirty="0" err="1">
                 <a:latin typeface="Calibri" charset="0"/>
                 <a:ea typeface="ＭＳ Ｐゴシック" charset="0"/>
-                <a:cs typeface="ＭＳ Ｐゴシック" charset="0"/>
               </a:rPr>
-              <a:t>Generate expression estimates</a:t>
+              <a:t>cuffinks</a:t>
+            </a:r>
+            <a:r>
+              <a:rPr lang="en-US" dirty="0">
+                <a:latin typeface="Calibri" charset="0"/>
+                <a:ea typeface="ＭＳ Ｐゴシック" charset="0"/>
+              </a:rPr>
+              <a:t> in ‘ref-guided’ and ‘de-novo’ mode</a:t>
             </a:r>
           </a:p>
         </p:txBody>
       </p:sp>
       <p:sp>
         <p:nvSpPr>
-          <p:cNvPr id="19458" name="Content Placeholder 6"/>
+          <p:cNvPr id="3" name="Content Placeholder 2"/>
           <p:cNvSpPr>
             <a:spLocks noGrp="1"/>
           </p:cNvSpPr>
@@ -7316,351 +7984,64 @@
             <p:ph idx="1"/>
           </p:nvPr>
         </p:nvSpPr>
-        <p:spPr>
-          <a:xfrm>
-            <a:off x="152400" y="1268413"/>
-            <a:ext cx="8839200" cy="4979987"/>
-          </a:xfrm>
-        </p:spPr>
+        <p:spPr/>
         <p:txBody>
-          <a:bodyPr/>
+          <a:bodyPr>
+            <a:normAutofit lnSpcReduction="10000"/>
+          </a:bodyPr>
           <a:lstStyle/>
           <a:p>
             <a:pPr>
-              <a:lnSpc>
-                <a:spcPct val="90000"/>
-              </a:lnSpc>
+              <a:defRPr/>
             </a:pPr>
             <a:r>
-              <a:rPr lang="en-US" sz="2400">
-                <a:latin typeface="Calibri" charset="0"/>
-                <a:ea typeface="ＭＳ Ｐゴシック" charset="0"/>
-              </a:rPr>
-              <a:t>The alignment SAM/BAM files generated in the previous step will now be used by cufflinks to calculate expression estimates </a:t>
+              <a:rPr lang="en-US" dirty="0" smtClean="0"/>
+              <a:t>In Module 3 we ran cufflinks in ‘ref-only’ mode.  This mode gives us an expression estimate for each known gene/transcript</a:t>
+            </a:r>
+          </a:p>
+          <a:p>
+            <a:pPr>
+              <a:defRPr/>
+            </a:pPr>
+            <a:r>
+              <a:rPr lang="en-US" dirty="0" smtClean="0"/>
+              <a:t>Now we want to be able to potentially identify novel genes, and novel isoforms of known genes</a:t>
+            </a:r>
+          </a:p>
+          <a:p>
+            <a:pPr>
+              <a:defRPr/>
+            </a:pPr>
+            <a:r>
+              <a:rPr lang="en-US" dirty="0" smtClean="0"/>
+              <a:t>To accomplish this we will re-run cufflinks in ‘ref-guided’ and ‘de-novo’ modes</a:t>
             </a:r>
           </a:p>
           <a:p>
             <a:pPr lvl="1">
-              <a:lnSpc>
-                <a:spcPct val="90000"/>
-              </a:lnSpc>
+              <a:defRPr/>
             </a:pPr>
             <a:r>
-              <a:rPr lang="en-US" sz="2000">
-                <a:latin typeface="Calibri" charset="0"/>
-                <a:ea typeface="ＭＳ Ｐゴシック" charset="0"/>
-              </a:rPr>
-              <a:t>For all transcripts on the target chromosome </a:t>
-            </a:r>
-          </a:p>
-          <a:p>
-            <a:pPr>
-              <a:lnSpc>
-                <a:spcPct val="90000"/>
-              </a:lnSpc>
+              <a:rPr lang="en-US" dirty="0" smtClean="0"/>
+              <a:t>In ‘ref-guided’ mode a known transcriptome will be used as a guide</a:t>
+            </a:r>
+          </a:p>
+          <a:p>
+            <a:pPr lvl="1">
+              <a:defRPr/>
             </a:pPr>
             <a:r>
-              <a:rPr lang="en-US" sz="2400">
-                <a:latin typeface="Calibri" charset="0"/>
-                <a:ea typeface="ＭＳ Ｐゴシック" charset="0"/>
-              </a:rPr>
-              <a:t>For this step an option, confusingly also called </a:t>
-            </a:r>
-            <a:r>
-              <a:rPr lang="ja-JP" altLang="en-US" sz="2400">
-                <a:latin typeface="Calibri" charset="0"/>
-                <a:ea typeface="ＭＳ Ｐゴシック" charset="0"/>
-              </a:rPr>
-              <a:t>‘</a:t>
-            </a:r>
-            <a:r>
-              <a:rPr lang="en-US" altLang="ja-JP" sz="2400">
-                <a:latin typeface="Calibri" charset="0"/>
-                <a:ea typeface="ＭＳ Ｐゴシック" charset="0"/>
-              </a:rPr>
-              <a:t>-G</a:t>
-            </a:r>
-            <a:r>
-              <a:rPr lang="ja-JP" altLang="en-US" sz="2400">
-                <a:latin typeface="Calibri" charset="0"/>
-                <a:ea typeface="ＭＳ Ｐゴシック" charset="0"/>
-              </a:rPr>
-              <a:t>’</a:t>
-            </a:r>
-            <a:r>
-              <a:rPr lang="en-US" altLang="ja-JP" sz="2400">
-                <a:latin typeface="Calibri" charset="0"/>
-                <a:ea typeface="ＭＳ Ｐゴシック" charset="0"/>
-              </a:rPr>
-              <a:t> is used</a:t>
-            </a:r>
-          </a:p>
-          <a:p>
-            <a:pPr lvl="1">
-              <a:lnSpc>
-                <a:spcPct val="90000"/>
-              </a:lnSpc>
-            </a:pPr>
-            <a:r>
-              <a:rPr lang="en-US" sz="2000">
-                <a:latin typeface="Calibri" charset="0"/>
-                <a:ea typeface="ＭＳ Ｐゴシック" charset="0"/>
-              </a:rPr>
-              <a:t>Forces cufflinks to calculate expression values for known transcripts</a:t>
-            </a:r>
-          </a:p>
-          <a:p>
-            <a:pPr lvl="1">
-              <a:lnSpc>
-                <a:spcPct val="90000"/>
-              </a:lnSpc>
-            </a:pPr>
-            <a:r>
-              <a:rPr lang="en-US" sz="2000">
-                <a:latin typeface="Calibri" charset="0"/>
-                <a:ea typeface="ＭＳ Ｐゴシック" charset="0"/>
-              </a:rPr>
-              <a:t>To discover novel transcripts with Cufflinks you should:</a:t>
-            </a:r>
-          </a:p>
-          <a:p>
-            <a:pPr lvl="2">
-              <a:lnSpc>
-                <a:spcPct val="90000"/>
-              </a:lnSpc>
-            </a:pPr>
-            <a:r>
-              <a:rPr lang="en-US" sz="1700" b="1">
-                <a:latin typeface="Calibri" charset="0"/>
-                <a:ea typeface="ＭＳ Ｐゴシック" charset="0"/>
-              </a:rPr>
-              <a:t>Not use the '-G' option.  De novo transcript assembly and estimation will be performed.  (we will try this in Module 4)  OR ...</a:t>
-            </a:r>
-          </a:p>
-          <a:p>
-            <a:pPr lvl="2">
-              <a:lnSpc>
-                <a:spcPct val="90000"/>
-              </a:lnSpc>
-            </a:pPr>
-            <a:r>
-              <a:rPr lang="en-US" sz="1700">
-                <a:latin typeface="Calibri" charset="0"/>
-                <a:ea typeface="ＭＳ Ｐゴシック" charset="0"/>
-              </a:rPr>
-              <a:t>Use the '-G' option along with the '-g' option.  Known transcripts will be used as a </a:t>
-            </a:r>
-            <a:r>
-              <a:rPr lang="ja-JP" altLang="en-US" sz="1700">
-                <a:latin typeface="Calibri" charset="0"/>
-                <a:ea typeface="ＭＳ Ｐゴシック" charset="0"/>
-              </a:rPr>
-              <a:t>‘</a:t>
-            </a:r>
-            <a:r>
-              <a:rPr lang="en-US" altLang="ja-JP" sz="1700">
-                <a:latin typeface="Calibri" charset="0"/>
-                <a:ea typeface="ＭＳ Ｐゴシック" charset="0"/>
-              </a:rPr>
-              <a:t>guide</a:t>
-            </a:r>
-            <a:r>
-              <a:rPr lang="ja-JP" altLang="en-US" sz="1700">
-                <a:latin typeface="Calibri" charset="0"/>
-                <a:ea typeface="ＭＳ Ｐゴシック" charset="0"/>
-              </a:rPr>
-              <a:t>’</a:t>
-            </a:r>
-            <a:r>
-              <a:rPr lang="en-US" altLang="ja-JP" sz="1700">
-                <a:latin typeface="Calibri" charset="0"/>
-                <a:ea typeface="ＭＳ Ｐゴシック" charset="0"/>
-              </a:rPr>
-              <a:t>, but novel transcripts will also be predicted</a:t>
-            </a:r>
-          </a:p>
-          <a:p>
-            <a:pPr>
-              <a:lnSpc>
-                <a:spcPct val="90000"/>
-              </a:lnSpc>
-            </a:pPr>
-            <a:r>
-              <a:rPr lang="en-US" sz="2400">
-                <a:latin typeface="Calibri" charset="0"/>
-                <a:ea typeface="ＭＳ Ｐゴシック" charset="0"/>
-              </a:rPr>
-              <a:t>This step will generate one isoform and one gene expression file for each library</a:t>
-            </a:r>
-          </a:p>
-          <a:p>
-            <a:pPr lvl="1">
-              <a:lnSpc>
-                <a:spcPct val="90000"/>
-              </a:lnSpc>
-            </a:pPr>
-            <a:r>
-              <a:rPr lang="en-US" sz="2000">
-                <a:latin typeface="Calibri" charset="0"/>
-                <a:ea typeface="ＭＳ Ｐゴシック" charset="0"/>
-              </a:rPr>
-              <a:t>Expression values are reported as </a:t>
-            </a:r>
-            <a:r>
-              <a:rPr lang="ja-JP" altLang="en-US" sz="2000">
-                <a:latin typeface="Calibri" charset="0"/>
-                <a:ea typeface="ＭＳ Ｐゴシック" charset="0"/>
-              </a:rPr>
-              <a:t>‘</a:t>
-            </a:r>
-            <a:r>
-              <a:rPr lang="en-US" altLang="ja-JP" sz="2000">
-                <a:latin typeface="Calibri" charset="0"/>
-                <a:ea typeface="ＭＳ Ｐゴシック" charset="0"/>
-              </a:rPr>
-              <a:t>FPKM</a:t>
-            </a:r>
-            <a:r>
-              <a:rPr lang="ja-JP" altLang="en-US" sz="2000">
-                <a:latin typeface="Calibri" charset="0"/>
-                <a:ea typeface="ＭＳ Ｐゴシック" charset="0"/>
-              </a:rPr>
-              <a:t>’</a:t>
-            </a:r>
-            <a:r>
-              <a:rPr lang="en-US" altLang="ja-JP" sz="2000">
-                <a:latin typeface="Calibri" charset="0"/>
-                <a:ea typeface="ＭＳ Ｐゴシック" charset="0"/>
-              </a:rPr>
-              <a:t>, or </a:t>
-            </a:r>
-            <a:r>
-              <a:rPr lang="ja-JP" altLang="en-US" sz="2000">
-                <a:latin typeface="Calibri" charset="0"/>
-                <a:ea typeface="ＭＳ Ｐゴシック" charset="0"/>
-              </a:rPr>
-              <a:t>‘</a:t>
-            </a:r>
-            <a:r>
-              <a:rPr lang="en-US" altLang="ja-JP" sz="2000" b="1">
-                <a:latin typeface="Calibri" charset="0"/>
-                <a:ea typeface="ＭＳ Ｐゴシック" charset="0"/>
-              </a:rPr>
-              <a:t>F</a:t>
-            </a:r>
-            <a:r>
-              <a:rPr lang="en-US" altLang="ja-JP" sz="2000">
-                <a:latin typeface="Calibri" charset="0"/>
-                <a:ea typeface="ＭＳ Ｐゴシック" charset="0"/>
-              </a:rPr>
-              <a:t>ragments </a:t>
-            </a:r>
-            <a:r>
-              <a:rPr lang="en-US" altLang="ja-JP" sz="2000" b="1">
-                <a:latin typeface="Calibri" charset="0"/>
-                <a:ea typeface="ＭＳ Ｐゴシック" charset="0"/>
-              </a:rPr>
-              <a:t>P</a:t>
-            </a:r>
-            <a:r>
-              <a:rPr lang="en-US" altLang="ja-JP" sz="2000">
-                <a:latin typeface="Calibri" charset="0"/>
-                <a:ea typeface="ＭＳ Ｐゴシック" charset="0"/>
-              </a:rPr>
-              <a:t>er </a:t>
-            </a:r>
-            <a:r>
-              <a:rPr lang="en-US" altLang="ja-JP" sz="2000" b="1">
-                <a:latin typeface="Calibri" charset="0"/>
-                <a:ea typeface="ＭＳ Ｐゴシック" charset="0"/>
-              </a:rPr>
-              <a:t>K</a:t>
-            </a:r>
-            <a:r>
-              <a:rPr lang="en-US" altLang="ja-JP" sz="2000">
-                <a:latin typeface="Calibri" charset="0"/>
-                <a:ea typeface="ＭＳ Ｐゴシック" charset="0"/>
-              </a:rPr>
-              <a:t>ilobase of exon per million fragments </a:t>
-            </a:r>
-            <a:r>
-              <a:rPr lang="en-US" altLang="ja-JP" sz="2000" b="1">
-                <a:latin typeface="Calibri" charset="0"/>
-                <a:ea typeface="ＭＳ Ｐゴシック" charset="0"/>
-              </a:rPr>
-              <a:t>M</a:t>
-            </a:r>
-            <a:r>
-              <a:rPr lang="en-US" altLang="ja-JP" sz="2000">
-                <a:latin typeface="Calibri" charset="0"/>
-                <a:ea typeface="ＭＳ Ｐゴシック" charset="0"/>
-              </a:rPr>
-              <a:t>apped</a:t>
-            </a:r>
-            <a:r>
-              <a:rPr lang="ja-JP" altLang="en-US" sz="2000">
-                <a:latin typeface="Calibri" charset="0"/>
-                <a:ea typeface="ＭＳ Ｐゴシック" charset="0"/>
-              </a:rPr>
-              <a:t>’</a:t>
-            </a:r>
-            <a:endParaRPr lang="en-US" altLang="ja-JP" sz="2000">
-              <a:latin typeface="Calibri" charset="0"/>
-              <a:ea typeface="ＭＳ Ｐゴシック" charset="0"/>
-            </a:endParaRPr>
-          </a:p>
-          <a:p>
-            <a:pPr lvl="1">
-              <a:lnSpc>
-                <a:spcPct val="90000"/>
-              </a:lnSpc>
-            </a:pPr>
-            <a:r>
-              <a:rPr lang="en-US" sz="2000">
-                <a:latin typeface="Calibri" charset="0"/>
-                <a:ea typeface="ＭＳ Ｐゴシック" charset="0"/>
-              </a:rPr>
-              <a:t>Where each </a:t>
-            </a:r>
-            <a:r>
-              <a:rPr lang="ja-JP" altLang="en-US" sz="2000">
-                <a:latin typeface="Calibri" charset="0"/>
-                <a:ea typeface="ＭＳ Ｐゴシック" charset="0"/>
-              </a:rPr>
-              <a:t>‘</a:t>
-            </a:r>
-            <a:r>
-              <a:rPr lang="en-US" altLang="ja-JP" sz="2000">
-                <a:latin typeface="Calibri" charset="0"/>
-                <a:ea typeface="ＭＳ Ｐゴシック" charset="0"/>
-              </a:rPr>
-              <a:t>fragment</a:t>
-            </a:r>
-            <a:r>
-              <a:rPr lang="ja-JP" altLang="en-US" sz="2000">
-                <a:latin typeface="Calibri" charset="0"/>
-                <a:ea typeface="ＭＳ Ｐゴシック" charset="0"/>
-              </a:rPr>
-              <a:t>’</a:t>
-            </a:r>
-            <a:r>
-              <a:rPr lang="en-US" altLang="ja-JP" sz="2000">
-                <a:latin typeface="Calibri" charset="0"/>
-                <a:ea typeface="ＭＳ Ｐゴシック" charset="0"/>
-              </a:rPr>
-              <a:t> corresponds to a read-pair mapped to the genome</a:t>
-            </a:r>
-            <a:endParaRPr lang="en-US" sz="2000">
-              <a:latin typeface="Calibri" charset="0"/>
-              <a:ea typeface="ＭＳ Ｐゴシック" charset="0"/>
-            </a:endParaRPr>
+              <a:rPr lang="en-US" dirty="0" smtClean="0"/>
+              <a:t>In ‘de-novo’ mode no knowledge of the transcriptome will be used at all</a:t>
+            </a:r>
+            <a:endParaRPr lang="en-US" dirty="0"/>
           </a:p>
         </p:txBody>
       </p:sp>
     </p:spTree>
     <p:extLst>
       <p:ext uri="{BB962C8B-B14F-4D97-AF65-F5344CB8AC3E}">
-        <p14:creationId xmlns:p14="http://schemas.microsoft.com/office/powerpoint/2010/main" val="862564927"/>
+        <p14:creationId xmlns:p14="http://schemas.microsoft.com/office/powerpoint/2010/main" val="2188959365"/>
       </p:ext>
     </p:extLst>
   </p:cSld>
@@ -7696,9 +8077,9 @@
       </p:grpSpPr>
       <p:sp>
         <p:nvSpPr>
-          <p:cNvPr id="21505" name="Rectangle 2"/>
+          <p:cNvPr id="19457" name="Title 1"/>
           <p:cNvSpPr>
-            <a:spLocks noGrp="1" noChangeArrowheads="1"/>
+            <a:spLocks noGrp="1"/>
           </p:cNvSpPr>
           <p:nvPr>
             <p:ph type="title"/>
@@ -7706,37 +8087,27 @@
         </p:nvSpPr>
         <p:spPr>
           <a:xfrm>
-            <a:off x="152400" y="44450"/>
-            <a:ext cx="8839200" cy="1143000"/>
+            <a:off x="152400" y="-26988"/>
+            <a:ext cx="8839200" cy="1143001"/>
           </a:xfrm>
         </p:spPr>
         <p:txBody>
           <a:bodyPr/>
           <a:lstStyle/>
           <a:p>
-            <a:pPr eaLnBrk="1" hangingPunct="1"/>
-            <a:r>
-              <a:rPr lang="en-US" altLang="ko-KR" dirty="0" smtClean="0">
+            <a:r>
+              <a:rPr lang="en-US">
                 <a:latin typeface="Calibri" charset="0"/>
                 <a:ea typeface="ＭＳ Ｐゴシック" charset="0"/>
-                <a:cs typeface="ＭＳ Ｐゴシック" charset="0"/>
               </a:rPr>
-              <a:t>4-i. </a:t>
-            </a:r>
-            <a:r>
-              <a:rPr lang="en-US" altLang="ko-KR" dirty="0">
-                <a:latin typeface="Calibri" charset="0"/>
-                <a:ea typeface="ＭＳ Ｐゴシック" charset="0"/>
-                <a:cs typeface="ＭＳ Ｐゴシック" charset="0"/>
-              </a:rPr>
-              <a:t>Generate expression estimates (Optional Alternatives)</a:t>
+              <a:t>‘-g’, ‘-G’ woe is me...</a:t>
             </a:r>
           </a:p>
         </p:txBody>
       </p:sp>
       <p:sp>
         <p:nvSpPr>
-          <p:cNvPr id="15362" name="Content Placeholder 6"/>
+          <p:cNvPr id="3" name="Content Placeholder 2"/>
           <p:cNvSpPr>
             <a:spLocks noGrp="1"/>
           </p:cNvSpPr>
@@ -7746,222 +8117,269 @@
         </p:nvSpPr>
         <p:spPr>
           <a:xfrm>
-            <a:off x="152400" y="1557338"/>
-            <a:ext cx="8839200" cy="4691062"/>
+            <a:off x="152400" y="1341438"/>
+            <a:ext cx="8839200" cy="4983162"/>
           </a:xfrm>
         </p:spPr>
         <p:txBody>
           <a:bodyPr>
-            <a:normAutofit fontScale="92500" lnSpcReduction="10000"/>
+            <a:normAutofit fontScale="62500" lnSpcReduction="20000"/>
           </a:bodyPr>
           <a:lstStyle/>
           <a:p>
             <a:pPr>
-              <a:lnSpc>
-                <a:spcPct val="90000"/>
-              </a:lnSpc>
               <a:defRPr/>
             </a:pPr>
             <a:r>
-              <a:rPr lang="en-US" dirty="0" smtClean="0">
-                <a:latin typeface="Calibri" charset="0"/>
-                <a:ea typeface="ＭＳ Ｐゴシック" charset="0"/>
-              </a:rPr>
-              <a:t>The Alignment SAM/BAM files generated from STAR can also be used in cufflinks to generate expression estimates – exactly as above</a:t>
-            </a:r>
-          </a:p>
-          <a:p>
-            <a:pPr>
-              <a:lnSpc>
-                <a:spcPct val="90000"/>
-              </a:lnSpc>
+              <a:rPr lang="en-US" dirty="0" err="1" smtClean="0"/>
+              <a:t>tophat</a:t>
+            </a:r>
+            <a:r>
+              <a:rPr lang="en-US" dirty="0" smtClean="0"/>
+              <a:t> has a ‘-G’ option</a:t>
+            </a:r>
+          </a:p>
+          <a:p>
+            <a:pPr lvl="1">
               <a:defRPr/>
             </a:pPr>
             <a:r>
-              <a:rPr lang="en-US" dirty="0" smtClean="0">
-                <a:latin typeface="Calibri" charset="0"/>
-                <a:ea typeface="ＭＳ Ｐゴシック" charset="0"/>
-              </a:rPr>
-              <a:t>Another alternative we will explore is a count-based method</a:t>
+              <a:rPr lang="en-US" dirty="0" smtClean="0"/>
+              <a:t>Used to supply a transcriptome GTF file</a:t>
             </a:r>
           </a:p>
           <a:p>
             <a:pPr lvl="1">
-              <a:lnSpc>
-                <a:spcPct val="90000"/>
-              </a:lnSpc>
               <a:defRPr/>
             </a:pPr>
             <a:r>
-              <a:rPr lang="en-US" dirty="0" smtClean="0">
-                <a:latin typeface="Calibri" charset="0"/>
-                <a:ea typeface="ＭＳ Ｐゴシック" charset="0"/>
-              </a:rPr>
-              <a:t>We will use a program called </a:t>
-            </a:r>
-            <a:r>
-              <a:rPr lang="en-US" dirty="0" err="1" smtClean="0">
-                <a:latin typeface="Calibri" charset="0"/>
-                <a:ea typeface="ＭＳ Ｐゴシック" charset="0"/>
-              </a:rPr>
-              <a:t>htseq</a:t>
-            </a:r>
-            <a:r>
-              <a:rPr lang="en-US" dirty="0" smtClean="0">
-                <a:latin typeface="Calibri" charset="0"/>
-                <a:ea typeface="ＭＳ Ｐゴシック" charset="0"/>
-              </a:rPr>
-              <a:t>-count</a:t>
-            </a:r>
-          </a:p>
-          <a:p>
-            <a:pPr lvl="2">
-              <a:lnSpc>
-                <a:spcPct val="90000"/>
-              </a:lnSpc>
+              <a:rPr lang="en-US" dirty="0" smtClean="0"/>
+              <a:t>This will be used to </a:t>
+            </a:r>
+            <a:r>
+              <a:rPr lang="en-US" b="1" dirty="0" smtClean="0"/>
+              <a:t>assist the alignment</a:t>
+            </a:r>
+            <a:r>
+              <a:rPr lang="en-US" dirty="0" smtClean="0"/>
+              <a:t> step by allowing alignment to both transcriptome and genome sequences</a:t>
+            </a:r>
+          </a:p>
+          <a:p>
+            <a:pPr lvl="1">
               <a:defRPr/>
             </a:pPr>
             <a:r>
-              <a:rPr lang="en-US" dirty="0" smtClean="0">
-                <a:latin typeface="Calibri" charset="0"/>
-                <a:ea typeface="ＭＳ Ｐゴシック" charset="0"/>
-              </a:rPr>
-              <a:t>Requires name-sorted SAM file</a:t>
-            </a:r>
-          </a:p>
-          <a:p>
-            <a:pPr lvl="2">
-              <a:lnSpc>
-                <a:spcPct val="90000"/>
-              </a:lnSpc>
+              <a:rPr lang="en-US" dirty="0" smtClean="0"/>
+              <a:t>Coordinates from alignments to transcriptomes will be converted back to genome coordinates</a:t>
+            </a:r>
+          </a:p>
+          <a:p>
+            <a:pPr lvl="1">
               <a:defRPr/>
             </a:pPr>
             <a:r>
-              <a:rPr lang="en-US" dirty="0" smtClean="0">
-                <a:latin typeface="Calibri" charset="0"/>
-                <a:ea typeface="ＭＳ Ｐゴシック" charset="0"/>
-              </a:rPr>
-              <a:t>We will count at the gene level (transcript-level is also possible)</a:t>
-            </a:r>
-          </a:p>
-          <a:p>
-            <a:pPr lvl="2">
-              <a:lnSpc>
-                <a:spcPct val="90000"/>
-              </a:lnSpc>
+              <a:rPr lang="en-US" dirty="0" smtClean="0"/>
+              <a:t>Even though we supply a transcriptome, </a:t>
+            </a:r>
+            <a:r>
+              <a:rPr lang="en-US" dirty="0" err="1" smtClean="0"/>
+              <a:t>tophat</a:t>
+            </a:r>
+            <a:r>
+              <a:rPr lang="en-US" dirty="0" smtClean="0"/>
+              <a:t> will not be limited in anyway to known transcripts</a:t>
+            </a:r>
+          </a:p>
+          <a:p>
+            <a:pPr>
               <a:defRPr/>
             </a:pPr>
-            <a:endParaRPr lang="en-US" dirty="0">
-              <a:latin typeface="Calibri" charset="0"/>
-              <a:ea typeface="ＭＳ Ｐゴシック" charset="0"/>
-            </a:endParaRPr>
-          </a:p>
-          <a:p>
-            <a:pPr>
-              <a:lnSpc>
-                <a:spcPct val="90000"/>
-              </a:lnSpc>
+            <a:r>
+              <a:rPr lang="en-US" dirty="0" err="1"/>
+              <a:t>t</a:t>
+            </a:r>
+            <a:r>
+              <a:rPr lang="en-US" dirty="0" err="1" smtClean="0"/>
+              <a:t>ophat</a:t>
+            </a:r>
+            <a:r>
+              <a:rPr lang="en-US" dirty="0" smtClean="0"/>
+              <a:t>  also has a ‘-g’ option</a:t>
+            </a:r>
+          </a:p>
+          <a:p>
+            <a:pPr lvl="1">
               <a:defRPr/>
             </a:pPr>
             <a:r>
-              <a:rPr lang="en-US" dirty="0" smtClean="0">
-                <a:latin typeface="Calibri" charset="0"/>
-                <a:ea typeface="ＭＳ Ｐゴシック" charset="0"/>
-              </a:rPr>
-              <a:t>In the end we will have three expression estimates for each sample</a:t>
-            </a:r>
-          </a:p>
-          <a:p>
-            <a:pPr lvl="1">
-              <a:lnSpc>
-                <a:spcPct val="90000"/>
-              </a:lnSpc>
+              <a:rPr lang="en-US" dirty="0" smtClean="0"/>
+              <a:t>Used to specify the maximum number of multiple mappings for a </a:t>
+            </a:r>
+            <a:r>
+              <a:rPr lang="en-US" smtClean="0"/>
+              <a:t>single read</a:t>
+            </a:r>
+            <a:endParaRPr lang="en-US" dirty="0" smtClean="0"/>
+          </a:p>
+          <a:p>
+            <a:pPr>
               <a:defRPr/>
             </a:pPr>
             <a:r>
-              <a:rPr lang="en-US" dirty="0" err="1" smtClean="0">
-                <a:latin typeface="Calibri" charset="0"/>
-                <a:ea typeface="ＭＳ Ｐゴシック" charset="0"/>
-              </a:rPr>
-              <a:t>Tophat</a:t>
-            </a:r>
-            <a:r>
-              <a:rPr lang="en-US" dirty="0" smtClean="0">
-                <a:latin typeface="Calibri" charset="0"/>
-                <a:ea typeface="ＭＳ Ｐゴシック" charset="0"/>
-              </a:rPr>
-              <a:t>/cufflinks</a:t>
+              <a:rPr lang="en-US" dirty="0"/>
+              <a:t>c</a:t>
+            </a:r>
+            <a:r>
+              <a:rPr lang="en-US" dirty="0" smtClean="0"/>
+              <a:t>ufflinks has a ‘-G’ option</a:t>
             </a:r>
           </a:p>
           <a:p>
             <a:pPr lvl="1">
-              <a:lnSpc>
-                <a:spcPct val="90000"/>
-              </a:lnSpc>
               <a:defRPr/>
             </a:pPr>
             <a:r>
-              <a:rPr lang="en-US" dirty="0" smtClean="0">
-                <a:latin typeface="Calibri" charset="0"/>
-                <a:ea typeface="ＭＳ Ｐゴシック" charset="0"/>
-              </a:rPr>
-              <a:t>STAR/cufflinks</a:t>
+              <a:rPr lang="en-US" dirty="0" smtClean="0"/>
+              <a:t>Used to supply a transcriptome GTF file</a:t>
             </a:r>
           </a:p>
           <a:p>
             <a:pPr lvl="1">
-              <a:lnSpc>
-                <a:spcPct val="90000"/>
-              </a:lnSpc>
               <a:defRPr/>
             </a:pPr>
             <a:r>
-              <a:rPr lang="en-US" dirty="0" err="1" smtClean="0">
-                <a:latin typeface="Calibri" charset="0"/>
-                <a:ea typeface="ＭＳ Ｐゴシック" charset="0"/>
-              </a:rPr>
-              <a:t>Tophat</a:t>
-            </a:r>
-            <a:r>
-              <a:rPr lang="en-US" dirty="0" smtClean="0">
-                <a:latin typeface="Calibri" charset="0"/>
-                <a:ea typeface="ＭＳ Ｐゴシック" charset="0"/>
-              </a:rPr>
-              <a:t>/</a:t>
-            </a:r>
-            <a:r>
-              <a:rPr lang="en-US" dirty="0" err="1" smtClean="0">
-                <a:latin typeface="Calibri" charset="0"/>
-                <a:ea typeface="ＭＳ Ｐゴシック" charset="0"/>
-              </a:rPr>
-              <a:t>Htseq</a:t>
-            </a:r>
-            <a:r>
-              <a:rPr lang="en-US" dirty="0" smtClean="0">
-                <a:latin typeface="Calibri" charset="0"/>
-                <a:ea typeface="ＭＳ Ｐゴシック" charset="0"/>
-              </a:rPr>
-              <a:t>-count</a:t>
-            </a:r>
-          </a:p>
-          <a:p>
-            <a:pPr>
-              <a:lnSpc>
-                <a:spcPct val="90000"/>
-              </a:lnSpc>
+              <a:rPr lang="en-US" dirty="0" smtClean="0"/>
+              <a:t>If specified, cufflinks will quantitate </a:t>
+            </a:r>
+            <a:r>
+              <a:rPr lang="en-US" dirty="0"/>
+              <a:t>against reference transcript </a:t>
+            </a:r>
+            <a:r>
+              <a:rPr lang="en-US" dirty="0" smtClean="0"/>
+              <a:t>annotations</a:t>
+            </a:r>
+          </a:p>
+          <a:p>
+            <a:pPr lvl="1">
               <a:defRPr/>
             </a:pPr>
-            <a:endParaRPr lang="en-US" dirty="0">
-              <a:latin typeface="Calibri" charset="0"/>
-              <a:ea typeface="ＭＳ Ｐゴシック" charset="0"/>
-            </a:endParaRPr>
+            <a:r>
+              <a:rPr lang="en-US" dirty="0" smtClean="0"/>
+              <a:t>We call this the ‘ref-only’ analysis mode</a:t>
+            </a:r>
+          </a:p>
+          <a:p>
+            <a:pPr>
+              <a:defRPr/>
+            </a:pPr>
+            <a:r>
+              <a:rPr lang="en-US" dirty="0"/>
+              <a:t>c</a:t>
+            </a:r>
+            <a:r>
+              <a:rPr lang="en-US" dirty="0" smtClean="0"/>
+              <a:t>ufflinks also has a ‘-g’ option</a:t>
+            </a:r>
+          </a:p>
+          <a:p>
+            <a:pPr lvl="1">
+              <a:defRPr/>
+            </a:pPr>
+            <a:r>
+              <a:rPr lang="en-US" dirty="0" smtClean="0"/>
+              <a:t>Use to supply a transcriptome GTF file</a:t>
+            </a:r>
+          </a:p>
+          <a:p>
+            <a:pPr lvl="1">
+              <a:defRPr/>
+            </a:pPr>
+            <a:r>
+              <a:rPr lang="en-US" dirty="0"/>
+              <a:t>U</a:t>
+            </a:r>
+            <a:r>
+              <a:rPr lang="en-US" dirty="0" smtClean="0"/>
+              <a:t>se </a:t>
+            </a:r>
+            <a:r>
+              <a:rPr lang="en-US" dirty="0"/>
+              <a:t>reference transcript </a:t>
+            </a:r>
+            <a:r>
+              <a:rPr lang="en-US" dirty="0" smtClean="0"/>
+              <a:t>annotations </a:t>
+            </a:r>
+            <a:r>
+              <a:rPr lang="en-US" dirty="0"/>
+              <a:t>to </a:t>
+            </a:r>
+            <a:r>
+              <a:rPr lang="en-US" b="1" dirty="0"/>
+              <a:t>guide </a:t>
+            </a:r>
+            <a:r>
+              <a:rPr lang="en-US" b="1" dirty="0" smtClean="0"/>
+              <a:t>assembly</a:t>
+            </a:r>
+          </a:p>
+          <a:p>
+            <a:pPr lvl="1">
+              <a:defRPr/>
+            </a:pPr>
+            <a:r>
+              <a:rPr lang="en-US" dirty="0" smtClean="0"/>
+              <a:t>We call this ‘reference-guided’ analysis mode</a:t>
+            </a:r>
+          </a:p>
+          <a:p>
+            <a:pPr>
+              <a:defRPr/>
+            </a:pPr>
+            <a:r>
+              <a:rPr lang="en-US" dirty="0" smtClean="0"/>
+              <a:t>Running cufflinks with neither ‘-G’ or ‘-g’</a:t>
+            </a:r>
+          </a:p>
+          <a:p>
+            <a:pPr lvl="1">
+              <a:defRPr/>
+            </a:pPr>
+            <a:r>
+              <a:rPr lang="en-US" dirty="0" smtClean="0"/>
+              <a:t>We call this ‘de-novo’ analysis mode</a:t>
+            </a:r>
+          </a:p>
+          <a:p>
+            <a:pPr>
+              <a:defRPr/>
+            </a:pPr>
+            <a:r>
+              <a:rPr lang="en-US" dirty="0" err="1"/>
+              <a:t>c</a:t>
+            </a:r>
+            <a:r>
+              <a:rPr lang="en-US" dirty="0" err="1" smtClean="0"/>
+              <a:t>uffdiff</a:t>
+            </a:r>
+            <a:r>
+              <a:rPr lang="en-US" dirty="0" smtClean="0"/>
+              <a:t>  requires a GTF file but it is not specified with a ‘-G’ or ‘-g’ option, but rather is simply supplied as a file path when you run </a:t>
+            </a:r>
+            <a:r>
+              <a:rPr lang="en-US" dirty="0" err="1" smtClean="0"/>
+              <a:t>cuffdiff</a:t>
+            </a:r>
+            <a:endParaRPr lang="en-US" dirty="0" smtClean="0"/>
           </a:p>
         </p:txBody>
       </p:sp>
     </p:spTree>
     <p:extLst>
       <p:ext uri="{BB962C8B-B14F-4D97-AF65-F5344CB8AC3E}">
-        <p14:creationId xmlns:p14="http://schemas.microsoft.com/office/powerpoint/2010/main" val="3333620023"/>
+        <p14:creationId xmlns:p14="http://schemas.microsoft.com/office/powerpoint/2010/main" val="2750377790"/>
       </p:ext>
     </p:extLst>
   </p:cSld>
@@ -7997,9 +8415,9 @@
       </p:grpSpPr>
       <p:sp>
         <p:nvSpPr>
-          <p:cNvPr id="23553" name="Rectangle 2"/>
+          <p:cNvPr id="21505" name="Title 1"/>
           <p:cNvSpPr>
-            <a:spLocks noGrp="1" noChangeArrowheads="1"/>
+            <a:spLocks noGrp="1"/>
           </p:cNvSpPr>
           <p:nvPr>
             <p:ph type="title"/>
@@ -8015,29 +8433,44 @@
           <a:bodyPr/>
           <a:lstStyle/>
           <a:p>
-            <a:pPr eaLnBrk="1" hangingPunct="1"/>
-            <a:r>
-              <a:rPr lang="en-US" altLang="ko-KR" sz="3600" dirty="0" smtClean="0">
+            <a:r>
+              <a:rPr lang="en-US">
                 <a:latin typeface="Calibri" charset="0"/>
                 <a:ea typeface="ＭＳ Ｐゴシック" charset="0"/>
-                <a:cs typeface="ＭＳ Ｐゴシック" charset="0"/>
               </a:rPr>
-              <a:t>4-ii. </a:t>
-            </a:r>
-            <a:r>
-              <a:rPr lang="en-US" altLang="ko-KR" sz="3600" dirty="0">
+              <a:t>The tophat ‘</a:t>
+            </a:r>
+            <a:r>
+              <a:rPr lang="en-US" altLang="ja-JP">
                 <a:latin typeface="Calibri" charset="0"/>
                 <a:ea typeface="ＭＳ Ｐゴシック" charset="0"/>
-                <a:cs typeface="ＭＳ Ｐゴシック" charset="0"/>
               </a:rPr>
-              <a:t>Perform differential expression analysis</a:t>
-            </a:r>
+              <a:t>junctions.bed</a:t>
+            </a:r>
+            <a:r>
+              <a:rPr lang="en-US">
+                <a:latin typeface="Calibri" charset="0"/>
+                <a:ea typeface="ＭＳ Ｐゴシック" charset="0"/>
+              </a:rPr>
+              <a:t>’</a:t>
+            </a:r>
+            <a:r>
+              <a:rPr lang="en-US" altLang="ja-JP">
+                <a:latin typeface="Calibri" charset="0"/>
+                <a:ea typeface="ＭＳ Ｐゴシック" charset="0"/>
+              </a:rPr>
+              <a:t> file</a:t>
+            </a:r>
+            <a:endParaRPr lang="en-US">
+              <a:latin typeface="Calibri" charset="0"/>
+              <a:ea typeface="ＭＳ Ｐゴシック" charset="0"/>
+            </a:endParaRPr>
           </a:p>
         </p:txBody>
       </p:sp>
       <p:sp>
         <p:nvSpPr>
-          <p:cNvPr id="23554" name="Content Placeholder 6"/>
+          <p:cNvPr id="21506" name="Content Placeholder 2"/>
           <p:cNvSpPr>
             <a:spLocks noGrp="1"/>
           </p:cNvSpPr>
@@ -8048,220 +8481,306 @@
         <p:spPr>
           <a:xfrm>
             <a:off x="152400" y="1268413"/>
-            <a:ext cx="8839200" cy="4979987"/>
+            <a:ext cx="8839200" cy="3341687"/>
           </a:xfrm>
         </p:spPr>
         <p:txBody>
           <a:bodyPr/>
           <a:lstStyle/>
           <a:p>
-            <a:pPr>
-              <a:lnSpc>
-                <a:spcPct val="80000"/>
-              </a:lnSpc>
-            </a:pPr>
-            <a:r>
-              <a:rPr lang="en-US" sz="2600" dirty="0">
+            <a:r>
+              <a:rPr lang="en-US">
                 <a:latin typeface="Calibri" charset="0"/>
                 <a:ea typeface="ＭＳ Ｐゴシック" charset="0"/>
               </a:rPr>
-              <a:t>In this step we will use </a:t>
-            </a:r>
-            <a:r>
-              <a:rPr lang="en-US" sz="2600" dirty="0" err="1">
+              <a:t>After alignment, tophat creates a summary of all reads that support exon-exon junctions</a:t>
+            </a:r>
+          </a:p>
+          <a:p>
+            <a:pPr lvl="1"/>
+            <a:r>
+              <a:rPr lang="en-US">
                 <a:latin typeface="Calibri" charset="0"/>
                 <a:ea typeface="ＭＳ Ｐゴシック" charset="0"/>
               </a:rPr>
-              <a:t>cuffmerge</a:t>
-            </a:r>
-            <a:r>
-              <a:rPr lang="en-US" sz="2600" dirty="0">
+              <a:t>e.g. exon1-exon2  has 5 reads</a:t>
+            </a:r>
+          </a:p>
+          <a:p>
+            <a:pPr lvl="1"/>
+            <a:r>
+              <a:rPr lang="en-US">
                 <a:latin typeface="Calibri" charset="0"/>
                 <a:ea typeface="ＭＳ Ｐゴシック" charset="0"/>
               </a:rPr>
-              <a:t> and </a:t>
-            </a:r>
-            <a:r>
-              <a:rPr lang="en-US" sz="2600" dirty="0" err="1">
+              <a:t>e.g. exon1-exon3 has 9 reads</a:t>
+            </a:r>
+          </a:p>
+          <a:p>
+            <a:r>
+              <a:rPr lang="en-US">
                 <a:latin typeface="Calibri" charset="0"/>
                 <a:ea typeface="ＭＳ Ｐゴシック" charset="0"/>
               </a:rPr>
-              <a:t>cuffdiff</a:t>
-            </a:r>
-            <a:r>
-              <a:rPr lang="en-US" sz="2600" dirty="0">
+              <a:t>This file reports all of the unique exon-exon junctions observed and the read counts for each</a:t>
+            </a:r>
+          </a:p>
+          <a:p>
+            <a:pPr lvl="1"/>
+            <a:r>
+              <a:rPr lang="en-US">
                 <a:latin typeface="Calibri" charset="0"/>
                 <a:ea typeface="ＭＳ Ｐゴシック" charset="0"/>
               </a:rPr>
-              <a:t> to:</a:t>
-            </a:r>
-          </a:p>
-          <a:p>
-            <a:pPr lvl="1">
-              <a:lnSpc>
-                <a:spcPct val="80000"/>
-              </a:lnSpc>
-            </a:pPr>
-            <a:r>
-              <a:rPr lang="en-US" sz="2200" dirty="0">
-                <a:latin typeface="Calibri" charset="0"/>
-                <a:ea typeface="ＭＳ Ｐゴシック" charset="0"/>
-              </a:rPr>
-              <a:t>Combine expression estimates from our </a:t>
-            </a:r>
-            <a:r>
-              <a:rPr lang="en-US" sz="2200" dirty="0" smtClean="0">
-                <a:latin typeface="Calibri" charset="0"/>
-                <a:ea typeface="ＭＳ Ｐゴシック" charset="0"/>
-              </a:rPr>
-              <a:t>6 </a:t>
-            </a:r>
-            <a:r>
-              <a:rPr lang="en-US" sz="2200" dirty="0">
-                <a:latin typeface="Calibri" charset="0"/>
-                <a:ea typeface="ＭＳ Ｐゴシック" charset="0"/>
-              </a:rPr>
-              <a:t>libraries into more convenient files</a:t>
-            </a:r>
-          </a:p>
-          <a:p>
-            <a:pPr lvl="1">
-              <a:lnSpc>
-                <a:spcPct val="80000"/>
-              </a:lnSpc>
-            </a:pPr>
-            <a:r>
-              <a:rPr lang="en-US" sz="2200" dirty="0">
-                <a:latin typeface="Calibri" charset="0"/>
-                <a:ea typeface="ＭＳ Ｐゴシック" charset="0"/>
-              </a:rPr>
-              <a:t>Combine expression estimates across replicates</a:t>
-            </a:r>
-          </a:p>
-          <a:p>
-            <a:pPr lvl="1">
-              <a:lnSpc>
-                <a:spcPct val="80000"/>
-              </a:lnSpc>
-            </a:pPr>
-            <a:r>
-              <a:rPr lang="en-US" sz="2200" dirty="0">
-                <a:latin typeface="Calibri" charset="0"/>
-                <a:ea typeface="ＭＳ Ｐゴシック" charset="0"/>
-              </a:rPr>
-              <a:t>Compare </a:t>
-            </a:r>
-            <a:r>
-              <a:rPr lang="en-US" sz="2200" dirty="0" smtClean="0">
-                <a:latin typeface="Calibri" charset="0"/>
-                <a:ea typeface="ＭＳ Ｐゴシック" charset="0"/>
-              </a:rPr>
-              <a:t>UHR vs</a:t>
-            </a:r>
-            <a:r>
-              <a:rPr lang="en-US" sz="2200" dirty="0">
-                <a:latin typeface="Calibri" charset="0"/>
-                <a:ea typeface="ＭＳ Ｐゴシック" charset="0"/>
-              </a:rPr>
-              <a:t>. </a:t>
-            </a:r>
-            <a:r>
-              <a:rPr lang="en-US" sz="2200" dirty="0" smtClean="0">
-                <a:latin typeface="Calibri" charset="0"/>
-                <a:ea typeface="ＭＳ Ｐゴシック" charset="0"/>
-              </a:rPr>
-              <a:t>HBR </a:t>
-            </a:r>
-            <a:r>
-              <a:rPr lang="en-US" sz="2200" dirty="0">
-                <a:latin typeface="Calibri" charset="0"/>
-                <a:ea typeface="ＭＳ Ｐゴシック" charset="0"/>
-              </a:rPr>
-              <a:t>and identify significantly differentially expressed genes and isoforms (transcripts)</a:t>
-            </a:r>
-          </a:p>
-          <a:p>
-            <a:pPr>
-              <a:lnSpc>
-                <a:spcPct val="80000"/>
-              </a:lnSpc>
-            </a:pPr>
-            <a:r>
-              <a:rPr lang="en-US" sz="2600" dirty="0">
-                <a:latin typeface="Calibri" charset="0"/>
-                <a:ea typeface="ＭＳ Ｐゴシック" charset="0"/>
-              </a:rPr>
-              <a:t>Note that these commands can get quite complicated when you have replicates</a:t>
-            </a:r>
-          </a:p>
-          <a:p>
-            <a:pPr lvl="1">
-              <a:lnSpc>
-                <a:spcPct val="80000"/>
-              </a:lnSpc>
-            </a:pPr>
-            <a:r>
-              <a:rPr lang="en-US" sz="2200" dirty="0">
-                <a:latin typeface="Calibri" charset="0"/>
-                <a:ea typeface="ＭＳ Ｐゴシック" charset="0"/>
-              </a:rPr>
-              <a:t>The positioning of spaces and commas, and grouping of libraries matters!</a:t>
-            </a:r>
-          </a:p>
-          <a:p>
-            <a:pPr>
-              <a:lnSpc>
-                <a:spcPct val="80000"/>
-              </a:lnSpc>
-            </a:pPr>
-            <a:r>
-              <a:rPr lang="en-US" sz="2600" dirty="0">
-                <a:latin typeface="Calibri" charset="0"/>
-                <a:ea typeface="ＭＳ Ｐゴシック" charset="0"/>
-              </a:rPr>
-              <a:t>Comparisons</a:t>
-            </a:r>
-          </a:p>
-          <a:p>
-            <a:pPr lvl="1">
-              <a:lnSpc>
-                <a:spcPct val="80000"/>
-              </a:lnSpc>
-            </a:pPr>
-            <a:r>
-              <a:rPr lang="en-US" sz="1800" dirty="0">
-                <a:latin typeface="Calibri" charset="0"/>
-                <a:ea typeface="ＭＳ Ｐゴシック" charset="0"/>
-              </a:rPr>
-              <a:t>Compare </a:t>
-            </a:r>
-            <a:r>
-              <a:rPr lang="en-US" sz="1800" dirty="0" smtClean="0">
-                <a:latin typeface="Calibri" charset="0"/>
-                <a:ea typeface="ＭＳ Ｐゴシック" charset="0"/>
-              </a:rPr>
-              <a:t>UHR vs</a:t>
-            </a:r>
-            <a:r>
-              <a:rPr lang="en-US" sz="1800" dirty="0">
-                <a:latin typeface="Calibri" charset="0"/>
-                <a:ea typeface="ＭＳ Ｐゴシック" charset="0"/>
-              </a:rPr>
-              <a:t>. </a:t>
-            </a:r>
-            <a:r>
-              <a:rPr lang="en-US" sz="1800" dirty="0" smtClean="0">
-                <a:latin typeface="Calibri" charset="0"/>
-                <a:ea typeface="ＭＳ Ｐゴシック" charset="0"/>
-              </a:rPr>
-              <a:t>HBR </a:t>
-            </a:r>
-            <a:r>
-              <a:rPr lang="en-US" sz="1800" dirty="0">
-                <a:latin typeface="Calibri" charset="0"/>
-                <a:ea typeface="ＭＳ Ｐゴシック" charset="0"/>
-              </a:rPr>
-              <a:t>using all replicates, for known (reference only mode) transcripts</a:t>
+              <a:t>In BED format</a:t>
+            </a:r>
+          </a:p>
+        </p:txBody>
+      </p:sp>
+      <p:pic>
+        <p:nvPicPr>
+          <p:cNvPr id="21507" name="Picture 3" descr="junctions.bed.png"/>
+          <p:cNvPicPr>
+            <a:picLocks noChangeAspect="1"/>
+          </p:cNvPicPr>
+          <p:nvPr/>
+        </p:nvPicPr>
+        <p:blipFill>
+          <a:blip r:embed="rId3">
+            <a:extLst>
+              <a:ext uri="{28A0092B-C50C-407E-A947-70E740481C1C}">
+                <a14:useLocalDpi xmlns:a14="http://schemas.microsoft.com/office/drawing/2010/main" val="0"/>
+              </a:ext>
+            </a:extLst>
+          </a:blip>
+          <a:srcRect/>
+          <a:stretch>
+            <a:fillRect/>
+          </a:stretch>
+        </p:blipFill>
+        <p:spPr bwMode="auto">
+          <a:xfrm>
+            <a:off x="250825" y="4652963"/>
+            <a:ext cx="8569325" cy="1274762"/>
+          </a:xfrm>
+          <a:prstGeom prst="rect">
+            <a:avLst/>
+          </a:prstGeom>
+          <a:noFill/>
+          <a:ln>
+            <a:noFill/>
+          </a:ln>
+          <a:extLst>
+            <a:ext uri="{909E8E84-426E-40dd-AFC4-6F175D3DCCD1}">
+              <a14:hiddenFill xmlns:a14="http://schemas.microsoft.com/office/drawing/2010/main">
+                <a:solidFill>
+                  <a:srgbClr val="FFFFFF"/>
+                </a:solidFill>
+              </a14:hiddenFill>
+            </a:ext>
+            <a:ext uri="{91240B29-F687-4f45-9708-019B960494DF}">
+              <a14:hiddenLine xmlns:a14="http://schemas.microsoft.com/office/drawing/2010/main" w="9525">
+                <a:solidFill>
+                  <a:srgbClr val="000000"/>
+                </a:solidFill>
+                <a:miter lim="800000"/>
+                <a:headEnd/>
+                <a:tailEnd/>
+              </a14:hiddenLine>
+            </a:ext>
+          </a:extLst>
+        </p:spPr>
+      </p:pic>
+      <p:cxnSp>
+        <p:nvCxnSpPr>
+          <p:cNvPr id="6" name="Straight Arrow Connector 5"/>
+          <p:cNvCxnSpPr/>
+          <p:nvPr/>
+        </p:nvCxnSpPr>
+        <p:spPr>
+          <a:xfrm flipH="1" flipV="1">
+            <a:off x="3851275" y="5949950"/>
+            <a:ext cx="360363" cy="215900"/>
+          </a:xfrm>
+          <a:prstGeom prst="straightConnector1">
+            <a:avLst/>
+          </a:prstGeom>
+          <a:ln>
+            <a:tailEnd type="arrow"/>
+          </a:ln>
+        </p:spPr>
+        <p:style>
+          <a:lnRef idx="3">
+            <a:schemeClr val="dk1"/>
+          </a:lnRef>
+          <a:fillRef idx="0">
+            <a:schemeClr val="dk1"/>
+          </a:fillRef>
+          <a:effectRef idx="2">
+            <a:schemeClr val="dk1"/>
+          </a:effectRef>
+          <a:fontRef idx="minor">
+            <a:schemeClr val="tx1"/>
+          </a:fontRef>
+        </p:style>
+      </p:cxnSp>
+      <p:sp>
+        <p:nvSpPr>
+          <p:cNvPr id="21509" name="TextBox 8"/>
+          <p:cNvSpPr txBox="1">
+            <a:spLocks noChangeArrowheads="1"/>
+          </p:cNvSpPr>
+          <p:nvPr/>
+        </p:nvSpPr>
+        <p:spPr bwMode="auto">
+          <a:xfrm>
+            <a:off x="4211638" y="5991225"/>
+            <a:ext cx="2878137" cy="461963"/>
+          </a:xfrm>
+          <a:prstGeom prst="rect">
+            <a:avLst/>
+          </a:prstGeom>
+          <a:noFill/>
+          <a:ln>
+            <a:noFill/>
+          </a:ln>
+          <a:extLst>
+            <a:ext uri="{909E8E84-426E-40dd-AFC4-6F175D3DCCD1}">
+              <a14:hiddenFill xmlns:a14="http://schemas.microsoft.com/office/drawing/2010/main">
+                <a:solidFill>
+                  <a:srgbClr val="FFFFFF"/>
+                </a:solidFill>
+              </a14:hiddenFill>
+            </a:ext>
+            <a:ext uri="{91240B29-F687-4f45-9708-019B960494DF}">
+              <a14:hiddenLine xmlns:a14="http://schemas.microsoft.com/office/drawing/2010/main" w="9525">
+                <a:solidFill>
+                  <a:srgbClr val="000000"/>
+                </a:solidFill>
+                <a:miter lim="800000"/>
+                <a:headEnd/>
+                <a:tailEnd/>
+              </a14:hiddenLine>
+            </a:ext>
+          </a:extLst>
+        </p:spPr>
+        <p:txBody>
+          <a:bodyPr wrap="none">
+            <a:spAutoFit/>
+          </a:bodyPr>
+          <a:lstStyle>
+            <a:lvl1pPr eaLnBrk="0" hangingPunct="0">
+              <a:defRPr sz="2400">
+                <a:solidFill>
+                  <a:schemeClr val="tx1"/>
+                </a:solidFill>
+                <a:latin typeface="Arial" charset="0"/>
+                <a:ea typeface="ＭＳ Ｐゴシック" charset="0"/>
+                <a:cs typeface="ＭＳ Ｐゴシック" charset="0"/>
+              </a:defRPr>
+            </a:lvl1pPr>
+            <a:lvl2pPr marL="742950" indent="-285750" eaLnBrk="0" hangingPunct="0">
+              <a:defRPr sz="2400">
+                <a:solidFill>
+                  <a:schemeClr val="tx1"/>
+                </a:solidFill>
+                <a:latin typeface="Arial" charset="0"/>
+                <a:ea typeface="ＭＳ Ｐゴシック" charset="0"/>
+              </a:defRPr>
+            </a:lvl2pPr>
+            <a:lvl3pPr marL="1143000" indent="-228600" eaLnBrk="0" hangingPunct="0">
+              <a:defRPr sz="2400">
+                <a:solidFill>
+                  <a:schemeClr val="tx1"/>
+                </a:solidFill>
+                <a:latin typeface="Arial" charset="0"/>
+                <a:ea typeface="ＭＳ Ｐゴシック" charset="0"/>
+              </a:defRPr>
+            </a:lvl3pPr>
+            <a:lvl4pPr marL="1600200" indent="-228600" eaLnBrk="0" hangingPunct="0">
+              <a:defRPr sz="2400">
+                <a:solidFill>
+                  <a:schemeClr val="tx1"/>
+                </a:solidFill>
+                <a:latin typeface="Arial" charset="0"/>
+                <a:ea typeface="ＭＳ Ｐゴシック" charset="0"/>
+              </a:defRPr>
+            </a:lvl4pPr>
+            <a:lvl5pPr marL="2057400" indent="-228600" eaLnBrk="0" hangingPunct="0">
+              <a:defRPr sz="2400">
+                <a:solidFill>
+                  <a:schemeClr val="tx1"/>
+                </a:solidFill>
+                <a:latin typeface="Arial" charset="0"/>
+                <a:ea typeface="ＭＳ Ｐゴシック" charset="0"/>
+              </a:defRPr>
+            </a:lvl5pPr>
+            <a:lvl6pPr marL="2514600" indent="-228600" eaLnBrk="0" fontAlgn="base" hangingPunct="0">
+              <a:spcBef>
+                <a:spcPct val="0"/>
+              </a:spcBef>
+              <a:spcAft>
+                <a:spcPct val="0"/>
+              </a:spcAft>
+              <a:defRPr sz="2400">
+                <a:solidFill>
+                  <a:schemeClr val="tx1"/>
+                </a:solidFill>
+                <a:latin typeface="Arial" charset="0"/>
+                <a:ea typeface="ＭＳ Ｐゴシック" charset="0"/>
+              </a:defRPr>
+            </a:lvl6pPr>
+            <a:lvl7pPr marL="2971800" indent="-228600" eaLnBrk="0" fontAlgn="base" hangingPunct="0">
+              <a:spcBef>
+                <a:spcPct val="0"/>
+              </a:spcBef>
+              <a:spcAft>
+                <a:spcPct val="0"/>
+              </a:spcAft>
+              <a:defRPr sz="2400">
+                <a:solidFill>
+                  <a:schemeClr val="tx1"/>
+                </a:solidFill>
+                <a:latin typeface="Arial" charset="0"/>
+                <a:ea typeface="ＭＳ Ｐゴシック" charset="0"/>
+              </a:defRPr>
+            </a:lvl7pPr>
+            <a:lvl8pPr marL="3429000" indent="-228600" eaLnBrk="0" fontAlgn="base" hangingPunct="0">
+              <a:spcBef>
+                <a:spcPct val="0"/>
+              </a:spcBef>
+              <a:spcAft>
+                <a:spcPct val="0"/>
+              </a:spcAft>
+              <a:defRPr sz="2400">
+                <a:solidFill>
+                  <a:schemeClr val="tx1"/>
+                </a:solidFill>
+                <a:latin typeface="Arial" charset="0"/>
+                <a:ea typeface="ＭＳ Ｐゴシック" charset="0"/>
+              </a:defRPr>
+            </a:lvl8pPr>
+            <a:lvl9pPr marL="3886200" indent="-228600" eaLnBrk="0" fontAlgn="base" hangingPunct="0">
+              <a:spcBef>
+                <a:spcPct val="0"/>
+              </a:spcBef>
+              <a:spcAft>
+                <a:spcPct val="0"/>
+              </a:spcAft>
+              <a:defRPr sz="2400">
+                <a:solidFill>
+                  <a:schemeClr val="tx1"/>
+                </a:solidFill>
+                <a:latin typeface="Arial" charset="0"/>
+                <a:ea typeface="ＭＳ Ｐゴシック" charset="0"/>
+              </a:defRPr>
+            </a:lvl9pPr>
+          </a:lstStyle>
+          <a:p>
+            <a:pPr eaLnBrk="1" hangingPunct="1"/>
+            <a:r>
+              <a:rPr lang="en-US"/>
+              <a:t>Junction read count</a:t>
             </a:r>
           </a:p>
         </p:txBody>
@@ -8269,7 +8788,7 @@
     </p:spTree>
     <p:extLst>
       <p:ext uri="{BB962C8B-B14F-4D97-AF65-F5344CB8AC3E}">
-        <p14:creationId xmlns:p14="http://schemas.microsoft.com/office/powerpoint/2010/main" val="1830382307"/>
+        <p14:creationId xmlns:p14="http://schemas.microsoft.com/office/powerpoint/2010/main" val="3851862023"/>
       </p:ext>
     </p:extLst>
   </p:cSld>
@@ -8305,7 +8824,7 @@
       </p:grpSpPr>
       <p:sp>
         <p:nvSpPr>
-          <p:cNvPr id="25601" name="Title 1"/>
+          <p:cNvPr id="23553" name="Title 1"/>
           <p:cNvSpPr>
             <a:spLocks noGrp="1"/>
           </p:cNvSpPr>
@@ -8324,347 +8843,44 @@
           <a:lstStyle/>
           <a:p>
             <a:r>
-              <a:rPr lang="en-US" dirty="0" smtClean="0">
+              <a:rPr lang="en-US">
                 <a:latin typeface="Calibri" charset="0"/>
                 <a:ea typeface="ＭＳ Ｐゴシック" charset="0"/>
               </a:rPr>
-              <a:t>4-iii. </a:t>
-            </a:r>
-            <a:r>
-              <a:rPr lang="en-US" dirty="0">
-                <a:latin typeface="Calibri" charset="0"/>
-                <a:ea typeface="ＭＳ Ｐゴシック" charset="0"/>
-              </a:rPr>
-              <a:t>Summarize and visualize results</a:t>
-            </a:r>
-          </a:p>
-        </p:txBody>
-      </p:sp>
-      <p:sp>
-        <p:nvSpPr>
-          <p:cNvPr id="25602" name="Content Placeholder 2"/>
-          <p:cNvSpPr>
-            <a:spLocks noGrp="1"/>
-          </p:cNvSpPr>
-          <p:nvPr>
-            <p:ph idx="1"/>
-          </p:nvPr>
-        </p:nvSpPr>
-        <p:spPr>
-          <a:xfrm>
-            <a:off x="152400" y="1125538"/>
-            <a:ext cx="8839200" cy="2403475"/>
-          </a:xfrm>
-        </p:spPr>
-        <p:txBody>
-          <a:bodyPr/>
-          <a:lstStyle/>
-          <a:p>
-            <a:r>
-              <a:rPr lang="en-US" dirty="0">
-                <a:latin typeface="Calibri" charset="0"/>
-                <a:ea typeface="ＭＳ Ｐゴシック" charset="0"/>
-              </a:rPr>
-              <a:t>In this step we will run the R package </a:t>
-            </a:r>
-            <a:r>
-              <a:rPr lang="en-US" dirty="0" err="1">
-                <a:latin typeface="Calibri" charset="0"/>
-                <a:ea typeface="ＭＳ Ｐゴシック" charset="0"/>
-              </a:rPr>
-              <a:t>cummeRbund</a:t>
-            </a:r>
-            <a:r>
-              <a:rPr lang="en-US" dirty="0">
-                <a:latin typeface="Calibri" charset="0"/>
-                <a:ea typeface="ＭＳ Ｐゴシック" charset="0"/>
-              </a:rPr>
-              <a:t> to visualize our expression and differential expression results from </a:t>
-            </a:r>
-            <a:r>
-              <a:rPr lang="en-US" dirty="0" err="1">
-                <a:latin typeface="Calibri" charset="0"/>
-                <a:ea typeface="ＭＳ Ｐゴシック" charset="0"/>
-              </a:rPr>
-              <a:t>Cuffdiff</a:t>
-            </a:r>
-            <a:r>
-              <a:rPr lang="en-US" dirty="0">
-                <a:latin typeface="Calibri" charset="0"/>
-                <a:ea typeface="ＭＳ Ｐゴシック" charset="0"/>
-              </a:rPr>
-              <a:t>.</a:t>
-            </a:r>
-          </a:p>
-          <a:p>
-            <a:pPr lvl="1"/>
-            <a:r>
-              <a:rPr lang="en-US" dirty="0" smtClean="0">
-                <a:latin typeface="Calibri" charset="0"/>
-                <a:ea typeface="ＭＳ Ｐゴシック" charset="0"/>
-              </a:rPr>
-              <a:t>See online tutorial </a:t>
-            </a:r>
-            <a:r>
-              <a:rPr lang="en-US" dirty="0">
-                <a:latin typeface="Calibri" charset="0"/>
-                <a:ea typeface="ＭＳ Ｐゴシック" charset="0"/>
-              </a:rPr>
-              <a:t>for details</a:t>
-            </a:r>
-          </a:p>
-          <a:p>
-            <a:pPr lvl="1"/>
-            <a:r>
-              <a:rPr lang="en-US" dirty="0">
-                <a:latin typeface="Calibri" charset="0"/>
-                <a:ea typeface="ＭＳ Ｐゴシック" charset="0"/>
-                <a:hlinkClick r:id="rId3"/>
-              </a:rPr>
-              <a:t>http://compbio.mit.edu/cummeRbund/</a:t>
-            </a:r>
-            <a:endParaRPr lang="en-US" dirty="0">
-              <a:latin typeface="Calibri" charset="0"/>
-              <a:ea typeface="ＭＳ Ｐゴシック" charset="0"/>
-            </a:endParaRPr>
-          </a:p>
-          <a:p>
-            <a:pPr lvl="1"/>
-            <a:r>
-              <a:rPr lang="en-US" dirty="0">
-                <a:latin typeface="Calibri" charset="0"/>
-                <a:ea typeface="ＭＳ Ｐゴシック" charset="0"/>
-                <a:hlinkClick r:id="rId4"/>
-              </a:rPr>
-              <a:t>http://compbio.mit.edu/cummeRbund/manual_2_0.html</a:t>
-            </a:r>
-            <a:endParaRPr lang="en-US" dirty="0">
-              <a:latin typeface="Calibri" charset="0"/>
-              <a:ea typeface="ＭＳ Ｐゴシック" charset="0"/>
-            </a:endParaRPr>
+              <a:t>Viewing the junctions.bed in IGV</a:t>
+            </a:r>
           </a:p>
         </p:txBody>
       </p:sp>
       <p:pic>
         <p:nvPicPr>
-          <p:cNvPr id="25603" name="Picture 3" descr="cummeRbund-manual-features_3.png"/>
+          <p:cNvPr id="23554" name="Content Placeholder 3" descr="junctions bed IGV screenshot.png"/>
           <p:cNvPicPr>
-            <a:picLocks noChangeAspect="1"/>
+            <a:picLocks noGrp="1" noChangeAspect="1"/>
           </p:cNvPicPr>
-          <p:nvPr/>
+          <p:nvPr>
+            <p:ph idx="1"/>
+          </p:nvPr>
         </p:nvPicPr>
         <p:blipFill>
-          <a:blip r:embed="rId5">
+          <a:blip r:embed="rId3">
             <a:extLst>
               <a:ext uri="{28A0092B-C50C-407E-A947-70E740481C1C}">
                 <a14:useLocalDpi xmlns:a14="http://schemas.microsoft.com/office/drawing/2010/main" val="0"/>
               </a:ext>
             </a:extLst>
           </a:blip>
-          <a:srcRect/>
+          <a:srcRect t="-7526" b="-7526"/>
           <a:stretch>
             <a:fillRect/>
           </a:stretch>
         </p:blipFill>
-        <p:spPr bwMode="auto">
-          <a:xfrm>
-            <a:off x="323850" y="4005263"/>
-            <a:ext cx="2095500" cy="2095500"/>
-          </a:xfrm>
-          <a:prstGeom prst="rect">
-            <a:avLst/>
-          </a:prstGeom>
-          <a:noFill/>
-          <a:ln>
-            <a:noFill/>
-          </a:ln>
-          <a:extLst>
-            <a:ext uri="{909E8E84-426E-40dd-AFC4-6F175D3DCCD1}">
-              <a14:hiddenFill xmlns:a14="http://schemas.microsoft.com/office/drawing/2010/main">
-                <a:solidFill>
-                  <a:srgbClr val="FFFFFF"/>
-                </a:solidFill>
-              </a14:hiddenFill>
-            </a:ext>
-            <a:ext uri="{91240B29-F687-4f45-9708-019B960494DF}">
-              <a14:hiddenLine xmlns:a14="http://schemas.microsoft.com/office/drawing/2010/main" w="9525">
-                <a:solidFill>
-                  <a:srgbClr val="000000"/>
-                </a:solidFill>
-                <a:miter lim="800000"/>
-                <a:headEnd/>
-                <a:tailEnd/>
-              </a14:hiddenLine>
-            </a:ext>
-          </a:extLst>
-        </p:spPr>
-      </p:pic>
-      <p:pic>
-        <p:nvPicPr>
-          <p:cNvPr id="25604" name="Picture 4" descr="cummeRbund-manual-geneset_plots_isoform_heatmap-2.png"/>
-          <p:cNvPicPr>
-            <a:picLocks noChangeAspect="1"/>
-          </p:cNvPicPr>
-          <p:nvPr/>
-        </p:nvPicPr>
-        <p:blipFill>
-          <a:blip r:embed="rId6">
-            <a:extLst>
-              <a:ext uri="{28A0092B-C50C-407E-A947-70E740481C1C}">
-                <a14:useLocalDpi xmlns:a14="http://schemas.microsoft.com/office/drawing/2010/main" val="0"/>
-              </a:ext>
-            </a:extLst>
-          </a:blip>
-          <a:srcRect/>
-          <a:stretch>
-            <a:fillRect/>
-          </a:stretch>
-        </p:blipFill>
-        <p:spPr bwMode="auto">
-          <a:xfrm>
-            <a:off x="2771775" y="4141788"/>
-            <a:ext cx="1806575" cy="1808162"/>
-          </a:xfrm>
-          <a:prstGeom prst="rect">
-            <a:avLst/>
-          </a:prstGeom>
-          <a:noFill/>
-          <a:ln>
-            <a:noFill/>
-          </a:ln>
-          <a:extLst>
-            <a:ext uri="{909E8E84-426E-40dd-AFC4-6F175D3DCCD1}">
-              <a14:hiddenFill xmlns:a14="http://schemas.microsoft.com/office/drawing/2010/main">
-                <a:solidFill>
-                  <a:srgbClr val="FFFFFF"/>
-                </a:solidFill>
-              </a14:hiddenFill>
-            </a:ext>
-            <a:ext uri="{91240B29-F687-4f45-9708-019B960494DF}">
-              <a14:hiddenLine xmlns:a14="http://schemas.microsoft.com/office/drawing/2010/main" w="9525">
-                <a:solidFill>
-                  <a:srgbClr val="000000"/>
-                </a:solidFill>
-                <a:miter lim="800000"/>
-                <a:headEnd/>
-                <a:tailEnd/>
-              </a14:hiddenLine>
-            </a:ext>
-          </a:extLst>
-        </p:spPr>
-      </p:pic>
-      <p:pic>
-        <p:nvPicPr>
-          <p:cNvPr id="25605" name="Picture 5" descr="cummeRbund-manual-global_plots_volcano_1-0.png"/>
-          <p:cNvPicPr>
-            <a:picLocks noChangeAspect="1"/>
-          </p:cNvPicPr>
-          <p:nvPr/>
-        </p:nvPicPr>
-        <p:blipFill>
-          <a:blip r:embed="rId7">
-            <a:extLst>
-              <a:ext uri="{28A0092B-C50C-407E-A947-70E740481C1C}">
-                <a14:useLocalDpi xmlns:a14="http://schemas.microsoft.com/office/drawing/2010/main" val="0"/>
-              </a:ext>
-            </a:extLst>
-          </a:blip>
-          <a:srcRect/>
-          <a:stretch>
-            <a:fillRect/>
-          </a:stretch>
-        </p:blipFill>
-        <p:spPr bwMode="auto">
-          <a:xfrm>
-            <a:off x="4787900" y="4076700"/>
-            <a:ext cx="2087563" cy="2089150"/>
-          </a:xfrm>
-          <a:prstGeom prst="rect">
-            <a:avLst/>
-          </a:prstGeom>
-          <a:noFill/>
-          <a:ln>
-            <a:noFill/>
-          </a:ln>
-          <a:extLst>
-            <a:ext uri="{909E8E84-426E-40dd-AFC4-6F175D3DCCD1}">
-              <a14:hiddenFill xmlns:a14="http://schemas.microsoft.com/office/drawing/2010/main">
-                <a:solidFill>
-                  <a:srgbClr val="FFFFFF"/>
-                </a:solidFill>
-              </a14:hiddenFill>
-            </a:ext>
-            <a:ext uri="{91240B29-F687-4f45-9708-019B960494DF}">
-              <a14:hiddenLine xmlns:a14="http://schemas.microsoft.com/office/drawing/2010/main" w="9525">
-                <a:solidFill>
-                  <a:srgbClr val="000000"/>
-                </a:solidFill>
-                <a:miter lim="800000"/>
-                <a:headEnd/>
-                <a:tailEnd/>
-              </a14:hiddenLine>
-            </a:ext>
-          </a:extLst>
-        </p:spPr>
-      </p:pic>
-      <p:pic>
-        <p:nvPicPr>
-          <p:cNvPr id="25606" name="Picture 6" descr="ENCODE_SCV.png"/>
-          <p:cNvPicPr>
-            <a:picLocks noChangeAspect="1"/>
-          </p:cNvPicPr>
-          <p:nvPr/>
-        </p:nvPicPr>
-        <p:blipFill>
-          <a:blip r:embed="rId8">
-            <a:extLst>
-              <a:ext uri="{28A0092B-C50C-407E-A947-70E740481C1C}">
-                <a14:useLocalDpi xmlns:a14="http://schemas.microsoft.com/office/drawing/2010/main" val="0"/>
-              </a:ext>
-            </a:extLst>
-          </a:blip>
-          <a:srcRect r="49957"/>
-          <a:stretch>
-            <a:fillRect/>
-          </a:stretch>
-        </p:blipFill>
-        <p:spPr bwMode="auto">
-          <a:xfrm>
-            <a:off x="6948488" y="4221163"/>
-            <a:ext cx="1763712" cy="1762125"/>
-          </a:xfrm>
-          <a:prstGeom prst="rect">
-            <a:avLst/>
-          </a:prstGeom>
-          <a:noFill/>
-          <a:ln>
-            <a:noFill/>
-          </a:ln>
-          <a:extLst>
-            <a:ext uri="{909E8E84-426E-40dd-AFC4-6F175D3DCCD1}">
-              <a14:hiddenFill xmlns:a14="http://schemas.microsoft.com/office/drawing/2010/main">
-                <a:solidFill>
-                  <a:srgbClr val="FFFFFF"/>
-                </a:solidFill>
-              </a14:hiddenFill>
-            </a:ext>
-            <a:ext uri="{91240B29-F687-4f45-9708-019B960494DF}">
-              <a14:hiddenLine xmlns:a14="http://schemas.microsoft.com/office/drawing/2010/main" w="9525">
-                <a:solidFill>
-                  <a:srgbClr val="000000"/>
-                </a:solidFill>
-                <a:miter lim="800000"/>
-                <a:headEnd/>
-                <a:tailEnd/>
-              </a14:hiddenLine>
-            </a:ext>
-          </a:extLst>
-        </p:spPr>
+        <p:spPr/>
       </p:pic>
     </p:spTree>
     <p:extLst>
       <p:ext uri="{BB962C8B-B14F-4D97-AF65-F5344CB8AC3E}">
-        <p14:creationId xmlns:p14="http://schemas.microsoft.com/office/powerpoint/2010/main" val="4078675946"/>
+        <p14:creationId xmlns:p14="http://schemas.microsoft.com/office/powerpoint/2010/main" val="3093578121"/>
       </p:ext>
     </p:extLst>
   </p:cSld>
@@ -8700,7 +8916,7 @@
       </p:grpSpPr>
       <p:sp>
         <p:nvSpPr>
-          <p:cNvPr id="27649" name="Title 1"/>
+          <p:cNvPr id="25601" name="Title 1"/>
           <p:cNvSpPr>
             <a:spLocks noGrp="1"/>
           </p:cNvSpPr>
@@ -8710,8 +8926,8 @@
         </p:nvSpPr>
         <p:spPr>
           <a:xfrm>
-            <a:off x="152400" y="44450"/>
-            <a:ext cx="8839200" cy="1143000"/>
+            <a:off x="152400" y="-26988"/>
+            <a:ext cx="8839200" cy="1143001"/>
           </a:xfrm>
         </p:spPr>
         <p:txBody>
@@ -8723,21 +8939,25 @@
                 <a:latin typeface="Calibri" charset="0"/>
                 <a:ea typeface="ＭＳ Ｐゴシック" charset="0"/>
               </a:rPr>
-              <a:t>Post</a:t>
-            </a:r>
-            <a:r>
-              <a:rPr lang="en-US" dirty="0">
+              <a:t>5-iii,iv. </a:t>
+            </a:r>
+            <a:r>
+              <a:rPr lang="en-US" dirty="0" err="1" smtClean="0">
                 <a:latin typeface="Calibri" charset="0"/>
                 <a:ea typeface="ＭＳ Ｐゴシック" charset="0"/>
               </a:rPr>
-              <a:t>-process output files (optional)</a:t>
-            </a:r>
+              <a:t>Cuffmerge</a:t>
+            </a:r>
+            <a:endParaRPr lang="en-US" dirty="0">
+              <a:latin typeface="Calibri" charset="0"/>
+              <a:ea typeface="ＭＳ Ｐゴシック" charset="0"/>
+            </a:endParaRPr>
           </a:p>
         </p:txBody>
       </p:sp>
       <p:sp>
         <p:nvSpPr>
-          <p:cNvPr id="27650" name="Content Placeholder 2"/>
+          <p:cNvPr id="25602" name="Content Placeholder 2"/>
           <p:cNvSpPr>
             <a:spLocks noGrp="1"/>
           </p:cNvSpPr>
@@ -8745,12 +8965,7 @@
             <p:ph idx="1"/>
           </p:nvPr>
         </p:nvSpPr>
-        <p:spPr>
-          <a:xfrm>
-            <a:off x="152400" y="1268413"/>
-            <a:ext cx="8839200" cy="5056187"/>
-          </a:xfrm>
-        </p:spPr>
+        <p:spPr/>
         <p:txBody>
           <a:bodyPr/>
           <a:lstStyle/>
@@ -8759,85 +8974,66 @@
               <a:rPr lang="en-US">
                 <a:latin typeface="Calibri" charset="0"/>
                 <a:ea typeface="ＭＳ Ｐゴシック" charset="0"/>
-              </a:rPr>
-              <a:t>Cufflinks and Cuffdiff output various file formats</a:t>
-            </a:r>
-          </a:p>
-          <a:p>
-            <a:pPr lvl="1"/>
-            <a:r>
-              <a:rPr lang="en-US">
-                <a:latin typeface="Calibri" charset="0"/>
-                <a:ea typeface="ＭＳ Ｐゴシック" charset="0"/>
-              </a:rPr>
-              <a:t>.fpkm_tracking, transcrips.gtf, and .diff files</a:t>
-            </a:r>
-          </a:p>
-          <a:p>
-            <a:r>
-              <a:rPr lang="en-US">
-                <a:latin typeface="Calibri" charset="0"/>
-                <a:ea typeface="ＭＳ Ｐゴシック" charset="0"/>
-              </a:rPr>
-              <a:t>In this step, we will explore the content of these files at the linux command line before importing them into R for more advanced summarization, plotting, etc.</a:t>
-            </a:r>
-          </a:p>
-          <a:p>
-            <a:pPr lvl="1"/>
-            <a:r>
-              <a:rPr lang="en-US">
-                <a:latin typeface="Calibri" charset="0"/>
-                <a:ea typeface="ＭＳ Ｐゴシック" charset="0"/>
-              </a:rPr>
-              <a:t>If you are unfamiliar with R, this is an interactive statistical programming interface that can also be used for graphing and file data manipulation (i.e. an alternative to </a:t>
-            </a:r>
-            <a:r>
-              <a:rPr lang="ja-JP" altLang="en-US">
-                <a:latin typeface="Calibri" charset="0"/>
-                <a:ea typeface="ＭＳ Ｐゴシック" charset="0"/>
-              </a:rPr>
-              <a:t>‘</a:t>
-            </a:r>
-            <a:r>
-              <a:rPr lang="en-US" altLang="ja-JP">
-                <a:latin typeface="Calibri" charset="0"/>
-                <a:ea typeface="ＭＳ Ｐゴシック" charset="0"/>
-              </a:rPr>
-              <a:t>excel</a:t>
-            </a:r>
-            <a:r>
-              <a:rPr lang="ja-JP" altLang="en-US">
-                <a:latin typeface="Calibri" charset="0"/>
-                <a:ea typeface="ＭＳ Ｐゴシック" charset="0"/>
-              </a:rPr>
-              <a:t>’</a:t>
-            </a:r>
-            <a:r>
-              <a:rPr lang="en-US" altLang="ja-JP">
-                <a:latin typeface="Calibri" charset="0"/>
-                <a:ea typeface="ＭＳ Ｐゴシック" charset="0"/>
-              </a:rPr>
-              <a:t>)</a:t>
-            </a:r>
-          </a:p>
-          <a:p>
-            <a:pPr lvl="1"/>
-            <a:r>
-              <a:rPr lang="en-US" altLang="ja-JP">
-                <a:latin typeface="Calibri" charset="0"/>
-                <a:ea typeface="ＭＳ Ｐゴシック" charset="0"/>
                 <a:hlinkClick r:id="rId3"/>
               </a:rPr>
-              <a:t>http://cran.r-project.org/</a:t>
-            </a:r>
-            <a:endParaRPr lang="en-US" altLang="ja-JP">
+              <a:t>http://cufflinks.cbcb.umd.edu/manual.html#cuffmerge</a:t>
+            </a:r>
+            <a:endParaRPr lang="en-US">
               <a:latin typeface="Calibri" charset="0"/>
               <a:ea typeface="ＭＳ Ｐゴシック" charset="0"/>
             </a:endParaRPr>
           </a:p>
           <a:p>
+            <a:endParaRPr lang="en-US">
+              <a:latin typeface="Calibri" charset="0"/>
+              <a:ea typeface="ＭＳ Ｐゴシック" charset="0"/>
+            </a:endParaRPr>
+          </a:p>
+          <a:p>
+            <a:r>
+              <a:rPr lang="en-US">
+                <a:latin typeface="Calibri" charset="0"/>
+                <a:ea typeface="ＭＳ Ｐゴシック" charset="0"/>
+              </a:rPr>
+              <a:t>Cuffmerge combines transcripts predicted from multiple RNA-seq data sets into one view of the transcriptome</a:t>
+            </a:r>
+          </a:p>
+          <a:p>
             <a:pPr lvl="1"/>
-            <a:endParaRPr lang="en-US" altLang="ja-JP">
+            <a:r>
+              <a:rPr lang="en-US">
+                <a:latin typeface="Calibri" charset="0"/>
+                <a:ea typeface="ＭＳ Ｐゴシック" charset="0"/>
+              </a:rPr>
+              <a:t>Do this before running cuffdiff to compare between multiple conditions</a:t>
+            </a:r>
+          </a:p>
+          <a:p>
+            <a:r>
+              <a:rPr lang="en-US">
+                <a:latin typeface="Calibri" charset="0"/>
+                <a:ea typeface="ＭＳ Ｐゴシック" charset="0"/>
+              </a:rPr>
+              <a:t>Cuffmerge can also simultaneously compare transcripts to the known transcripts GTF file from Ensembl, etc.</a:t>
+            </a:r>
+          </a:p>
+          <a:p>
+            <a:pPr lvl="1"/>
+            <a:r>
+              <a:rPr lang="en-US">
+                <a:latin typeface="Calibri" charset="0"/>
+                <a:ea typeface="ＭＳ Ｐゴシック" charset="0"/>
+                <a:hlinkClick r:id="rId4"/>
+              </a:rPr>
+              <a:t>http://cufflinks.cbcb.umd.edu/manual.html#class_codes</a:t>
+            </a:r>
+            <a:endParaRPr lang="en-US">
+              <a:latin typeface="Calibri" charset="0"/>
+              <a:ea typeface="ＭＳ Ｐゴシック" charset="0"/>
+            </a:endParaRPr>
+          </a:p>
+          <a:p>
+            <a:endParaRPr lang="en-US">
               <a:latin typeface="Calibri" charset="0"/>
               <a:ea typeface="ＭＳ Ｐゴシック" charset="0"/>
             </a:endParaRPr>
@@ -8847,7 +9043,7 @@
     </p:spTree>
     <p:extLst>
       <p:ext uri="{BB962C8B-B14F-4D97-AF65-F5344CB8AC3E}">
-        <p14:creationId xmlns:p14="http://schemas.microsoft.com/office/powerpoint/2010/main" val="2280721646"/>
+        <p14:creationId xmlns:p14="http://schemas.microsoft.com/office/powerpoint/2010/main" val="1542652591"/>
       </p:ext>
     </p:extLst>
   </p:cSld>
@@ -8883,7 +9079,7 @@
       </p:grpSpPr>
       <p:sp>
         <p:nvSpPr>
-          <p:cNvPr id="29697" name="Title 1"/>
+          <p:cNvPr id="27649" name="Title 1"/>
           <p:cNvSpPr>
             <a:spLocks noGrp="1"/>
           </p:cNvSpPr>
@@ -8893,8 +9089,8 @@
         </p:nvSpPr>
         <p:spPr>
           <a:xfrm>
-            <a:off x="152400" y="44450"/>
-            <a:ext cx="8839200" cy="1143000"/>
+            <a:off x="152400" y="-26988"/>
+            <a:ext cx="8839200" cy="1143001"/>
           </a:xfrm>
         </p:spPr>
         <p:txBody>
@@ -8902,246 +9098,326 @@
           <a:lstStyle/>
           <a:p>
             <a:r>
-              <a:rPr lang="en-US" sz="3600" dirty="0" smtClean="0">
+              <a:rPr lang="en-US" dirty="0" smtClean="0">
                 <a:latin typeface="Calibri" charset="0"/>
                 <a:ea typeface="ＭＳ Ｐゴシック" charset="0"/>
               </a:rPr>
-              <a:t>Summarize </a:t>
-            </a:r>
-            <a:r>
-              <a:rPr lang="en-US" sz="3600" dirty="0">
+              <a:t>5-v. Comparison </a:t>
+            </a:r>
+            <a:r>
+              <a:rPr lang="en-US" dirty="0">
                 <a:latin typeface="Calibri" charset="0"/>
                 <a:ea typeface="ＭＳ Ｐゴシック" charset="0"/>
               </a:rPr>
-              <a:t>and visualize results</a:t>
-            </a:r>
-            <a:br>
-              <a:rPr lang="en-US" sz="3600" dirty="0">
-                <a:latin typeface="Calibri" charset="0"/>
-                <a:ea typeface="ＭＳ Ｐゴシック" charset="0"/>
-              </a:rPr>
-            </a:br>
-            <a:r>
-              <a:rPr lang="en-US" sz="3600" dirty="0">
-                <a:latin typeface="Calibri" charset="0"/>
-                <a:ea typeface="ＭＳ Ｐゴシック" charset="0"/>
-              </a:rPr>
-              <a:t>(optional)</a:t>
+              <a:t>of merged GTFs from each cufflinks mode</a:t>
+            </a:r>
+          </a:p>
+        </p:txBody>
+      </p:sp>
+      <p:pic>
+        <p:nvPicPr>
+          <p:cNvPr id="27650" name="Content Placeholder 3" descr="merge gtfs mode comparison.png"/>
+          <p:cNvPicPr>
+            <a:picLocks noGrp="1" noChangeAspect="1"/>
+          </p:cNvPicPr>
+          <p:nvPr>
+            <p:ph idx="1"/>
+          </p:nvPr>
+        </p:nvPicPr>
+        <p:blipFill>
+          <a:blip r:embed="rId3">
+            <a:extLst>
+              <a:ext uri="{28A0092B-C50C-407E-A947-70E740481C1C}">
+                <a14:useLocalDpi xmlns:a14="http://schemas.microsoft.com/office/drawing/2010/main" val="0"/>
+              </a:ext>
+            </a:extLst>
+          </a:blip>
+          <a:srcRect l="-461" r="-735"/>
+          <a:stretch>
+            <a:fillRect/>
+          </a:stretch>
+        </p:blipFill>
+        <p:spPr>
+          <a:xfrm>
+            <a:off x="1619250" y="1412875"/>
+            <a:ext cx="7380288" cy="4911725"/>
+          </a:xfrm>
+        </p:spPr>
+      </p:pic>
+      <p:cxnSp>
+        <p:nvCxnSpPr>
+          <p:cNvPr id="6" name="Straight Arrow Connector 5"/>
+          <p:cNvCxnSpPr/>
+          <p:nvPr/>
+        </p:nvCxnSpPr>
+        <p:spPr>
+          <a:xfrm>
+            <a:off x="5508625" y="3716338"/>
+            <a:ext cx="431800" cy="792162"/>
+          </a:xfrm>
+          <a:prstGeom prst="straightConnector1">
+            <a:avLst/>
+          </a:prstGeom>
+          <a:ln>
+            <a:tailEnd type="arrow"/>
+          </a:ln>
+        </p:spPr>
+        <p:style>
+          <a:lnRef idx="3">
+            <a:schemeClr val="accent2"/>
+          </a:lnRef>
+          <a:fillRef idx="0">
+            <a:schemeClr val="accent2"/>
+          </a:fillRef>
+          <a:effectRef idx="2">
+            <a:schemeClr val="accent2"/>
+          </a:effectRef>
+          <a:fontRef idx="minor">
+            <a:schemeClr val="tx1"/>
+          </a:fontRef>
+        </p:style>
+      </p:cxnSp>
+      <p:sp>
+        <p:nvSpPr>
+          <p:cNvPr id="7" name="TextBox 6"/>
+          <p:cNvSpPr txBox="1"/>
+          <p:nvPr/>
+        </p:nvSpPr>
+        <p:spPr>
+          <a:xfrm>
+            <a:off x="439738" y="4221163"/>
+            <a:ext cx="1236662" cy="276225"/>
+          </a:xfrm>
+          <a:prstGeom prst="rect">
+            <a:avLst/>
+          </a:prstGeom>
+        </p:spPr>
+        <p:style>
+          <a:lnRef idx="2">
+            <a:schemeClr val="dk1"/>
+          </a:lnRef>
+          <a:fillRef idx="1">
+            <a:schemeClr val="lt1"/>
+          </a:fillRef>
+          <a:effectRef idx="0">
+            <a:schemeClr val="dk1"/>
+          </a:effectRef>
+          <a:fontRef idx="minor">
+            <a:schemeClr val="dk1"/>
+          </a:fontRef>
+        </p:style>
+        <p:txBody>
+          <a:bodyPr wrap="none">
+            <a:spAutoFit/>
+          </a:bodyPr>
+          <a:lstStyle/>
+          <a:p>
+            <a:pPr>
+              <a:defRPr/>
+            </a:pPr>
+            <a:r>
+              <a:rPr lang="en-US" sz="1200" b="1" dirty="0" err="1"/>
+              <a:t>ref_only</a:t>
+            </a:r>
+            <a:r>
+              <a:rPr lang="en-US" sz="1200" b="1" dirty="0"/>
+              <a:t> mode</a:t>
             </a:r>
           </a:p>
         </p:txBody>
       </p:sp>
       <p:sp>
         <p:nvSpPr>
-          <p:cNvPr id="29698" name="Content Placeholder 2"/>
-          <p:cNvSpPr>
-            <a:spLocks noGrp="1"/>
-          </p:cNvSpPr>
-          <p:nvPr>
-            <p:ph idx="1"/>
-          </p:nvPr>
+          <p:cNvPr id="8" name="TextBox 7"/>
+          <p:cNvSpPr txBox="1"/>
+          <p:nvPr/>
         </p:nvSpPr>
         <p:spPr>
           <a:xfrm>
-            <a:off x="152400" y="1268413"/>
-            <a:ext cx="8839200" cy="5056187"/>
+            <a:off x="250825" y="4508500"/>
+            <a:ext cx="1425575" cy="277813"/>
           </a:xfrm>
+          <a:prstGeom prst="rect">
+            <a:avLst/>
+          </a:prstGeom>
         </p:spPr>
+        <p:style>
+          <a:lnRef idx="2">
+            <a:schemeClr val="dk1"/>
+          </a:lnRef>
+          <a:fillRef idx="1">
+            <a:schemeClr val="lt1"/>
+          </a:fillRef>
+          <a:effectRef idx="0">
+            <a:schemeClr val="dk1"/>
+          </a:effectRef>
+          <a:fontRef idx="minor">
+            <a:schemeClr val="dk1"/>
+          </a:fontRef>
+        </p:style>
         <p:txBody>
-          <a:bodyPr/>
+          <a:bodyPr wrap="none">
+            <a:spAutoFit/>
+          </a:bodyPr>
           <a:lstStyle/>
           <a:p>
             <a:pPr>
-              <a:lnSpc>
-                <a:spcPct val="90000"/>
-              </a:lnSpc>
+              <a:defRPr/>
             </a:pPr>
             <a:r>
-              <a:rPr lang="en-US" sz="2600" dirty="0">
-                <a:latin typeface="Calibri" charset="0"/>
-                <a:ea typeface="ＭＳ Ｐゴシック" charset="0"/>
-              </a:rPr>
-              <a:t>In this step we will use R to summarize and visualize the results of the previous steps</a:t>
-            </a:r>
-          </a:p>
-          <a:p>
-            <a:pPr marL="342900" lvl="1" indent="-342900">
-              <a:lnSpc>
-                <a:spcPct val="90000"/>
-              </a:lnSpc>
-              <a:buFont typeface="Arial" charset="0"/>
-              <a:buChar char="•"/>
+              <a:rPr lang="en-US" sz="1200" b="1" dirty="0" err="1"/>
+              <a:t>ref_guided</a:t>
+            </a:r>
+            <a:r>
+              <a:rPr lang="en-US" sz="1200" b="1" dirty="0"/>
+              <a:t> mode</a:t>
+            </a:r>
+          </a:p>
+        </p:txBody>
+      </p:sp>
+      <p:sp>
+        <p:nvSpPr>
+          <p:cNvPr id="9" name="TextBox 8"/>
+          <p:cNvSpPr txBox="1"/>
+          <p:nvPr/>
+        </p:nvSpPr>
+        <p:spPr>
+          <a:xfrm>
+            <a:off x="404813" y="4797425"/>
+            <a:ext cx="1271587" cy="276225"/>
+          </a:xfrm>
+          <a:prstGeom prst="rect">
+            <a:avLst/>
+          </a:prstGeom>
+        </p:spPr>
+        <p:style>
+          <a:lnRef idx="2">
+            <a:schemeClr val="dk1"/>
+          </a:lnRef>
+          <a:fillRef idx="1">
+            <a:schemeClr val="lt1"/>
+          </a:fillRef>
+          <a:effectRef idx="0">
+            <a:schemeClr val="dk1"/>
+          </a:effectRef>
+          <a:fontRef idx="minor">
+            <a:schemeClr val="dk1"/>
+          </a:fontRef>
+        </p:style>
+        <p:txBody>
+          <a:bodyPr wrap="none">
+            <a:spAutoFit/>
+          </a:bodyPr>
+          <a:lstStyle/>
+          <a:p>
+            <a:pPr>
+              <a:defRPr/>
             </a:pPr>
             <a:r>
-              <a:rPr lang="en-US" sz="2600" dirty="0">
-                <a:latin typeface="Calibri" charset="0"/>
-                <a:ea typeface="ＭＳ Ｐゴシック" charset="0"/>
-              </a:rPr>
-              <a:t>Explanation of the R commands is provided in </a:t>
-            </a:r>
-            <a:r>
-              <a:rPr lang="en-US" sz="2600" dirty="0" smtClean="0">
-                <a:latin typeface="Calibri" charset="0"/>
-                <a:ea typeface="ＭＳ Ｐゴシック" charset="0"/>
-              </a:rPr>
-              <a:t>the online wiki</a:t>
-            </a:r>
-            <a:endParaRPr lang="en-US" altLang="ja-JP" sz="2600" dirty="0">
-              <a:latin typeface="Calibri" charset="0"/>
-              <a:ea typeface="ＭＳ Ｐゴシック" charset="0"/>
-            </a:endParaRPr>
-          </a:p>
+              <a:rPr lang="en-US" sz="1200" b="1" dirty="0" err="1"/>
+              <a:t>de_novo</a:t>
+            </a:r>
+            <a:r>
+              <a:rPr lang="en-US" sz="1200" b="1" dirty="0"/>
+              <a:t> mode</a:t>
+            </a:r>
+          </a:p>
+        </p:txBody>
+      </p:sp>
+      <p:sp>
+        <p:nvSpPr>
+          <p:cNvPr id="10" name="TextBox 9"/>
+          <p:cNvSpPr txBox="1"/>
+          <p:nvPr/>
+        </p:nvSpPr>
+        <p:spPr>
+          <a:xfrm>
+            <a:off x="361950" y="5157788"/>
+            <a:ext cx="1314450" cy="276225"/>
+          </a:xfrm>
+          <a:prstGeom prst="rect">
+            <a:avLst/>
+          </a:prstGeom>
+        </p:spPr>
+        <p:style>
+          <a:lnRef idx="2">
+            <a:schemeClr val="dk1"/>
+          </a:lnRef>
+          <a:fillRef idx="1">
+            <a:schemeClr val="lt1"/>
+          </a:fillRef>
+          <a:effectRef idx="0">
+            <a:schemeClr val="dk1"/>
+          </a:effectRef>
+          <a:fontRef idx="minor">
+            <a:schemeClr val="dk1"/>
+          </a:fontRef>
+        </p:style>
+        <p:txBody>
+          <a:bodyPr wrap="none">
+            <a:spAutoFit/>
+          </a:bodyPr>
+          <a:lstStyle/>
           <a:p>
             <a:pPr>
-              <a:lnSpc>
-                <a:spcPct val="90000"/>
-              </a:lnSpc>
+              <a:defRPr/>
             </a:pPr>
             <a:r>
-              <a:rPr lang="en-US" sz="2600" dirty="0">
-                <a:latin typeface="Calibri" charset="0"/>
-                <a:ea typeface="ＭＳ Ｐゴシック" charset="0"/>
-              </a:rPr>
-              <a:t>Examples of the tasks performed:</a:t>
-            </a:r>
-          </a:p>
-          <a:p>
-            <a:pPr marL="342900" lvl="1" indent="-342900">
-              <a:lnSpc>
-                <a:spcPct val="90000"/>
-              </a:lnSpc>
+              <a:rPr lang="en-US" sz="1200" b="1" dirty="0"/>
+              <a:t>Ensembl genes</a:t>
+            </a:r>
+          </a:p>
+        </p:txBody>
+      </p:sp>
+      <p:sp>
+        <p:nvSpPr>
+          <p:cNvPr id="11" name="TextBox 10"/>
+          <p:cNvSpPr txBox="1"/>
+          <p:nvPr/>
+        </p:nvSpPr>
+        <p:spPr>
+          <a:xfrm>
+            <a:off x="568325" y="3284538"/>
+            <a:ext cx="1108075" cy="277812"/>
+          </a:xfrm>
+          <a:prstGeom prst="rect">
+            <a:avLst/>
+          </a:prstGeom>
+        </p:spPr>
+        <p:style>
+          <a:lnRef idx="2">
+            <a:schemeClr val="dk1"/>
+          </a:lnRef>
+          <a:fillRef idx="1">
+            <a:schemeClr val="lt1"/>
+          </a:fillRef>
+          <a:effectRef idx="0">
+            <a:schemeClr val="dk1"/>
+          </a:effectRef>
+          <a:fontRef idx="minor">
+            <a:schemeClr val="dk1"/>
+          </a:fontRef>
+        </p:style>
+        <p:txBody>
+          <a:bodyPr wrap="none">
+            <a:spAutoFit/>
+          </a:bodyPr>
+          <a:lstStyle/>
+          <a:p>
+            <a:pPr>
+              <a:defRPr/>
             </a:pPr>
             <a:r>
-              <a:rPr lang="en-US" sz="2200" dirty="0">
-                <a:latin typeface="Calibri" charset="0"/>
-                <a:ea typeface="ＭＳ Ｐゴシック" charset="0"/>
-              </a:rPr>
-              <a:t>Examine the expression estimates</a:t>
-            </a:r>
-          </a:p>
-          <a:p>
-            <a:pPr lvl="2">
-              <a:lnSpc>
-                <a:spcPct val="90000"/>
-              </a:lnSpc>
-            </a:pPr>
-            <a:r>
-              <a:rPr lang="en-US" sz="1900" dirty="0">
-                <a:latin typeface="Calibri" charset="0"/>
-                <a:ea typeface="ＭＳ Ｐゴシック" charset="0"/>
-              </a:rPr>
-              <a:t>How reproducible are the technical replicates?  </a:t>
-            </a:r>
-          </a:p>
-          <a:p>
-            <a:pPr lvl="2">
-              <a:lnSpc>
-                <a:spcPct val="90000"/>
-              </a:lnSpc>
-            </a:pPr>
-            <a:r>
-              <a:rPr lang="en-US" sz="1900" dirty="0">
-                <a:latin typeface="Calibri" charset="0"/>
-                <a:ea typeface="ＭＳ Ｐゴシック" charset="0"/>
-              </a:rPr>
-              <a:t>How well do the different library construction methods correlate? </a:t>
-            </a:r>
-          </a:p>
-          <a:p>
-            <a:pPr lvl="2">
-              <a:lnSpc>
-                <a:spcPct val="90000"/>
-              </a:lnSpc>
-            </a:pPr>
-            <a:r>
-              <a:rPr lang="en-US" sz="1900" dirty="0">
-                <a:latin typeface="Calibri" charset="0"/>
-                <a:ea typeface="ＭＳ Ｐゴシック" charset="0"/>
-              </a:rPr>
-              <a:t>Visualize the differences between/among replicates, library prep methods and tumor versus normal</a:t>
-            </a:r>
-          </a:p>
-          <a:p>
-            <a:pPr marL="342900" lvl="1" indent="-342900">
-              <a:lnSpc>
-                <a:spcPct val="90000"/>
-              </a:lnSpc>
-            </a:pPr>
-            <a:r>
-              <a:rPr lang="en-US" sz="2200" dirty="0">
-                <a:latin typeface="Calibri" charset="0"/>
-                <a:ea typeface="ＭＳ Ｐゴシック" charset="0"/>
-              </a:rPr>
-              <a:t>Examine the differential expression estimates</a:t>
-            </a:r>
-          </a:p>
-          <a:p>
-            <a:pPr lvl="2">
-              <a:lnSpc>
-                <a:spcPct val="90000"/>
-              </a:lnSpc>
-            </a:pPr>
-            <a:r>
-              <a:rPr lang="en-US" sz="1900" dirty="0">
-                <a:latin typeface="Calibri" charset="0"/>
-                <a:ea typeface="ＭＳ Ｐゴシック" charset="0"/>
-              </a:rPr>
-              <a:t>Visualize the expression estimates and highlight those genes that appear to be differentially expressed according to </a:t>
-            </a:r>
-            <a:r>
-              <a:rPr lang="en-US" sz="1900" dirty="0" err="1">
-                <a:latin typeface="Calibri" charset="0"/>
-                <a:ea typeface="ＭＳ Ｐゴシック" charset="0"/>
-              </a:rPr>
-              <a:t>cuffdiff</a:t>
-            </a:r>
-            <a:endParaRPr lang="en-US" sz="1900" dirty="0">
-              <a:latin typeface="Calibri" charset="0"/>
-              <a:ea typeface="ＭＳ Ｐゴシック" charset="0"/>
-            </a:endParaRPr>
-          </a:p>
-          <a:p>
-            <a:pPr lvl="2">
-              <a:lnSpc>
-                <a:spcPct val="90000"/>
-              </a:lnSpc>
-            </a:pPr>
-            <a:r>
-              <a:rPr lang="en-US" sz="1900" dirty="0">
-                <a:latin typeface="Calibri" charset="0"/>
-                <a:ea typeface="ＭＳ Ｐゴシック" charset="0"/>
-              </a:rPr>
-              <a:t>Generate a list of the top differentially expressed genes</a:t>
-            </a:r>
-          </a:p>
-          <a:p>
-            <a:pPr>
-              <a:lnSpc>
-                <a:spcPct val="90000"/>
-              </a:lnSpc>
-            </a:pPr>
-            <a:endParaRPr lang="en-US" sz="2600" dirty="0">
-              <a:latin typeface="Calibri" charset="0"/>
-              <a:ea typeface="ＭＳ Ｐゴシック" charset="0"/>
-            </a:endParaRPr>
-          </a:p>
-          <a:p>
-            <a:pPr>
-              <a:lnSpc>
-                <a:spcPct val="90000"/>
-              </a:lnSpc>
-            </a:pPr>
-            <a:endParaRPr lang="en-US" sz="2600" dirty="0">
-              <a:latin typeface="Calibri" charset="0"/>
-              <a:ea typeface="ＭＳ Ｐゴシック" charset="0"/>
-            </a:endParaRPr>
+              <a:rPr lang="en-US" sz="1200" b="1" dirty="0"/>
+              <a:t>UCSC genes</a:t>
+            </a:r>
           </a:p>
         </p:txBody>
       </p:sp>
     </p:spTree>
     <p:extLst>
       <p:ext uri="{BB962C8B-B14F-4D97-AF65-F5344CB8AC3E}">
-        <p14:creationId xmlns:p14="http://schemas.microsoft.com/office/powerpoint/2010/main" val="1491372023"/>
+        <p14:creationId xmlns:p14="http://schemas.microsoft.com/office/powerpoint/2010/main" val="2204738228"/>
       </p:ext>
     </p:extLst>
   </p:cSld>
